--- a/presentations/session-14-machine-learning.pptx
+++ b/presentations/session-14-machine-learning.pptx
@@ -13157,7 +13157,7 @@
                 </a:solidFill>
                 <a:latin typeface="Cambria" panose="02040503050406030204" pitchFamily="18" charset="0"/>
               </a:rPr>
-              <a:t>“SHPINSH”</a:t>
+              <a:t>“SHPINBLE”</a:t>
             </a:r>
           </a:p>
         </p:txBody>

--- a/presentations/session-14-machine-learning.pptx
+++ b/presentations/session-14-machine-learning.pptx
@@ -5,7 +5,7 @@
     <p:sldMasterId id="2147483648" r:id="rId1"/>
   </p:sldMasterIdLst>
   <p:notesMasterIdLst>
-    <p:notesMasterId r:id="rId46"/>
+    <p:notesMasterId r:id="rId47"/>
   </p:notesMasterIdLst>
   <p:sldIdLst>
     <p:sldId id="263" r:id="rId2"/>
@@ -23,35 +23,36 @@
     <p:sldId id="526" r:id="rId14"/>
     <p:sldId id="527" r:id="rId15"/>
     <p:sldId id="540" r:id="rId16"/>
-    <p:sldId id="528" r:id="rId17"/>
-    <p:sldId id="529" r:id="rId18"/>
-    <p:sldId id="532" r:id="rId19"/>
-    <p:sldId id="533" r:id="rId20"/>
-    <p:sldId id="534" r:id="rId21"/>
-    <p:sldId id="542" r:id="rId22"/>
-    <p:sldId id="535" r:id="rId23"/>
-    <p:sldId id="531" r:id="rId24"/>
-    <p:sldId id="536" r:id="rId25"/>
-    <p:sldId id="537" r:id="rId26"/>
-    <p:sldId id="538" r:id="rId27"/>
-    <p:sldId id="541" r:id="rId28"/>
-    <p:sldId id="539" r:id="rId29"/>
-    <p:sldId id="543" r:id="rId30"/>
-    <p:sldId id="544" r:id="rId31"/>
-    <p:sldId id="546" r:id="rId32"/>
-    <p:sldId id="548" r:id="rId33"/>
-    <p:sldId id="545" r:id="rId34"/>
-    <p:sldId id="549" r:id="rId35"/>
-    <p:sldId id="550" r:id="rId36"/>
-    <p:sldId id="551" r:id="rId37"/>
-    <p:sldId id="552" r:id="rId38"/>
-    <p:sldId id="555" r:id="rId39"/>
-    <p:sldId id="554" r:id="rId40"/>
-    <p:sldId id="553" r:id="rId41"/>
-    <p:sldId id="556" r:id="rId42"/>
-    <p:sldId id="505" r:id="rId43"/>
-    <p:sldId id="547" r:id="rId44"/>
-    <p:sldId id="352" r:id="rId45"/>
+    <p:sldId id="557" r:id="rId17"/>
+    <p:sldId id="528" r:id="rId18"/>
+    <p:sldId id="529" r:id="rId19"/>
+    <p:sldId id="532" r:id="rId20"/>
+    <p:sldId id="533" r:id="rId21"/>
+    <p:sldId id="534" r:id="rId22"/>
+    <p:sldId id="542" r:id="rId23"/>
+    <p:sldId id="535" r:id="rId24"/>
+    <p:sldId id="531" r:id="rId25"/>
+    <p:sldId id="536" r:id="rId26"/>
+    <p:sldId id="537" r:id="rId27"/>
+    <p:sldId id="538" r:id="rId28"/>
+    <p:sldId id="541" r:id="rId29"/>
+    <p:sldId id="539" r:id="rId30"/>
+    <p:sldId id="543" r:id="rId31"/>
+    <p:sldId id="544" r:id="rId32"/>
+    <p:sldId id="546" r:id="rId33"/>
+    <p:sldId id="548" r:id="rId34"/>
+    <p:sldId id="545" r:id="rId35"/>
+    <p:sldId id="549" r:id="rId36"/>
+    <p:sldId id="550" r:id="rId37"/>
+    <p:sldId id="551" r:id="rId38"/>
+    <p:sldId id="552" r:id="rId39"/>
+    <p:sldId id="555" r:id="rId40"/>
+    <p:sldId id="554" r:id="rId41"/>
+    <p:sldId id="553" r:id="rId42"/>
+    <p:sldId id="556" r:id="rId43"/>
+    <p:sldId id="505" r:id="rId44"/>
+    <p:sldId id="547" r:id="rId45"/>
+    <p:sldId id="352" r:id="rId46"/>
   </p:sldIdLst>
   <p:sldSz cx="12192000" cy="6858000"/>
   <p:notesSz cx="6797675" cy="9874250"/>
@@ -3693,6 +3694,90 @@
             <a:fld id="{2F6F93F9-6E01-423B-ABB3-8FB3B0651941}" type="slidenum">
               <a:rPr lang="en-US" smtClean="0"/>
               <a:t>43</a:t>
+            </a:fld>
+            <a:endParaRPr lang="en-US"/>
+          </a:p>
+        </p:txBody>
+      </p:sp>
+    </p:spTree>
+    <p:extLst>
+      <p:ext uri="{BB962C8B-B14F-4D97-AF65-F5344CB8AC3E}">
+        <p14:creationId xmlns:p14="http://schemas.microsoft.com/office/powerpoint/2010/main" val="2820634941"/>
+      </p:ext>
+    </p:extLst>
+  </p:cSld>
+  <p:clrMapOvr>
+    <a:masterClrMapping/>
+  </p:clrMapOvr>
+</p:notes>
+</file>
+
+<file path=ppt/notesSlides/notesSlide44.xml><?xml version="1.0" encoding="utf-8"?>
+<p:notes xmlns:a="http://schemas.openxmlformats.org/drawingml/2006/main" xmlns:r="http://schemas.openxmlformats.org/officeDocument/2006/relationships" xmlns:p="http://schemas.openxmlformats.org/presentationml/2006/main">
+  <p:cSld>
+    <p:spTree>
+      <p:nvGrpSpPr>
+        <p:cNvPr id="1" name=""/>
+        <p:cNvGrpSpPr/>
+        <p:nvPr/>
+      </p:nvGrpSpPr>
+      <p:grpSpPr>
+        <a:xfrm>
+          <a:off x="0" y="0"/>
+          <a:ext cx="0" cy="0"/>
+          <a:chOff x="0" y="0"/>
+          <a:chExt cx="0" cy="0"/>
+        </a:xfrm>
+      </p:grpSpPr>
+      <p:sp>
+        <p:nvSpPr>
+          <p:cNvPr id="2" name="Slide Image Placeholder 1"/>
+          <p:cNvSpPr>
+            <a:spLocks noGrp="1" noRot="1" noChangeAspect="1"/>
+          </p:cNvSpPr>
+          <p:nvPr>
+            <p:ph type="sldImg"/>
+          </p:nvPr>
+        </p:nvSpPr>
+        <p:spPr/>
+      </p:sp>
+      <p:sp>
+        <p:nvSpPr>
+          <p:cNvPr id="3" name="Notes Placeholder 2"/>
+          <p:cNvSpPr>
+            <a:spLocks noGrp="1"/>
+          </p:cNvSpPr>
+          <p:nvPr>
+            <p:ph type="body" idx="1"/>
+          </p:nvPr>
+        </p:nvSpPr>
+        <p:spPr/>
+        <p:txBody>
+          <a:bodyPr/>
+          <a:lstStyle/>
+          <a:p>
+            <a:endParaRPr lang="en-US" dirty="0"/>
+          </a:p>
+        </p:txBody>
+      </p:sp>
+      <p:sp>
+        <p:nvSpPr>
+          <p:cNvPr id="4" name="Slide Number Placeholder 3"/>
+          <p:cNvSpPr>
+            <a:spLocks noGrp="1"/>
+          </p:cNvSpPr>
+          <p:nvPr>
+            <p:ph type="sldNum" sz="quarter" idx="10"/>
+          </p:nvPr>
+        </p:nvSpPr>
+        <p:spPr/>
+        <p:txBody>
+          <a:bodyPr/>
+          <a:lstStyle/>
+          <a:p>
+            <a:fld id="{2F6F93F9-6E01-423B-ABB3-8FB3B0651941}" type="slidenum">
+              <a:rPr lang="en-US" smtClean="0"/>
+              <a:t>44</a:t>
             </a:fld>
             <a:endParaRPr lang="en-US"/>
           </a:p>
@@ -10152,8 +10237,8 @@
         </p:nvSpPr>
         <p:spPr>
           <a:xfrm>
-            <a:off x="1837385" y="2095221"/>
-            <a:ext cx="9089610" cy="954107"/>
+            <a:off x="1850613" y="1076526"/>
+            <a:ext cx="8772119" cy="523220"/>
           </a:xfrm>
           <a:prstGeom prst="rect">
             <a:avLst/>
@@ -10173,18 +10258,208 @@
                 </a:solidFill>
                 <a:latin typeface="Cambria" panose="02040503050406030204" pitchFamily="18" charset="0"/>
               </a:rPr>
-              <a:t>BUT THIS IS ONLY ONE TYPE OF ALGORITHM! </a:t>
-            </a:r>
-          </a:p>
-          <a:p>
-            <a:r>
-              <a:rPr lang="en-US" sz="2800" b="1" dirty="0">
+              <a:t>REGULARIZATION | PENALIZING COST FUNCTION</a:t>
+            </a:r>
+          </a:p>
+        </p:txBody>
+      </p:sp>
+      <p:pic>
+        <p:nvPicPr>
+          <p:cNvPr id="2" name="Picture 1"/>
+          <p:cNvPicPr>
+            <a:picLocks noChangeAspect="1"/>
+          </p:cNvPicPr>
+          <p:nvPr/>
+        </p:nvPicPr>
+        <p:blipFill>
+          <a:blip r:embed="rId3"/>
+          <a:stretch>
+            <a:fillRect/>
+          </a:stretch>
+        </p:blipFill>
+        <p:spPr>
+          <a:xfrm>
+            <a:off x="1910340" y="1708159"/>
+            <a:ext cx="4826000" cy="3746500"/>
+          </a:xfrm>
+          <a:prstGeom prst="rect">
+            <a:avLst/>
+          </a:prstGeom>
+        </p:spPr>
+      </p:pic>
+      <p:pic>
+        <p:nvPicPr>
+          <p:cNvPr id="4" name="Picture 3"/>
+          <p:cNvPicPr>
+            <a:picLocks noChangeAspect="1"/>
+          </p:cNvPicPr>
+          <p:nvPr/>
+        </p:nvPicPr>
+        <p:blipFill>
+          <a:blip r:embed="rId4"/>
+          <a:stretch>
+            <a:fillRect/>
+          </a:stretch>
+        </p:blipFill>
+        <p:spPr>
+          <a:xfrm>
+            <a:off x="6810286" y="1673238"/>
+            <a:ext cx="4845735" cy="3803902"/>
+          </a:xfrm>
+          <a:prstGeom prst="rect">
+            <a:avLst/>
+          </a:prstGeom>
+        </p:spPr>
+      </p:pic>
+      <p:pic>
+        <p:nvPicPr>
+          <p:cNvPr id="7" name="Picture 6"/>
+          <p:cNvPicPr>
+            <a:picLocks noChangeAspect="1"/>
+          </p:cNvPicPr>
+          <p:nvPr/>
+        </p:nvPicPr>
+        <p:blipFill>
+          <a:blip r:embed="rId5"/>
+          <a:stretch>
+            <a:fillRect/>
+          </a:stretch>
+        </p:blipFill>
+        <p:spPr>
+          <a:xfrm>
+            <a:off x="7107718" y="1895949"/>
+            <a:ext cx="1562100" cy="698500"/>
+          </a:xfrm>
+          <a:prstGeom prst="rect">
+            <a:avLst/>
+          </a:prstGeom>
+        </p:spPr>
+      </p:pic>
+      <p:pic>
+        <p:nvPicPr>
+          <p:cNvPr id="8" name="Picture 7"/>
+          <p:cNvPicPr>
+            <a:picLocks noChangeAspect="1"/>
+          </p:cNvPicPr>
+          <p:nvPr/>
+        </p:nvPicPr>
+        <p:blipFill>
+          <a:blip r:embed="rId6"/>
+          <a:stretch>
+            <a:fillRect/>
+          </a:stretch>
+        </p:blipFill>
+        <p:spPr>
+          <a:xfrm>
+            <a:off x="2105113" y="1907589"/>
+            <a:ext cx="1473200" cy="622300"/>
+          </a:xfrm>
+          <a:prstGeom prst="rect">
+            <a:avLst/>
+          </a:prstGeom>
+        </p:spPr>
+      </p:pic>
+      <p:sp>
+        <p:nvSpPr>
+          <p:cNvPr id="9" name="TextBox 8"/>
+          <p:cNvSpPr txBox="1"/>
+          <p:nvPr/>
+        </p:nvSpPr>
+        <p:spPr>
+          <a:xfrm>
+            <a:off x="2003012" y="5568305"/>
+            <a:ext cx="2918103" cy="400110"/>
+          </a:xfrm>
+          <a:prstGeom prst="rect">
+            <a:avLst/>
+          </a:prstGeom>
+          <a:noFill/>
+        </p:spPr>
+        <p:txBody>
+          <a:bodyPr wrap="square" rtlCol="0">
+            <a:spAutoFit/>
+          </a:bodyPr>
+          <a:lstStyle/>
+          <a:p>
+            <a:r>
+              <a:rPr lang="en-US" sz="2000" b="1" dirty="0">
                 <a:solidFill>
                   <a:schemeClr val="accent1"/>
                 </a:solidFill>
                 <a:latin typeface="Cambria" panose="02040503050406030204" pitchFamily="18" charset="0"/>
               </a:rPr>
-              <a:t>WHAT ELSE?</a:t>
+              <a:t>RIDGE REGRESSION</a:t>
+            </a:r>
+          </a:p>
+        </p:txBody>
+      </p:sp>
+      <p:sp>
+        <p:nvSpPr>
+          <p:cNvPr id="10" name="TextBox 9"/>
+          <p:cNvSpPr txBox="1"/>
+          <p:nvPr/>
+        </p:nvSpPr>
+        <p:spPr>
+          <a:xfrm>
+            <a:off x="6957470" y="5601635"/>
+            <a:ext cx="3043508" cy="400110"/>
+          </a:xfrm>
+          <a:prstGeom prst="rect">
+            <a:avLst/>
+          </a:prstGeom>
+          <a:noFill/>
+        </p:spPr>
+        <p:txBody>
+          <a:bodyPr wrap="square" rtlCol="0">
+            <a:spAutoFit/>
+          </a:bodyPr>
+          <a:lstStyle/>
+          <a:p>
+            <a:r>
+              <a:rPr lang="en-US" sz="2000" b="1" dirty="0">
+                <a:solidFill>
+                  <a:schemeClr val="accent1"/>
+                </a:solidFill>
+                <a:latin typeface="Cambria" panose="02040503050406030204" pitchFamily="18" charset="0"/>
+              </a:rPr>
+              <a:t>LASSO REGRESSION</a:t>
+            </a:r>
+          </a:p>
+        </p:txBody>
+      </p:sp>
+      <p:sp>
+        <p:nvSpPr>
+          <p:cNvPr id="11" name="Rectangle 10">
+            <a:hlinkClick r:id="rId7"/>
+          </p:cNvPr>
+          <p:cNvSpPr/>
+          <p:nvPr/>
+        </p:nvSpPr>
+        <p:spPr>
+          <a:xfrm>
+            <a:off x="1996400" y="6102306"/>
+            <a:ext cx="9701697" cy="307777"/>
+          </a:xfrm>
+          <a:prstGeom prst="rect">
+            <a:avLst/>
+          </a:prstGeom>
+        </p:spPr>
+        <p:txBody>
+          <a:bodyPr wrap="square">
+            <a:spAutoFit/>
+          </a:bodyPr>
+          <a:lstStyle/>
+          <a:p>
+            <a:r>
+              <a:rPr lang="en-US" sz="1400">
+                <a:solidFill>
+                  <a:schemeClr val="tx1">
+                    <a:lumMod val="65000"/>
+                    <a:lumOff val="35000"/>
+                  </a:schemeClr>
+                </a:solidFill>
+              </a:rPr>
+              <a:t>S. Raschka &amp; V. Mirjalili, Python Machine Learning, Second Edition, Packt, 2017</a:t>
             </a:r>
           </a:p>
         </p:txBody>
@@ -10192,7 +10467,7 @@
     </p:spTree>
     <p:extLst>
       <p:ext uri="{BB962C8B-B14F-4D97-AF65-F5344CB8AC3E}">
-        <p14:creationId xmlns:p14="http://schemas.microsoft.com/office/powerpoint/2010/main" val="1985644014"/>
+        <p14:creationId xmlns:p14="http://schemas.microsoft.com/office/powerpoint/2010/main" val="544007033"/>
       </p:ext>
     </p:extLst>
   </p:cSld>
@@ -10238,6 +10513,100 @@
           <a:chExt cx="0" cy="0"/>
         </a:xfrm>
       </p:grpSpPr>
+      <p:sp>
+        <p:nvSpPr>
+          <p:cNvPr id="3" name="TextBox 2"/>
+          <p:cNvSpPr txBox="1"/>
+          <p:nvPr/>
+        </p:nvSpPr>
+        <p:spPr>
+          <a:xfrm>
+            <a:off x="1837385" y="2095221"/>
+            <a:ext cx="9089610" cy="954107"/>
+          </a:xfrm>
+          <a:prstGeom prst="rect">
+            <a:avLst/>
+          </a:prstGeom>
+          <a:noFill/>
+        </p:spPr>
+        <p:txBody>
+          <a:bodyPr wrap="square" rtlCol="0">
+            <a:spAutoFit/>
+          </a:bodyPr>
+          <a:lstStyle/>
+          <a:p>
+            <a:r>
+              <a:rPr lang="en-US" sz="2800" b="1" dirty="0">
+                <a:solidFill>
+                  <a:schemeClr val="accent1"/>
+                </a:solidFill>
+                <a:latin typeface="Cambria" panose="02040503050406030204" pitchFamily="18" charset="0"/>
+              </a:rPr>
+              <a:t>BUT THIS IS ONLY ONE TYPE OF ALGORITHM! </a:t>
+            </a:r>
+          </a:p>
+          <a:p>
+            <a:r>
+              <a:rPr lang="en-US" sz="2800" b="1" dirty="0">
+                <a:solidFill>
+                  <a:schemeClr val="accent1"/>
+                </a:solidFill>
+                <a:latin typeface="Cambria" panose="02040503050406030204" pitchFamily="18" charset="0"/>
+              </a:rPr>
+              <a:t>WHAT ELSE?</a:t>
+            </a:r>
+          </a:p>
+        </p:txBody>
+      </p:sp>
+    </p:spTree>
+    <p:extLst>
+      <p:ext uri="{BB962C8B-B14F-4D97-AF65-F5344CB8AC3E}">
+        <p14:creationId xmlns:p14="http://schemas.microsoft.com/office/powerpoint/2010/main" val="1985644014"/>
+      </p:ext>
+    </p:extLst>
+  </p:cSld>
+  <p:clrMapOvr>
+    <a:masterClrMapping/>
+  </p:clrMapOvr>
+  <mc:AlternateContent xmlns:mc="http://schemas.openxmlformats.org/markup-compatibility/2006" xmlns:p14="http://schemas.microsoft.com/office/powerpoint/2010/main">
+    <mc:Choice Requires="p14">
+      <p:transition spd="med" p14:dur="700">
+        <p:fade/>
+      </p:transition>
+    </mc:Choice>
+    <mc:Fallback xmlns="">
+      <p:transition spd="med">
+        <p:fade/>
+      </p:transition>
+    </mc:Fallback>
+  </mc:AlternateContent>
+  <p:timing>
+    <p:tnLst>
+      <p:par>
+        <p:cTn xmlns:p14="http://schemas.microsoft.com/office/powerpoint/2010/main" id="1" dur="indefinite" restart="never" nodeType="tmRoot"/>
+      </p:par>
+    </p:tnLst>
+  </p:timing>
+</p:sld>
+</file>
+
+<file path=ppt/slides/slide18.xml><?xml version="1.0" encoding="utf-8"?>
+<p:sld xmlns:a="http://schemas.openxmlformats.org/drawingml/2006/main" xmlns:r="http://schemas.openxmlformats.org/officeDocument/2006/relationships" xmlns:p="http://schemas.openxmlformats.org/presentationml/2006/main">
+  <p:cSld>
+    <p:spTree>
+      <p:nvGrpSpPr>
+        <p:cNvPr id="1" name=""/>
+        <p:cNvGrpSpPr/>
+        <p:nvPr/>
+      </p:nvGrpSpPr>
+      <p:grpSpPr>
+        <a:xfrm>
+          <a:off x="0" y="0"/>
+          <a:ext cx="0" cy="0"/>
+          <a:chOff x="0" y="0"/>
+          <a:chExt cx="0" cy="0"/>
+        </a:xfrm>
+      </p:grpSpPr>
       <p:pic>
         <p:nvPicPr>
           <p:cNvPr id="6" name="Picture 5"/>
@@ -10325,7 +10694,7 @@
 </p:sld>
 </file>
 
-<file path=ppt/slides/slide18.xml><?xml version="1.0" encoding="utf-8"?>
+<file path=ppt/slides/slide19.xml><?xml version="1.0" encoding="utf-8"?>
 <p:sld xmlns:a="http://schemas.openxmlformats.org/drawingml/2006/main" xmlns:r="http://schemas.openxmlformats.org/officeDocument/2006/relationships" xmlns:p="http://schemas.openxmlformats.org/presentationml/2006/main">
   <p:cSld>
     <p:spTree>
@@ -11223,7 +11592,146 @@
 </p:sld>
 </file>
 
-<file path=ppt/slides/slide19.xml><?xml version="1.0" encoding="utf-8"?>
+<file path=ppt/slides/slide2.xml><?xml version="1.0" encoding="utf-8"?>
+<p:sld xmlns:a="http://schemas.openxmlformats.org/drawingml/2006/main" xmlns:r="http://schemas.openxmlformats.org/officeDocument/2006/relationships" xmlns:p="http://schemas.openxmlformats.org/presentationml/2006/main">
+  <p:cSld>
+    <p:spTree>
+      <p:nvGrpSpPr>
+        <p:cNvPr id="1" name=""/>
+        <p:cNvGrpSpPr/>
+        <p:nvPr/>
+      </p:nvGrpSpPr>
+      <p:grpSpPr>
+        <a:xfrm>
+          <a:off x="0" y="0"/>
+          <a:ext cx="0" cy="0"/>
+          <a:chOff x="0" y="0"/>
+          <a:chExt cx="0" cy="0"/>
+        </a:xfrm>
+      </p:grpSpPr>
+      <p:sp>
+        <p:nvSpPr>
+          <p:cNvPr id="7" name="TextBox 6"/>
+          <p:cNvSpPr txBox="1"/>
+          <p:nvPr/>
+        </p:nvSpPr>
+        <p:spPr>
+          <a:xfrm>
+            <a:off x="364033" y="924127"/>
+            <a:ext cx="7807116" cy="523220"/>
+          </a:xfrm>
+          <a:prstGeom prst="rect">
+            <a:avLst/>
+          </a:prstGeom>
+          <a:noFill/>
+        </p:spPr>
+        <p:txBody>
+          <a:bodyPr wrap="square" rtlCol="0">
+            <a:spAutoFit/>
+          </a:bodyPr>
+          <a:lstStyle/>
+          <a:p>
+            <a:pPr algn="ctr"/>
+            <a:r>
+              <a:rPr lang="en-US" sz="2800" b="1" dirty="0">
+                <a:solidFill>
+                  <a:schemeClr val="accent1"/>
+                </a:solidFill>
+                <a:latin typeface="Cambria" panose="02040503050406030204" pitchFamily="18" charset="0"/>
+              </a:rPr>
+              <a:t>A MOTIVATING EXAMPLE</a:t>
+            </a:r>
+          </a:p>
+        </p:txBody>
+      </p:sp>
+      <p:pic>
+        <p:nvPicPr>
+          <p:cNvPr id="2" name="Picture 1"/>
+          <p:cNvPicPr>
+            <a:picLocks noChangeAspect="1"/>
+          </p:cNvPicPr>
+          <p:nvPr/>
+        </p:nvPicPr>
+        <p:blipFill>
+          <a:blip r:embed="rId3"/>
+          <a:stretch>
+            <a:fillRect/>
+          </a:stretch>
+        </p:blipFill>
+        <p:spPr>
+          <a:xfrm>
+            <a:off x="2012655" y="1977505"/>
+            <a:ext cx="8134793" cy="1873868"/>
+          </a:xfrm>
+          <a:prstGeom prst="rect">
+            <a:avLst/>
+          </a:prstGeom>
+        </p:spPr>
+      </p:pic>
+      <p:sp>
+        <p:nvSpPr>
+          <p:cNvPr id="8" name="Rectangle 7"/>
+          <p:cNvSpPr/>
+          <p:nvPr/>
+        </p:nvSpPr>
+        <p:spPr>
+          <a:xfrm>
+            <a:off x="2092626" y="3828534"/>
+            <a:ext cx="9701697" cy="646331"/>
+          </a:xfrm>
+          <a:prstGeom prst="rect">
+            <a:avLst/>
+          </a:prstGeom>
+        </p:spPr>
+        <p:txBody>
+          <a:bodyPr wrap="square">
+            <a:spAutoFit/>
+          </a:bodyPr>
+          <a:lstStyle/>
+          <a:p>
+            <a:r>
+              <a:rPr lang="en-US">
+                <a:hlinkClick r:id="rId4"/>
+              </a:rPr>
+              <a:t>https://cloud.google.com/blog/big-data/2016/08/how-a-japanese-cucumber-farmer-is-using-deep-learning-and-tensorflow</a:t>
+            </a:r>
+            <a:endParaRPr lang="en-US"/>
+          </a:p>
+        </p:txBody>
+      </p:sp>
+    </p:spTree>
+    <p:extLst>
+      <p:ext uri="{BB962C8B-B14F-4D97-AF65-F5344CB8AC3E}">
+        <p14:creationId xmlns:p14="http://schemas.microsoft.com/office/powerpoint/2010/main" val="4243481658"/>
+      </p:ext>
+    </p:extLst>
+  </p:cSld>
+  <p:clrMapOvr>
+    <a:masterClrMapping/>
+  </p:clrMapOvr>
+  <mc:AlternateContent xmlns:mc="http://schemas.openxmlformats.org/markup-compatibility/2006" xmlns:p14="http://schemas.microsoft.com/office/powerpoint/2010/main">
+    <mc:Choice Requires="p14">
+      <p:transition spd="med" p14:dur="700">
+        <p:fade/>
+      </p:transition>
+    </mc:Choice>
+    <mc:Fallback xmlns="">
+      <p:transition spd="med">
+        <p:fade/>
+      </p:transition>
+    </mc:Fallback>
+  </mc:AlternateContent>
+  <p:timing>
+    <p:tnLst>
+      <p:par>
+        <p:cTn xmlns:p14="http://schemas.microsoft.com/office/powerpoint/2010/main" id="1" dur="indefinite" restart="never" nodeType="tmRoot"/>
+      </p:par>
+    </p:tnLst>
+  </p:timing>
+</p:sld>
+</file>
+
+<file path=ppt/slides/slide20.xml><?xml version="1.0" encoding="utf-8"?>
 <p:sld xmlns:a="http://schemas.openxmlformats.org/drawingml/2006/main" xmlns:r="http://schemas.openxmlformats.org/officeDocument/2006/relationships" xmlns:p="http://schemas.openxmlformats.org/presentationml/2006/main">
   <p:cSld>
     <p:spTree>
@@ -12402,146 +12910,7 @@
 </p:sld>
 </file>
 
-<file path=ppt/slides/slide2.xml><?xml version="1.0" encoding="utf-8"?>
-<p:sld xmlns:a="http://schemas.openxmlformats.org/drawingml/2006/main" xmlns:r="http://schemas.openxmlformats.org/officeDocument/2006/relationships" xmlns:p="http://schemas.openxmlformats.org/presentationml/2006/main">
-  <p:cSld>
-    <p:spTree>
-      <p:nvGrpSpPr>
-        <p:cNvPr id="1" name=""/>
-        <p:cNvGrpSpPr/>
-        <p:nvPr/>
-      </p:nvGrpSpPr>
-      <p:grpSpPr>
-        <a:xfrm>
-          <a:off x="0" y="0"/>
-          <a:ext cx="0" cy="0"/>
-          <a:chOff x="0" y="0"/>
-          <a:chExt cx="0" cy="0"/>
-        </a:xfrm>
-      </p:grpSpPr>
-      <p:sp>
-        <p:nvSpPr>
-          <p:cNvPr id="7" name="TextBox 6"/>
-          <p:cNvSpPr txBox="1"/>
-          <p:nvPr/>
-        </p:nvSpPr>
-        <p:spPr>
-          <a:xfrm>
-            <a:off x="364033" y="924127"/>
-            <a:ext cx="7807116" cy="523220"/>
-          </a:xfrm>
-          <a:prstGeom prst="rect">
-            <a:avLst/>
-          </a:prstGeom>
-          <a:noFill/>
-        </p:spPr>
-        <p:txBody>
-          <a:bodyPr wrap="square" rtlCol="0">
-            <a:spAutoFit/>
-          </a:bodyPr>
-          <a:lstStyle/>
-          <a:p>
-            <a:pPr algn="ctr"/>
-            <a:r>
-              <a:rPr lang="en-US" sz="2800" b="1" dirty="0">
-                <a:solidFill>
-                  <a:schemeClr val="accent1"/>
-                </a:solidFill>
-                <a:latin typeface="Cambria" panose="02040503050406030204" pitchFamily="18" charset="0"/>
-              </a:rPr>
-              <a:t>A MOTIVATING EXAMPLE</a:t>
-            </a:r>
-          </a:p>
-        </p:txBody>
-      </p:sp>
-      <p:pic>
-        <p:nvPicPr>
-          <p:cNvPr id="2" name="Picture 1"/>
-          <p:cNvPicPr>
-            <a:picLocks noChangeAspect="1"/>
-          </p:cNvPicPr>
-          <p:nvPr/>
-        </p:nvPicPr>
-        <p:blipFill>
-          <a:blip r:embed="rId3"/>
-          <a:stretch>
-            <a:fillRect/>
-          </a:stretch>
-        </p:blipFill>
-        <p:spPr>
-          <a:xfrm>
-            <a:off x="2012655" y="1977505"/>
-            <a:ext cx="8134793" cy="1873868"/>
-          </a:xfrm>
-          <a:prstGeom prst="rect">
-            <a:avLst/>
-          </a:prstGeom>
-        </p:spPr>
-      </p:pic>
-      <p:sp>
-        <p:nvSpPr>
-          <p:cNvPr id="8" name="Rectangle 7"/>
-          <p:cNvSpPr/>
-          <p:nvPr/>
-        </p:nvSpPr>
-        <p:spPr>
-          <a:xfrm>
-            <a:off x="2092626" y="3828534"/>
-            <a:ext cx="9701697" cy="646331"/>
-          </a:xfrm>
-          <a:prstGeom prst="rect">
-            <a:avLst/>
-          </a:prstGeom>
-        </p:spPr>
-        <p:txBody>
-          <a:bodyPr wrap="square">
-            <a:spAutoFit/>
-          </a:bodyPr>
-          <a:lstStyle/>
-          <a:p>
-            <a:r>
-              <a:rPr lang="en-US">
-                <a:hlinkClick r:id="rId4"/>
-              </a:rPr>
-              <a:t>https://cloud.google.com/blog/big-data/2016/08/how-a-japanese-cucumber-farmer-is-using-deep-learning-and-tensorflow</a:t>
-            </a:r>
-            <a:endParaRPr lang="en-US"/>
-          </a:p>
-        </p:txBody>
-      </p:sp>
-    </p:spTree>
-    <p:extLst>
-      <p:ext uri="{BB962C8B-B14F-4D97-AF65-F5344CB8AC3E}">
-        <p14:creationId xmlns:p14="http://schemas.microsoft.com/office/powerpoint/2010/main" val="4243481658"/>
-      </p:ext>
-    </p:extLst>
-  </p:cSld>
-  <p:clrMapOvr>
-    <a:masterClrMapping/>
-  </p:clrMapOvr>
-  <mc:AlternateContent xmlns:mc="http://schemas.openxmlformats.org/markup-compatibility/2006" xmlns:p14="http://schemas.microsoft.com/office/powerpoint/2010/main">
-    <mc:Choice Requires="p14">
-      <p:transition spd="med" p14:dur="700">
-        <p:fade/>
-      </p:transition>
-    </mc:Choice>
-    <mc:Fallback xmlns="">
-      <p:transition spd="med">
-        <p:fade/>
-      </p:transition>
-    </mc:Fallback>
-  </mc:AlternateContent>
-  <p:timing>
-    <p:tnLst>
-      <p:par>
-        <p:cTn xmlns:p14="http://schemas.microsoft.com/office/powerpoint/2010/main" id="1" dur="indefinite" restart="never" nodeType="tmRoot"/>
-      </p:par>
-    </p:tnLst>
-  </p:timing>
-</p:sld>
-</file>
-
-<file path=ppt/slides/slide20.xml><?xml version="1.0" encoding="utf-8"?>
+<file path=ppt/slides/slide21.xml><?xml version="1.0" encoding="utf-8"?>
 <p:sld xmlns:a="http://schemas.openxmlformats.org/drawingml/2006/main" xmlns:r="http://schemas.openxmlformats.org/officeDocument/2006/relationships" xmlns:p="http://schemas.openxmlformats.org/presentationml/2006/main">
   <p:cSld>
     <p:spTree>
@@ -13406,168 +13775,6 @@
     <p:extLst>
       <p:ext uri="{BB962C8B-B14F-4D97-AF65-F5344CB8AC3E}">
         <p14:creationId xmlns:p14="http://schemas.microsoft.com/office/powerpoint/2010/main" val="609140376"/>
-      </p:ext>
-    </p:extLst>
-  </p:cSld>
-  <p:clrMapOvr>
-    <a:masterClrMapping/>
-  </p:clrMapOvr>
-  <mc:AlternateContent xmlns:mc="http://schemas.openxmlformats.org/markup-compatibility/2006" xmlns:p14="http://schemas.microsoft.com/office/powerpoint/2010/main">
-    <mc:Choice Requires="p14">
-      <p:transition spd="med" p14:dur="700">
-        <p:fade/>
-      </p:transition>
-    </mc:Choice>
-    <mc:Fallback xmlns="">
-      <p:transition spd="med">
-        <p:fade/>
-      </p:transition>
-    </mc:Fallback>
-  </mc:AlternateContent>
-  <p:timing>
-    <p:tnLst>
-      <p:par>
-        <p:cTn xmlns:p14="http://schemas.microsoft.com/office/powerpoint/2010/main" id="1" dur="indefinite" restart="never" nodeType="tmRoot"/>
-      </p:par>
-    </p:tnLst>
-  </p:timing>
-</p:sld>
-</file>
-
-<file path=ppt/slides/slide21.xml><?xml version="1.0" encoding="utf-8"?>
-<p:sld xmlns:a="http://schemas.openxmlformats.org/drawingml/2006/main" xmlns:r="http://schemas.openxmlformats.org/officeDocument/2006/relationships" xmlns:p="http://schemas.openxmlformats.org/presentationml/2006/main">
-  <p:cSld>
-    <p:spTree>
-      <p:nvGrpSpPr>
-        <p:cNvPr id="1" name=""/>
-        <p:cNvGrpSpPr/>
-        <p:nvPr/>
-      </p:nvGrpSpPr>
-      <p:grpSpPr>
-        <a:xfrm>
-          <a:off x="0" y="0"/>
-          <a:ext cx="0" cy="0"/>
-          <a:chOff x="0" y="0"/>
-          <a:chExt cx="0" cy="0"/>
-        </a:xfrm>
-      </p:grpSpPr>
-      <p:sp>
-        <p:nvSpPr>
-          <p:cNvPr id="3" name="TextBox 2"/>
-          <p:cNvSpPr txBox="1"/>
-          <p:nvPr/>
-        </p:nvSpPr>
-        <p:spPr>
-          <a:xfrm>
-            <a:off x="1850614" y="1076526"/>
-            <a:ext cx="8694512" cy="523220"/>
-          </a:xfrm>
-          <a:prstGeom prst="rect">
-            <a:avLst/>
-          </a:prstGeom>
-          <a:noFill/>
-        </p:spPr>
-        <p:txBody>
-          <a:bodyPr wrap="square" rtlCol="0">
-            <a:spAutoFit/>
-          </a:bodyPr>
-          <a:lstStyle/>
-          <a:p>
-            <a:r>
-              <a:rPr lang="en-US" sz="2800" b="1" dirty="0">
-                <a:solidFill>
-                  <a:schemeClr val="accent1"/>
-                </a:solidFill>
-                <a:latin typeface="Cambria" panose="02040503050406030204" pitchFamily="18" charset="0"/>
-              </a:rPr>
-              <a:t>DECISION TREE | IRIS DATASET</a:t>
-            </a:r>
-          </a:p>
-        </p:txBody>
-      </p:sp>
-      <p:pic>
-        <p:nvPicPr>
-          <p:cNvPr id="2" name="Picture 1"/>
-          <p:cNvPicPr>
-            <a:picLocks noChangeAspect="1"/>
-          </p:cNvPicPr>
-          <p:nvPr/>
-        </p:nvPicPr>
-        <p:blipFill>
-          <a:blip r:embed="rId3"/>
-          <a:stretch>
-            <a:fillRect/>
-          </a:stretch>
-        </p:blipFill>
-        <p:spPr>
-          <a:xfrm>
-            <a:off x="1877472" y="1653727"/>
-            <a:ext cx="6337613" cy="4858837"/>
-          </a:xfrm>
-          <a:prstGeom prst="rect">
-            <a:avLst/>
-          </a:prstGeom>
-        </p:spPr>
-      </p:pic>
-      <p:sp>
-        <p:nvSpPr>
-          <p:cNvPr id="5" name="Rectangle 4"/>
-          <p:cNvSpPr/>
-          <p:nvPr/>
-        </p:nvSpPr>
-        <p:spPr>
-          <a:xfrm>
-            <a:off x="1777257" y="6409288"/>
-            <a:ext cx="6044631" cy="369332"/>
-          </a:xfrm>
-          <a:prstGeom prst="rect">
-            <a:avLst/>
-          </a:prstGeom>
-        </p:spPr>
-        <p:txBody>
-          <a:bodyPr wrap="none">
-            <a:spAutoFit/>
-          </a:bodyPr>
-          <a:lstStyle/>
-          <a:p>
-            <a:r>
-              <a:rPr lang="en-US">
-                <a:hlinkClick r:id="rId4"/>
-              </a:rPr>
-              <a:t>http://scikit-learn.org/stable/modules/tree.html#classification</a:t>
-            </a:r>
-            <a:endParaRPr lang="en-US"/>
-          </a:p>
-        </p:txBody>
-      </p:sp>
-      <p:pic>
-        <p:nvPicPr>
-          <p:cNvPr id="6" name="Picture 5"/>
-          <p:cNvPicPr>
-            <a:picLocks noChangeAspect="1"/>
-          </p:cNvPicPr>
-          <p:nvPr/>
-        </p:nvPicPr>
-        <p:blipFill>
-          <a:blip r:embed="rId5"/>
-          <a:stretch>
-            <a:fillRect/>
-          </a:stretch>
-        </p:blipFill>
-        <p:spPr>
-          <a:xfrm>
-            <a:off x="8367564" y="1661099"/>
-            <a:ext cx="3504055" cy="2731198"/>
-          </a:xfrm>
-          <a:prstGeom prst="rect">
-            <a:avLst/>
-          </a:prstGeom>
-        </p:spPr>
-      </p:pic>
-    </p:spTree>
-    <p:extLst>
-      <p:ext uri="{BB962C8B-B14F-4D97-AF65-F5344CB8AC3E}">
-        <p14:creationId xmlns:p14="http://schemas.microsoft.com/office/powerpoint/2010/main" val="1997998149"/>
       </p:ext>
     </p:extLst>
   </p:cSld>
@@ -13642,217 +13849,94 @@
                 </a:solidFill>
                 <a:latin typeface="Cambria" panose="02040503050406030204" pitchFamily="18" charset="0"/>
               </a:rPr>
-              <a:t>DECISION TREE | ENSEMBLE METHODS</a:t>
-            </a:r>
-          </a:p>
-        </p:txBody>
-      </p:sp>
-      <p:sp>
-        <p:nvSpPr>
-          <p:cNvPr id="25" name="TextBox 24"/>
-          <p:cNvSpPr txBox="1"/>
-          <p:nvPr/>
-        </p:nvSpPr>
-        <p:spPr>
-          <a:xfrm>
-            <a:off x="1870549" y="1614831"/>
-            <a:ext cx="9909364" cy="400110"/>
-          </a:xfrm>
-          <a:prstGeom prst="rect">
-            <a:avLst/>
-          </a:prstGeom>
-          <a:noFill/>
-        </p:spPr>
-        <p:txBody>
-          <a:bodyPr wrap="square" rtlCol="0">
+              <a:t>DECISION TREE | IRIS DATASET</a:t>
+            </a:r>
+          </a:p>
+        </p:txBody>
+      </p:sp>
+      <p:pic>
+        <p:nvPicPr>
+          <p:cNvPr id="2" name="Picture 1"/>
+          <p:cNvPicPr>
+            <a:picLocks noChangeAspect="1"/>
+          </p:cNvPicPr>
+          <p:nvPr/>
+        </p:nvPicPr>
+        <p:blipFill>
+          <a:blip r:embed="rId3"/>
+          <a:stretch>
+            <a:fillRect/>
+          </a:stretch>
+        </p:blipFill>
+        <p:spPr>
+          <a:xfrm>
+            <a:off x="1877472" y="1653727"/>
+            <a:ext cx="6337613" cy="4858837"/>
+          </a:xfrm>
+          <a:prstGeom prst="rect">
+            <a:avLst/>
+          </a:prstGeom>
+        </p:spPr>
+      </p:pic>
+      <p:sp>
+        <p:nvSpPr>
+          <p:cNvPr id="5" name="Rectangle 4"/>
+          <p:cNvSpPr/>
+          <p:nvPr/>
+        </p:nvSpPr>
+        <p:spPr>
+          <a:xfrm>
+            <a:off x="1777257" y="6409288"/>
+            <a:ext cx="6044631" cy="369332"/>
+          </a:xfrm>
+          <a:prstGeom prst="rect">
+            <a:avLst/>
+          </a:prstGeom>
+        </p:spPr>
+        <p:txBody>
+          <a:bodyPr wrap="none">
             <a:spAutoFit/>
           </a:bodyPr>
           <a:lstStyle/>
           <a:p>
             <a:r>
-              <a:rPr lang="en-US" sz="2000" b="1" dirty="0">
-                <a:solidFill>
-                  <a:schemeClr val="accent1"/>
-                </a:solidFill>
-                <a:latin typeface="Cambria" panose="02040503050406030204" pitchFamily="18" charset="0"/>
-              </a:rPr>
-              <a:t>PREDICTING AS A TEAM RATHER THAN SOLO</a:t>
-            </a:r>
-            <a:endParaRPr lang="en-US" sz="2000" dirty="0">
-              <a:solidFill>
-                <a:schemeClr val="accent1"/>
-              </a:solidFill>
-              <a:latin typeface="Cambria" panose="02040503050406030204" pitchFamily="18" charset="0"/>
-            </a:endParaRPr>
-          </a:p>
-        </p:txBody>
-      </p:sp>
-      <p:sp>
-        <p:nvSpPr>
-          <p:cNvPr id="27" name="TextBox 26"/>
-          <p:cNvSpPr txBox="1"/>
-          <p:nvPr/>
-        </p:nvSpPr>
-        <p:spPr>
-          <a:xfrm>
-            <a:off x="1850973" y="2362579"/>
-            <a:ext cx="9909364" cy="2246769"/>
-          </a:xfrm>
-          <a:prstGeom prst="rect">
-            <a:avLst/>
-          </a:prstGeom>
-          <a:noFill/>
-        </p:spPr>
-        <p:txBody>
-          <a:bodyPr wrap="square" rtlCol="0">
-            <a:spAutoFit/>
-          </a:bodyPr>
-          <a:lstStyle/>
-          <a:p>
-            <a:pPr marL="457200" indent="-457200">
-              <a:buFont typeface="+mj-lt"/>
-              <a:buAutoNum type="arabicPeriod"/>
-            </a:pPr>
-            <a:r>
-              <a:rPr lang="en-US" sz="2000" b="1" dirty="0">
-                <a:solidFill>
-                  <a:schemeClr val="accent1"/>
-                </a:solidFill>
-                <a:latin typeface="Cambria" panose="02040503050406030204" pitchFamily="18" charset="0"/>
-              </a:rPr>
-              <a:t>SEVERAL SUBSETS OF FEATURES</a:t>
-            </a:r>
-            <a:br>
-              <a:rPr lang="en-US" sz="2000" b="1" dirty="0">
-                <a:solidFill>
-                  <a:schemeClr val="accent1"/>
-                </a:solidFill>
-                <a:latin typeface="Cambria" panose="02040503050406030204" pitchFamily="18" charset="0"/>
-              </a:rPr>
-            </a:br>
-            <a:endParaRPr lang="en-US" sz="2000" b="1" dirty="0">
-              <a:solidFill>
-                <a:schemeClr val="accent1"/>
-              </a:solidFill>
-              <a:latin typeface="Cambria" panose="02040503050406030204" pitchFamily="18" charset="0"/>
-            </a:endParaRPr>
-          </a:p>
-          <a:p>
-            <a:pPr marL="457200" indent="-457200">
-              <a:buFont typeface="+mj-lt"/>
-              <a:buAutoNum type="arabicPeriod"/>
-            </a:pPr>
-            <a:r>
-              <a:rPr lang="en-US" sz="2000" b="1" dirty="0">
-                <a:solidFill>
-                  <a:schemeClr val="accent1"/>
-                </a:solidFill>
-                <a:latin typeface="Cambria" panose="02040503050406030204" pitchFamily="18" charset="0"/>
-              </a:rPr>
-              <a:t>SEVERAL SUBSETS OF SAMPLES</a:t>
-            </a:r>
-            <a:br>
-              <a:rPr lang="en-US" sz="2000" b="1" dirty="0">
-                <a:solidFill>
-                  <a:schemeClr val="accent1"/>
-                </a:solidFill>
-                <a:latin typeface="Cambria" panose="02040503050406030204" pitchFamily="18" charset="0"/>
-              </a:rPr>
-            </a:br>
-            <a:endParaRPr lang="en-US" sz="2000" b="1" dirty="0">
-              <a:solidFill>
-                <a:schemeClr val="accent1"/>
-              </a:solidFill>
-              <a:latin typeface="Cambria" panose="02040503050406030204" pitchFamily="18" charset="0"/>
-            </a:endParaRPr>
-          </a:p>
-          <a:p>
-            <a:pPr marL="457200" indent="-457200">
-              <a:buFont typeface="+mj-lt"/>
-              <a:buAutoNum type="arabicPeriod"/>
-            </a:pPr>
-            <a:r>
-              <a:rPr lang="en-US" sz="2000" b="1" dirty="0">
-                <a:solidFill>
-                  <a:schemeClr val="accent1"/>
-                </a:solidFill>
-                <a:latin typeface="Cambria" panose="02040503050406030204" pitchFamily="18" charset="0"/>
-              </a:rPr>
-              <a:t>INDIVIDUAL CLASSIFIER FOR EACH SUBSETS</a:t>
-            </a:r>
-            <a:br>
-              <a:rPr lang="en-US" sz="2000" b="1" dirty="0">
-                <a:solidFill>
-                  <a:schemeClr val="accent1"/>
-                </a:solidFill>
-                <a:latin typeface="Cambria" panose="02040503050406030204" pitchFamily="18" charset="0"/>
-              </a:rPr>
-            </a:br>
-            <a:endParaRPr lang="en-US" sz="2000" b="1" dirty="0">
-              <a:solidFill>
-                <a:schemeClr val="accent1"/>
-              </a:solidFill>
-              <a:latin typeface="Cambria" panose="02040503050406030204" pitchFamily="18" charset="0"/>
-            </a:endParaRPr>
-          </a:p>
-          <a:p>
-            <a:pPr marL="457200" indent="-457200">
-              <a:buFont typeface="+mj-lt"/>
-              <a:buAutoNum type="arabicPeriod"/>
-            </a:pPr>
-            <a:r>
-              <a:rPr lang="en-US" sz="2000" b="1" dirty="0">
-                <a:solidFill>
-                  <a:schemeClr val="accent1"/>
-                </a:solidFill>
-                <a:latin typeface="Cambria" panose="02040503050406030204" pitchFamily="18" charset="0"/>
-              </a:rPr>
-              <a:t>AGGREGATE PREDICTIONS</a:t>
-            </a:r>
-            <a:endParaRPr lang="en-US" sz="2000" dirty="0">
-              <a:solidFill>
-                <a:schemeClr val="accent1"/>
-              </a:solidFill>
-              <a:latin typeface="Cambria" panose="02040503050406030204" pitchFamily="18" charset="0"/>
-            </a:endParaRPr>
-          </a:p>
-        </p:txBody>
-      </p:sp>
-      <p:sp>
-        <p:nvSpPr>
-          <p:cNvPr id="28" name="Rectangle 27"/>
-          <p:cNvSpPr/>
-          <p:nvPr/>
-        </p:nvSpPr>
-        <p:spPr>
-          <a:xfrm>
-            <a:off x="1936774" y="5434280"/>
-            <a:ext cx="5233240" cy="369332"/>
-          </a:xfrm>
-          <a:prstGeom prst="rect">
-            <a:avLst/>
-          </a:prstGeom>
-        </p:spPr>
-        <p:txBody>
-          <a:bodyPr wrap="square">
-            <a:spAutoFit/>
-          </a:bodyPr>
-          <a:lstStyle/>
-          <a:p>
-            <a:r>
               <a:rPr lang="en-US">
-                <a:hlinkClick r:id="rId3"/>
-              </a:rPr>
-              <a:t>See labs exercise</a:t>
+                <a:hlinkClick r:id="rId4"/>
+              </a:rPr>
+              <a:t>http://scikit-learn.org/stable/modules/tree.html#classification</a:t>
             </a:r>
             <a:endParaRPr lang="en-US"/>
           </a:p>
         </p:txBody>
       </p:sp>
+      <p:pic>
+        <p:nvPicPr>
+          <p:cNvPr id="6" name="Picture 5"/>
+          <p:cNvPicPr>
+            <a:picLocks noChangeAspect="1"/>
+          </p:cNvPicPr>
+          <p:nvPr/>
+        </p:nvPicPr>
+        <p:blipFill>
+          <a:blip r:embed="rId5"/>
+          <a:stretch>
+            <a:fillRect/>
+          </a:stretch>
+        </p:blipFill>
+        <p:spPr>
+          <a:xfrm>
+            <a:off x="8367564" y="1661099"/>
+            <a:ext cx="3504055" cy="2731198"/>
+          </a:xfrm>
+          <a:prstGeom prst="rect">
+            <a:avLst/>
+          </a:prstGeom>
+        </p:spPr>
+      </p:pic>
     </p:spTree>
     <p:extLst>
       <p:ext uri="{BB962C8B-B14F-4D97-AF65-F5344CB8AC3E}">
-        <p14:creationId xmlns:p14="http://schemas.microsoft.com/office/powerpoint/2010/main" val="955463638"/>
+        <p14:creationId xmlns:p14="http://schemas.microsoft.com/office/powerpoint/2010/main" val="1997998149"/>
       </p:ext>
     </p:extLst>
   </p:cSld>
@@ -13906,8 +13990,8 @@
         </p:nvSpPr>
         <p:spPr>
           <a:xfrm>
-            <a:off x="1810928" y="2201059"/>
-            <a:ext cx="7807116" cy="523220"/>
+            <a:off x="1850614" y="1076526"/>
+            <a:ext cx="8694512" cy="523220"/>
           </a:xfrm>
           <a:prstGeom prst="rect">
             <a:avLst/>
@@ -13927,15 +14011,217 @@
                 </a:solidFill>
                 <a:latin typeface="Cambria" panose="02040503050406030204" pitchFamily="18" charset="0"/>
               </a:rPr>
-              <a:t>TUNING &amp; EVALUATING MODELS</a:t>
-            </a:r>
+              <a:t>DECISION TREE | ENSEMBLE METHODS</a:t>
+            </a:r>
+          </a:p>
+        </p:txBody>
+      </p:sp>
+      <p:sp>
+        <p:nvSpPr>
+          <p:cNvPr id="25" name="TextBox 24"/>
+          <p:cNvSpPr txBox="1"/>
+          <p:nvPr/>
+        </p:nvSpPr>
+        <p:spPr>
+          <a:xfrm>
+            <a:off x="1870549" y="1614831"/>
+            <a:ext cx="9909364" cy="400110"/>
+          </a:xfrm>
+          <a:prstGeom prst="rect">
+            <a:avLst/>
+          </a:prstGeom>
+          <a:noFill/>
+        </p:spPr>
+        <p:txBody>
+          <a:bodyPr wrap="square" rtlCol="0">
+            <a:spAutoFit/>
+          </a:bodyPr>
+          <a:lstStyle/>
+          <a:p>
+            <a:r>
+              <a:rPr lang="en-US" sz="2000" b="1" dirty="0">
+                <a:solidFill>
+                  <a:schemeClr val="accent1"/>
+                </a:solidFill>
+                <a:latin typeface="Cambria" panose="02040503050406030204" pitchFamily="18" charset="0"/>
+              </a:rPr>
+              <a:t>PREDICTING AS A TEAM RATHER THAN SOLO</a:t>
+            </a:r>
+            <a:endParaRPr lang="en-US" sz="2000" dirty="0">
+              <a:solidFill>
+                <a:schemeClr val="accent1"/>
+              </a:solidFill>
+              <a:latin typeface="Cambria" panose="02040503050406030204" pitchFamily="18" charset="0"/>
+            </a:endParaRPr>
+          </a:p>
+        </p:txBody>
+      </p:sp>
+      <p:sp>
+        <p:nvSpPr>
+          <p:cNvPr id="27" name="TextBox 26"/>
+          <p:cNvSpPr txBox="1"/>
+          <p:nvPr/>
+        </p:nvSpPr>
+        <p:spPr>
+          <a:xfrm>
+            <a:off x="1850973" y="2362579"/>
+            <a:ext cx="9909364" cy="2246769"/>
+          </a:xfrm>
+          <a:prstGeom prst="rect">
+            <a:avLst/>
+          </a:prstGeom>
+          <a:noFill/>
+        </p:spPr>
+        <p:txBody>
+          <a:bodyPr wrap="square" rtlCol="0">
+            <a:spAutoFit/>
+          </a:bodyPr>
+          <a:lstStyle/>
+          <a:p>
+            <a:pPr marL="457200" indent="-457200">
+              <a:buFont typeface="+mj-lt"/>
+              <a:buAutoNum type="arabicPeriod"/>
+            </a:pPr>
+            <a:r>
+              <a:rPr lang="en-US" sz="2000" b="1" dirty="0">
+                <a:solidFill>
+                  <a:schemeClr val="accent1"/>
+                </a:solidFill>
+                <a:latin typeface="Cambria" panose="02040503050406030204" pitchFamily="18" charset="0"/>
+              </a:rPr>
+              <a:t>SEVERAL SUBSETS OF FEATURES</a:t>
+            </a:r>
+            <a:br>
+              <a:rPr lang="en-US" sz="2000" b="1" dirty="0">
+                <a:solidFill>
+                  <a:schemeClr val="accent1"/>
+                </a:solidFill>
+                <a:latin typeface="Cambria" panose="02040503050406030204" pitchFamily="18" charset="0"/>
+              </a:rPr>
+            </a:br>
+            <a:endParaRPr lang="en-US" sz="2000" b="1" dirty="0">
+              <a:solidFill>
+                <a:schemeClr val="accent1"/>
+              </a:solidFill>
+              <a:latin typeface="Cambria" panose="02040503050406030204" pitchFamily="18" charset="0"/>
+            </a:endParaRPr>
+          </a:p>
+          <a:p>
+            <a:pPr marL="457200" indent="-457200">
+              <a:buFont typeface="+mj-lt"/>
+              <a:buAutoNum type="arabicPeriod"/>
+            </a:pPr>
+            <a:r>
+              <a:rPr lang="en-US" sz="2000" b="1" dirty="0">
+                <a:solidFill>
+                  <a:schemeClr val="accent1"/>
+                </a:solidFill>
+                <a:latin typeface="Cambria" panose="02040503050406030204" pitchFamily="18" charset="0"/>
+              </a:rPr>
+              <a:t>SEVERAL SUBSETS OF SAMPLES</a:t>
+            </a:r>
+            <a:br>
+              <a:rPr lang="en-US" sz="2000" b="1" dirty="0">
+                <a:solidFill>
+                  <a:schemeClr val="accent1"/>
+                </a:solidFill>
+                <a:latin typeface="Cambria" panose="02040503050406030204" pitchFamily="18" charset="0"/>
+              </a:rPr>
+            </a:br>
+            <a:endParaRPr lang="en-US" sz="2000" b="1" dirty="0">
+              <a:solidFill>
+                <a:schemeClr val="accent1"/>
+              </a:solidFill>
+              <a:latin typeface="Cambria" panose="02040503050406030204" pitchFamily="18" charset="0"/>
+            </a:endParaRPr>
+          </a:p>
+          <a:p>
+            <a:pPr marL="457200" indent="-457200">
+              <a:buFont typeface="+mj-lt"/>
+              <a:buAutoNum type="arabicPeriod"/>
+            </a:pPr>
+            <a:r>
+              <a:rPr lang="en-US" sz="2000" b="1" dirty="0">
+                <a:solidFill>
+                  <a:schemeClr val="accent1"/>
+                </a:solidFill>
+                <a:latin typeface="Cambria" panose="02040503050406030204" pitchFamily="18" charset="0"/>
+              </a:rPr>
+              <a:t>INDIVIDUAL CLASSIFIER FOR EACH SUBSETS</a:t>
+            </a:r>
+            <a:br>
+              <a:rPr lang="en-US" sz="2000" b="1" dirty="0">
+                <a:solidFill>
+                  <a:schemeClr val="accent1"/>
+                </a:solidFill>
+                <a:latin typeface="Cambria" panose="02040503050406030204" pitchFamily="18" charset="0"/>
+              </a:rPr>
+            </a:br>
+            <a:endParaRPr lang="en-US" sz="2000" b="1" dirty="0">
+              <a:solidFill>
+                <a:schemeClr val="accent1"/>
+              </a:solidFill>
+              <a:latin typeface="Cambria" panose="02040503050406030204" pitchFamily="18" charset="0"/>
+            </a:endParaRPr>
+          </a:p>
+          <a:p>
+            <a:pPr marL="457200" indent="-457200">
+              <a:buFont typeface="+mj-lt"/>
+              <a:buAutoNum type="arabicPeriod"/>
+            </a:pPr>
+            <a:r>
+              <a:rPr lang="en-US" sz="2000" b="1" dirty="0">
+                <a:solidFill>
+                  <a:schemeClr val="accent1"/>
+                </a:solidFill>
+                <a:latin typeface="Cambria" panose="02040503050406030204" pitchFamily="18" charset="0"/>
+              </a:rPr>
+              <a:t>AGGREGATE PREDICTIONS</a:t>
+            </a:r>
+            <a:endParaRPr lang="en-US" sz="2000" dirty="0">
+              <a:solidFill>
+                <a:schemeClr val="accent1"/>
+              </a:solidFill>
+              <a:latin typeface="Cambria" panose="02040503050406030204" pitchFamily="18" charset="0"/>
+            </a:endParaRPr>
+          </a:p>
+        </p:txBody>
+      </p:sp>
+      <p:sp>
+        <p:nvSpPr>
+          <p:cNvPr id="28" name="Rectangle 27"/>
+          <p:cNvSpPr/>
+          <p:nvPr/>
+        </p:nvSpPr>
+        <p:spPr>
+          <a:xfrm>
+            <a:off x="1936774" y="5434280"/>
+            <a:ext cx="5233240" cy="369332"/>
+          </a:xfrm>
+          <a:prstGeom prst="rect">
+            <a:avLst/>
+          </a:prstGeom>
+        </p:spPr>
+        <p:txBody>
+          <a:bodyPr wrap="square">
+            <a:spAutoFit/>
+          </a:bodyPr>
+          <a:lstStyle/>
+          <a:p>
+            <a:r>
+              <a:rPr lang="en-US">
+                <a:hlinkClick r:id="rId3"/>
+              </a:rPr>
+              <a:t>See labs exercise</a:t>
+            </a:r>
+            <a:endParaRPr lang="en-US"/>
           </a:p>
         </p:txBody>
       </p:sp>
     </p:spTree>
     <p:extLst>
       <p:ext uri="{BB962C8B-B14F-4D97-AF65-F5344CB8AC3E}">
-        <p14:creationId xmlns:p14="http://schemas.microsoft.com/office/powerpoint/2010/main" val="984357688"/>
+        <p14:creationId xmlns:p14="http://schemas.microsoft.com/office/powerpoint/2010/main" val="955463638"/>
       </p:ext>
     </p:extLst>
   </p:cSld>
@@ -13989,7 +14275,7 @@
         </p:nvSpPr>
         <p:spPr>
           <a:xfrm>
-            <a:off x="1850614" y="1076526"/>
+            <a:off x="1810928" y="2201059"/>
             <a:ext cx="7807116" cy="523220"/>
           </a:xfrm>
           <a:prstGeom prst="rect">
@@ -14010,76 +14296,15 @@
                 </a:solidFill>
                 <a:latin typeface="Cambria" panose="02040503050406030204" pitchFamily="18" charset="0"/>
               </a:rPr>
-              <a:t>TYPICAL PIPELINE | HOLD OUT METHOD</a:t>
-            </a:r>
-            <a:endParaRPr lang="en-US" sz="2800" b="1" dirty="0">
-              <a:solidFill>
-                <a:schemeClr val="accent1"/>
-              </a:solidFill>
-              <a:latin typeface="Cambria" panose="02040503050406030204" pitchFamily="18" charset="0"/>
-            </a:endParaRPr>
-          </a:p>
-        </p:txBody>
-      </p:sp>
-      <p:pic>
-        <p:nvPicPr>
-          <p:cNvPr id="12" name="Picture 11"/>
-          <p:cNvPicPr>
-            <a:picLocks noChangeAspect="1"/>
-          </p:cNvPicPr>
-          <p:nvPr/>
-        </p:nvPicPr>
-        <p:blipFill>
-          <a:blip r:embed="rId3"/>
-          <a:stretch>
-            <a:fillRect/>
-          </a:stretch>
-        </p:blipFill>
-        <p:spPr>
-          <a:xfrm>
-            <a:off x="1842046" y="1658954"/>
-            <a:ext cx="6928654" cy="4348578"/>
-          </a:xfrm>
-          <a:prstGeom prst="rect">
-            <a:avLst/>
-          </a:prstGeom>
-        </p:spPr>
-      </p:pic>
-      <p:sp>
-        <p:nvSpPr>
-          <p:cNvPr id="13" name="Rectangle 12"/>
-          <p:cNvSpPr/>
-          <p:nvPr/>
-        </p:nvSpPr>
-        <p:spPr>
-          <a:xfrm>
-            <a:off x="1950009" y="6148687"/>
-            <a:ext cx="9506139" cy="369332"/>
-          </a:xfrm>
-          <a:prstGeom prst="rect">
-            <a:avLst/>
-          </a:prstGeom>
-        </p:spPr>
-        <p:txBody>
-          <a:bodyPr wrap="square">
-            <a:spAutoFit/>
-          </a:bodyPr>
-          <a:lstStyle/>
-          <a:p>
-            <a:r>
-              <a:rPr lang="en-US">
-                <a:hlinkClick r:id="rId4"/>
-              </a:rPr>
-              <a:t>http://www.cs.nthu.edu.tw/</a:t>
-            </a:r>
-            <a:endParaRPr lang="en-US"/>
+              <a:t>TUNING &amp; EVALUATING MODELS</a:t>
+            </a:r>
           </a:p>
         </p:txBody>
       </p:sp>
     </p:spTree>
     <p:extLst>
       <p:ext uri="{BB962C8B-B14F-4D97-AF65-F5344CB8AC3E}">
-        <p14:creationId xmlns:p14="http://schemas.microsoft.com/office/powerpoint/2010/main" val="1252074691"/>
+        <p14:creationId xmlns:p14="http://schemas.microsoft.com/office/powerpoint/2010/main" val="984357688"/>
       </p:ext>
     </p:extLst>
   </p:cSld>
@@ -14133,8 +14358,8 @@
         </p:nvSpPr>
         <p:spPr>
           <a:xfrm>
-            <a:off x="1850613" y="1076526"/>
-            <a:ext cx="9010237" cy="523220"/>
+            <a:off x="1850614" y="1076526"/>
+            <a:ext cx="7807116" cy="523220"/>
           </a:xfrm>
           <a:prstGeom prst="rect">
             <a:avLst/>
@@ -14154,7 +14379,7 @@
                 </a:solidFill>
                 <a:latin typeface="Cambria" panose="02040503050406030204" pitchFamily="18" charset="0"/>
               </a:rPr>
-              <a:t>TYPICAL PIPELINE | K-FOLD CROSS VALIDATION</a:t>
+              <a:t>TYPICAL PIPELINE | HOLD OUT METHOD</a:t>
             </a:r>
             <a:endParaRPr lang="en-US" sz="2800" b="1" dirty="0">
               <a:solidFill>
@@ -14165,65 +14390,65 @@
           </a:p>
         </p:txBody>
       </p:sp>
-      <p:sp>
-        <p:nvSpPr>
-          <p:cNvPr id="13" name="Rectangle 12"/>
-          <p:cNvSpPr/>
-          <p:nvPr/>
-        </p:nvSpPr>
-        <p:spPr>
-          <a:xfrm>
-            <a:off x="1950009" y="6148687"/>
-            <a:ext cx="9506139" cy="369332"/>
-          </a:xfrm>
-          <a:prstGeom prst="rect">
-            <a:avLst/>
-          </a:prstGeom>
-        </p:spPr>
-        <p:txBody>
-          <a:bodyPr wrap="square">
-            <a:spAutoFit/>
-          </a:bodyPr>
-          <a:lstStyle/>
-          <a:p>
-            <a:r>
-              <a:rPr lang="en-US">
-                <a:hlinkClick r:id="rId3"/>
-              </a:rPr>
-              <a:t>http://www.cs.nthu.edu.tw/</a:t>
-            </a:r>
-            <a:endParaRPr lang="en-US"/>
-          </a:p>
-        </p:txBody>
-      </p:sp>
       <p:pic>
         <p:nvPicPr>
-          <p:cNvPr id="2" name="Picture 1"/>
+          <p:cNvPr id="12" name="Picture 11"/>
           <p:cNvPicPr>
             <a:picLocks noChangeAspect="1"/>
           </p:cNvPicPr>
           <p:nvPr/>
         </p:nvPicPr>
         <p:blipFill>
-          <a:blip r:embed="rId4"/>
+          <a:blip r:embed="rId3"/>
           <a:stretch>
             <a:fillRect/>
           </a:stretch>
         </p:blipFill>
         <p:spPr>
           <a:xfrm>
-            <a:off x="1739903" y="1825652"/>
-            <a:ext cx="8077200" cy="4305300"/>
+            <a:off x="1842046" y="1658954"/>
+            <a:ext cx="6928654" cy="4348578"/>
           </a:xfrm>
           <a:prstGeom prst="rect">
             <a:avLst/>
           </a:prstGeom>
         </p:spPr>
       </p:pic>
+      <p:sp>
+        <p:nvSpPr>
+          <p:cNvPr id="13" name="Rectangle 12"/>
+          <p:cNvSpPr/>
+          <p:nvPr/>
+        </p:nvSpPr>
+        <p:spPr>
+          <a:xfrm>
+            <a:off x="1950009" y="6148687"/>
+            <a:ext cx="9506139" cy="369332"/>
+          </a:xfrm>
+          <a:prstGeom prst="rect">
+            <a:avLst/>
+          </a:prstGeom>
+        </p:spPr>
+        <p:txBody>
+          <a:bodyPr wrap="square">
+            <a:spAutoFit/>
+          </a:bodyPr>
+          <a:lstStyle/>
+          <a:p>
+            <a:r>
+              <a:rPr lang="en-US">
+                <a:hlinkClick r:id="rId4"/>
+              </a:rPr>
+              <a:t>http://www.cs.nthu.edu.tw/</a:t>
+            </a:r>
+            <a:endParaRPr lang="en-US"/>
+          </a:p>
+        </p:txBody>
+      </p:sp>
     </p:spTree>
     <p:extLst>
       <p:ext uri="{BB962C8B-B14F-4D97-AF65-F5344CB8AC3E}">
-        <p14:creationId xmlns:p14="http://schemas.microsoft.com/office/powerpoint/2010/main" val="3078560686"/>
+        <p14:creationId xmlns:p14="http://schemas.microsoft.com/office/powerpoint/2010/main" val="1252074691"/>
       </p:ext>
     </p:extLst>
   </p:cSld>
@@ -14367,7 +14592,7 @@
     </p:spTree>
     <p:extLst>
       <p:ext uri="{BB962C8B-B14F-4D97-AF65-F5344CB8AC3E}">
-        <p14:creationId xmlns:p14="http://schemas.microsoft.com/office/powerpoint/2010/main" val="2003707100"/>
+        <p14:creationId xmlns:p14="http://schemas.microsoft.com/office/powerpoint/2010/main" val="3078560686"/>
       </p:ext>
     </p:extLst>
   </p:cSld>
@@ -14442,7 +14667,7 @@
                 </a:solidFill>
                 <a:latin typeface="Cambria" panose="02040503050406030204" pitchFamily="18" charset="0"/>
               </a:rPr>
-              <a:t>TYPICAL PIPELINE | GRID SEARCH</a:t>
+              <a:t>TYPICAL PIPELINE | K-FOLD CROSS VALIDATION</a:t>
             </a:r>
             <a:endParaRPr lang="en-US" sz="2800" b="1" dirty="0">
               <a:solidFill>
@@ -14453,24 +14678,55 @@
           </a:p>
         </p:txBody>
       </p:sp>
+      <p:sp>
+        <p:nvSpPr>
+          <p:cNvPr id="13" name="Rectangle 12"/>
+          <p:cNvSpPr/>
+          <p:nvPr/>
+        </p:nvSpPr>
+        <p:spPr>
+          <a:xfrm>
+            <a:off x="1950009" y="6148687"/>
+            <a:ext cx="9506139" cy="369332"/>
+          </a:xfrm>
+          <a:prstGeom prst="rect">
+            <a:avLst/>
+          </a:prstGeom>
+        </p:spPr>
+        <p:txBody>
+          <a:bodyPr wrap="square">
+            <a:spAutoFit/>
+          </a:bodyPr>
+          <a:lstStyle/>
+          <a:p>
+            <a:r>
+              <a:rPr lang="en-US">
+                <a:hlinkClick r:id="rId3"/>
+              </a:rPr>
+              <a:t>http://www.cs.nthu.edu.tw/</a:t>
+            </a:r>
+            <a:endParaRPr lang="en-US"/>
+          </a:p>
+        </p:txBody>
+      </p:sp>
       <p:pic>
         <p:nvPicPr>
-          <p:cNvPr id="4" name="Picture 3"/>
+          <p:cNvPr id="2" name="Picture 1"/>
           <p:cNvPicPr>
             <a:picLocks noChangeAspect="1"/>
           </p:cNvPicPr>
           <p:nvPr/>
         </p:nvPicPr>
         <p:blipFill>
-          <a:blip r:embed="rId3"/>
+          <a:blip r:embed="rId4"/>
           <a:stretch>
             <a:fillRect/>
           </a:stretch>
         </p:blipFill>
         <p:spPr>
           <a:xfrm>
-            <a:off x="1917171" y="1805476"/>
-            <a:ext cx="10261600" cy="1435100"/>
+            <a:off x="1739903" y="1825652"/>
+            <a:ext cx="8077200" cy="4305300"/>
           </a:xfrm>
           <a:prstGeom prst="rect">
             <a:avLst/>
@@ -14480,7 +14736,7 @@
     </p:spTree>
     <p:extLst>
       <p:ext uri="{BB962C8B-B14F-4D97-AF65-F5344CB8AC3E}">
-        <p14:creationId xmlns:p14="http://schemas.microsoft.com/office/powerpoint/2010/main" val="1049242596"/>
+        <p14:creationId xmlns:p14="http://schemas.microsoft.com/office/powerpoint/2010/main" val="2003707100"/>
       </p:ext>
     </p:extLst>
   </p:cSld>
@@ -14555,7 +14811,7 @@
                 </a:solidFill>
                 <a:latin typeface="Cambria" panose="02040503050406030204" pitchFamily="18" charset="0"/>
               </a:rPr>
-              <a:t>THE IMPORTANCE OF FEATURES</a:t>
+              <a:t>TYPICAL PIPELINE | GRID SEARCH</a:t>
             </a:r>
             <a:endParaRPr lang="en-US" sz="2800" b="1" dirty="0">
               <a:solidFill>
@@ -14566,186 +14822,34 @@
           </a:p>
         </p:txBody>
       </p:sp>
-      <p:sp>
-        <p:nvSpPr>
-          <p:cNvPr id="5" name="TextBox 4"/>
-          <p:cNvSpPr txBox="1"/>
-          <p:nvPr/>
-        </p:nvSpPr>
-        <p:spPr>
-          <a:xfrm>
-            <a:off x="1925597" y="2083064"/>
-            <a:ext cx="9909364" cy="400110"/>
-          </a:xfrm>
-          <a:prstGeom prst="rect">
-            <a:avLst/>
-          </a:prstGeom>
-          <a:noFill/>
-        </p:spPr>
-        <p:txBody>
-          <a:bodyPr wrap="square" rtlCol="0">
-            <a:spAutoFit/>
-          </a:bodyPr>
-          <a:lstStyle/>
-          <a:p>
-            <a:pPr marL="342900" indent="-342900">
-              <a:buFont typeface="Arial"/>
-              <a:buChar char="•"/>
-            </a:pPr>
-            <a:r>
-              <a:rPr lang="en-US" sz="2000" b="1" dirty="0">
-                <a:solidFill>
-                  <a:schemeClr val="accent1"/>
-                </a:solidFill>
-                <a:latin typeface="Cambria" panose="02040503050406030204" pitchFamily="18" charset="0"/>
-              </a:rPr>
-              <a:t>MIGHT BE 1,000,000 INPUT FEATURES</a:t>
-            </a:r>
-            <a:endParaRPr lang="en-US" sz="2000" dirty="0">
-              <a:solidFill>
-                <a:schemeClr val="accent1"/>
-              </a:solidFill>
-              <a:latin typeface="Cambria" panose="02040503050406030204" pitchFamily="18" charset="0"/>
-            </a:endParaRPr>
-          </a:p>
-        </p:txBody>
-      </p:sp>
-      <p:sp>
-        <p:nvSpPr>
-          <p:cNvPr id="6" name="TextBox 5"/>
-          <p:cNvSpPr txBox="1"/>
-          <p:nvPr/>
-        </p:nvSpPr>
-        <p:spPr>
-          <a:xfrm>
-            <a:off x="1925597" y="2963103"/>
-            <a:ext cx="9909364" cy="400110"/>
-          </a:xfrm>
-          <a:prstGeom prst="rect">
-            <a:avLst/>
-          </a:prstGeom>
-          <a:noFill/>
-        </p:spPr>
-        <p:txBody>
-          <a:bodyPr wrap="square" rtlCol="0">
-            <a:spAutoFit/>
-          </a:bodyPr>
-          <a:lstStyle/>
-          <a:p>
-            <a:pPr marL="342900" indent="-342900">
-              <a:buFont typeface="Arial"/>
-              <a:buChar char="•"/>
-            </a:pPr>
-            <a:r>
-              <a:rPr lang="en-US" sz="2000" b="1" dirty="0">
-                <a:solidFill>
-                  <a:schemeClr val="accent1"/>
-                </a:solidFill>
-                <a:latin typeface="Cambria" panose="02040503050406030204" pitchFamily="18" charset="0"/>
-              </a:rPr>
-              <a:t>DIMENSIONALITY REDUCTION SOMETIMES RELEVANT</a:t>
-            </a:r>
-            <a:endParaRPr lang="en-US" sz="2000" dirty="0">
-              <a:solidFill>
-                <a:schemeClr val="accent1"/>
-              </a:solidFill>
-              <a:latin typeface="Cambria" panose="02040503050406030204" pitchFamily="18" charset="0"/>
-            </a:endParaRPr>
-          </a:p>
-        </p:txBody>
-      </p:sp>
-      <p:sp>
-        <p:nvSpPr>
-          <p:cNvPr id="7" name="TextBox 6"/>
-          <p:cNvSpPr txBox="1"/>
-          <p:nvPr/>
-        </p:nvSpPr>
-        <p:spPr>
-          <a:xfrm>
-            <a:off x="1925597" y="3843142"/>
-            <a:ext cx="9909364" cy="400110"/>
-          </a:xfrm>
-          <a:prstGeom prst="rect">
-            <a:avLst/>
-          </a:prstGeom>
-          <a:noFill/>
-        </p:spPr>
-        <p:txBody>
-          <a:bodyPr wrap="square" rtlCol="0">
-            <a:spAutoFit/>
-          </a:bodyPr>
-          <a:lstStyle/>
-          <a:p>
-            <a:pPr marL="342900" indent="-342900">
-              <a:buFont typeface="Arial"/>
-              <a:buChar char="•"/>
-            </a:pPr>
-            <a:r>
-              <a:rPr lang="en-US" sz="2000" b="1" dirty="0">
-                <a:solidFill>
-                  <a:schemeClr val="accent1"/>
-                </a:solidFill>
-                <a:latin typeface="Cambria" panose="02040503050406030204" pitchFamily="18" charset="0"/>
-              </a:rPr>
-              <a:t>FEATURE ENGINEERING IS SOMETIMES KEY (see lab exercise)</a:t>
-            </a:r>
-            <a:endParaRPr lang="en-US" sz="2000" dirty="0">
-              <a:solidFill>
-                <a:schemeClr val="accent1"/>
-              </a:solidFill>
-              <a:latin typeface="Cambria" panose="02040503050406030204" pitchFamily="18" charset="0"/>
-            </a:endParaRPr>
-          </a:p>
-        </p:txBody>
-      </p:sp>
-      <p:sp>
-        <p:nvSpPr>
-          <p:cNvPr id="8" name="TextBox 7"/>
-          <p:cNvSpPr txBox="1"/>
-          <p:nvPr/>
-        </p:nvSpPr>
-        <p:spPr>
-          <a:xfrm>
-            <a:off x="1925597" y="4723181"/>
-            <a:ext cx="9909364" cy="400110"/>
-          </a:xfrm>
-          <a:prstGeom prst="rect">
-            <a:avLst/>
-          </a:prstGeom>
-          <a:noFill/>
-        </p:spPr>
-        <p:txBody>
-          <a:bodyPr wrap="square" rtlCol="0">
-            <a:spAutoFit/>
-          </a:bodyPr>
-          <a:lstStyle/>
-          <a:p>
-            <a:pPr marL="342900" indent="-342900">
-              <a:buFont typeface="Arial"/>
-              <a:buChar char="•"/>
-            </a:pPr>
-            <a:r>
-              <a:rPr lang="en-US" sz="2000" b="1" dirty="0">
-                <a:solidFill>
-                  <a:schemeClr val="accent1"/>
-                </a:solidFill>
-                <a:latin typeface="Cambria" panose="02040503050406030204" pitchFamily="18" charset="0"/>
-              </a:rPr>
-              <a:t>THE CASE OF DEEP LEARNING AND COMPUTER VISION</a:t>
-            </a:r>
-            <a:endParaRPr lang="en-US" sz="2000" dirty="0">
-              <a:solidFill>
-                <a:schemeClr val="accent1"/>
-              </a:solidFill>
-              <a:latin typeface="Cambria" panose="02040503050406030204" pitchFamily="18" charset="0"/>
-            </a:endParaRPr>
-          </a:p>
-        </p:txBody>
-      </p:sp>
+      <p:pic>
+        <p:nvPicPr>
+          <p:cNvPr id="4" name="Picture 3"/>
+          <p:cNvPicPr>
+            <a:picLocks noChangeAspect="1"/>
+          </p:cNvPicPr>
+          <p:nvPr/>
+        </p:nvPicPr>
+        <p:blipFill>
+          <a:blip r:embed="rId3"/>
+          <a:stretch>
+            <a:fillRect/>
+          </a:stretch>
+        </p:blipFill>
+        <p:spPr>
+          <a:xfrm>
+            <a:off x="1917171" y="1805476"/>
+            <a:ext cx="10261600" cy="1435100"/>
+          </a:xfrm>
+          <a:prstGeom prst="rect">
+            <a:avLst/>
+          </a:prstGeom>
+        </p:spPr>
+      </p:pic>
     </p:spTree>
     <p:extLst>
       <p:ext uri="{BB962C8B-B14F-4D97-AF65-F5344CB8AC3E}">
-        <p14:creationId xmlns:p14="http://schemas.microsoft.com/office/powerpoint/2010/main" val="288185590"/>
+        <p14:creationId xmlns:p14="http://schemas.microsoft.com/office/powerpoint/2010/main" val="1049242596"/>
       </p:ext>
     </p:extLst>
   </p:cSld>
@@ -14799,7 +14903,7 @@
         </p:nvSpPr>
         <p:spPr>
           <a:xfrm>
-            <a:off x="1850613" y="2121696"/>
+            <a:off x="1850613" y="1076526"/>
             <a:ext cx="9010237" cy="523220"/>
           </a:xfrm>
           <a:prstGeom prst="rect">
@@ -14820,7 +14924,7 @@
                 </a:solidFill>
                 <a:latin typeface="Cambria" panose="02040503050406030204" pitchFamily="18" charset="0"/>
               </a:rPr>
-              <a:t>DEEP LEARNING &amp; NEURAL NETWORKS</a:t>
+              <a:t>THE IMPORTANCE OF FEATURES</a:t>
             </a:r>
             <a:endParaRPr lang="en-US" sz="2800" b="1" dirty="0">
               <a:solidFill>
@@ -14831,10 +14935,186 @@
           </a:p>
         </p:txBody>
       </p:sp>
+      <p:sp>
+        <p:nvSpPr>
+          <p:cNvPr id="5" name="TextBox 4"/>
+          <p:cNvSpPr txBox="1"/>
+          <p:nvPr/>
+        </p:nvSpPr>
+        <p:spPr>
+          <a:xfrm>
+            <a:off x="1925597" y="2083064"/>
+            <a:ext cx="9909364" cy="400110"/>
+          </a:xfrm>
+          <a:prstGeom prst="rect">
+            <a:avLst/>
+          </a:prstGeom>
+          <a:noFill/>
+        </p:spPr>
+        <p:txBody>
+          <a:bodyPr wrap="square" rtlCol="0">
+            <a:spAutoFit/>
+          </a:bodyPr>
+          <a:lstStyle/>
+          <a:p>
+            <a:pPr marL="342900" indent="-342900">
+              <a:buFont typeface="Arial"/>
+              <a:buChar char="•"/>
+            </a:pPr>
+            <a:r>
+              <a:rPr lang="en-US" sz="2000" b="1" dirty="0">
+                <a:solidFill>
+                  <a:schemeClr val="accent1"/>
+                </a:solidFill>
+                <a:latin typeface="Cambria" panose="02040503050406030204" pitchFamily="18" charset="0"/>
+              </a:rPr>
+              <a:t>MIGHT BE 1,000,000 INPUT FEATURES</a:t>
+            </a:r>
+            <a:endParaRPr lang="en-US" sz="2000" dirty="0">
+              <a:solidFill>
+                <a:schemeClr val="accent1"/>
+              </a:solidFill>
+              <a:latin typeface="Cambria" panose="02040503050406030204" pitchFamily="18" charset="0"/>
+            </a:endParaRPr>
+          </a:p>
+        </p:txBody>
+      </p:sp>
+      <p:sp>
+        <p:nvSpPr>
+          <p:cNvPr id="6" name="TextBox 5"/>
+          <p:cNvSpPr txBox="1"/>
+          <p:nvPr/>
+        </p:nvSpPr>
+        <p:spPr>
+          <a:xfrm>
+            <a:off x="1925597" y="2963103"/>
+            <a:ext cx="9909364" cy="400110"/>
+          </a:xfrm>
+          <a:prstGeom prst="rect">
+            <a:avLst/>
+          </a:prstGeom>
+          <a:noFill/>
+        </p:spPr>
+        <p:txBody>
+          <a:bodyPr wrap="square" rtlCol="0">
+            <a:spAutoFit/>
+          </a:bodyPr>
+          <a:lstStyle/>
+          <a:p>
+            <a:pPr marL="342900" indent="-342900">
+              <a:buFont typeface="Arial"/>
+              <a:buChar char="•"/>
+            </a:pPr>
+            <a:r>
+              <a:rPr lang="en-US" sz="2000" b="1" dirty="0">
+                <a:solidFill>
+                  <a:schemeClr val="accent1"/>
+                </a:solidFill>
+                <a:latin typeface="Cambria" panose="02040503050406030204" pitchFamily="18" charset="0"/>
+              </a:rPr>
+              <a:t>DIMENSIONALITY REDUCTION SOMETIMES RELEVANT</a:t>
+            </a:r>
+            <a:endParaRPr lang="en-US" sz="2000" dirty="0">
+              <a:solidFill>
+                <a:schemeClr val="accent1"/>
+              </a:solidFill>
+              <a:latin typeface="Cambria" panose="02040503050406030204" pitchFamily="18" charset="0"/>
+            </a:endParaRPr>
+          </a:p>
+        </p:txBody>
+      </p:sp>
+      <p:sp>
+        <p:nvSpPr>
+          <p:cNvPr id="7" name="TextBox 6"/>
+          <p:cNvSpPr txBox="1"/>
+          <p:nvPr/>
+        </p:nvSpPr>
+        <p:spPr>
+          <a:xfrm>
+            <a:off x="1925597" y="3843142"/>
+            <a:ext cx="9909364" cy="400110"/>
+          </a:xfrm>
+          <a:prstGeom prst="rect">
+            <a:avLst/>
+          </a:prstGeom>
+          <a:noFill/>
+        </p:spPr>
+        <p:txBody>
+          <a:bodyPr wrap="square" rtlCol="0">
+            <a:spAutoFit/>
+          </a:bodyPr>
+          <a:lstStyle/>
+          <a:p>
+            <a:pPr marL="342900" indent="-342900">
+              <a:buFont typeface="Arial"/>
+              <a:buChar char="•"/>
+            </a:pPr>
+            <a:r>
+              <a:rPr lang="en-US" sz="2000" b="1" dirty="0">
+                <a:solidFill>
+                  <a:schemeClr val="accent1"/>
+                </a:solidFill>
+                <a:latin typeface="Cambria" panose="02040503050406030204" pitchFamily="18" charset="0"/>
+              </a:rPr>
+              <a:t>FEATURE ENGINEERING IS SOMETIMES KEY (see lab exercise)</a:t>
+            </a:r>
+            <a:endParaRPr lang="en-US" sz="2000" dirty="0">
+              <a:solidFill>
+                <a:schemeClr val="accent1"/>
+              </a:solidFill>
+              <a:latin typeface="Cambria" panose="02040503050406030204" pitchFamily="18" charset="0"/>
+            </a:endParaRPr>
+          </a:p>
+        </p:txBody>
+      </p:sp>
+      <p:sp>
+        <p:nvSpPr>
+          <p:cNvPr id="8" name="TextBox 7"/>
+          <p:cNvSpPr txBox="1"/>
+          <p:nvPr/>
+        </p:nvSpPr>
+        <p:spPr>
+          <a:xfrm>
+            <a:off x="1925597" y="4723181"/>
+            <a:ext cx="9909364" cy="400110"/>
+          </a:xfrm>
+          <a:prstGeom prst="rect">
+            <a:avLst/>
+          </a:prstGeom>
+          <a:noFill/>
+        </p:spPr>
+        <p:txBody>
+          <a:bodyPr wrap="square" rtlCol="0">
+            <a:spAutoFit/>
+          </a:bodyPr>
+          <a:lstStyle/>
+          <a:p>
+            <a:pPr marL="342900" indent="-342900">
+              <a:buFont typeface="Arial"/>
+              <a:buChar char="•"/>
+            </a:pPr>
+            <a:r>
+              <a:rPr lang="en-US" sz="2000" b="1" dirty="0">
+                <a:solidFill>
+                  <a:schemeClr val="accent1"/>
+                </a:solidFill>
+                <a:latin typeface="Cambria" panose="02040503050406030204" pitchFamily="18" charset="0"/>
+              </a:rPr>
+              <a:t>THE CASE OF DEEP LEARNING AND COMPUTER VISION</a:t>
+            </a:r>
+            <a:endParaRPr lang="en-US" sz="2000" dirty="0">
+              <a:solidFill>
+                <a:schemeClr val="accent1"/>
+              </a:solidFill>
+              <a:latin typeface="Cambria" panose="02040503050406030204" pitchFamily="18" charset="0"/>
+            </a:endParaRPr>
+          </a:p>
+        </p:txBody>
+      </p:sp>
     </p:spTree>
     <p:extLst>
       <p:ext uri="{BB962C8B-B14F-4D97-AF65-F5344CB8AC3E}">
-        <p14:creationId xmlns:p14="http://schemas.microsoft.com/office/powerpoint/2010/main" val="2711097523"/>
+        <p14:creationId xmlns:p14="http://schemas.microsoft.com/office/powerpoint/2010/main" val="288185590"/>
       </p:ext>
     </p:extLst>
   </p:cSld>
@@ -15104,7 +15384,7 @@
         </p:nvSpPr>
         <p:spPr>
           <a:xfrm>
-            <a:off x="1850613" y="1023606"/>
+            <a:off x="1850613" y="2121696"/>
             <a:ext cx="9010237" cy="523220"/>
           </a:xfrm>
           <a:prstGeom prst="rect">
@@ -15136,153 +15416,10 @@
           </a:p>
         </p:txBody>
       </p:sp>
-      <p:sp>
-        <p:nvSpPr>
-          <p:cNvPr id="4" name="TextBox 3"/>
-          <p:cNvSpPr txBox="1"/>
-          <p:nvPr/>
-        </p:nvSpPr>
-        <p:spPr>
-          <a:xfrm>
-            <a:off x="1925597" y="1765544"/>
-            <a:ext cx="9909364" cy="707886"/>
-          </a:xfrm>
-          <a:prstGeom prst="rect">
-            <a:avLst/>
-          </a:prstGeom>
-          <a:noFill/>
-        </p:spPr>
-        <p:txBody>
-          <a:bodyPr wrap="square" rtlCol="0">
-            <a:spAutoFit/>
-          </a:bodyPr>
-          <a:lstStyle/>
-          <a:p>
-            <a:pPr marL="342900" indent="-342900">
-              <a:buFont typeface="Arial"/>
-              <a:buChar char="•"/>
-            </a:pPr>
-            <a:r>
-              <a:rPr lang="en-US" sz="2000" b="1" dirty="0">
-                <a:solidFill>
-                  <a:schemeClr val="accent1"/>
-                </a:solidFill>
-                <a:latin typeface="Cambria" panose="02040503050406030204" pitchFamily="18" charset="0"/>
-              </a:rPr>
-              <a:t>A LOGISTIC REGRESSION IS ALREADY A NEURON (BUT NEED NON-LINEARITY)	</a:t>
-            </a:r>
-            <a:endParaRPr lang="en-US" sz="2000" dirty="0">
-              <a:solidFill>
-                <a:schemeClr val="accent1"/>
-              </a:solidFill>
-              <a:latin typeface="Cambria" panose="02040503050406030204" pitchFamily="18" charset="0"/>
-            </a:endParaRPr>
-          </a:p>
-        </p:txBody>
-      </p:sp>
-      <p:sp>
-        <p:nvSpPr>
-          <p:cNvPr id="5" name="Rectangle 4"/>
-          <p:cNvSpPr/>
-          <p:nvPr/>
-        </p:nvSpPr>
-        <p:spPr>
-          <a:xfrm>
-            <a:off x="2264748" y="6009362"/>
-            <a:ext cx="5492572" cy="369332"/>
-          </a:xfrm>
-          <a:prstGeom prst="rect">
-            <a:avLst/>
-          </a:prstGeom>
-        </p:spPr>
-        <p:txBody>
-          <a:bodyPr wrap="none">
-            <a:spAutoFit/>
-          </a:bodyPr>
-          <a:lstStyle/>
-          <a:p>
-            <a:r>
-              <a:rPr lang="en-US">
-                <a:hlinkClick r:id="rId3"/>
-              </a:rPr>
-              <a:t>http://neuralnetworksanddeeplearning.com/chap6.html</a:t>
-            </a:r>
-            <a:endParaRPr lang="en-US"/>
-          </a:p>
-        </p:txBody>
-      </p:sp>
-      <p:sp>
-        <p:nvSpPr>
-          <p:cNvPr id="10" name="TextBox 9"/>
-          <p:cNvSpPr txBox="1"/>
-          <p:nvPr/>
-        </p:nvSpPr>
-        <p:spPr>
-          <a:xfrm>
-            <a:off x="1932480" y="2328064"/>
-            <a:ext cx="9909364" cy="400110"/>
-          </a:xfrm>
-          <a:prstGeom prst="rect">
-            <a:avLst/>
-          </a:prstGeom>
-          <a:noFill/>
-        </p:spPr>
-        <p:txBody>
-          <a:bodyPr wrap="square" rtlCol="0">
-            <a:spAutoFit/>
-          </a:bodyPr>
-          <a:lstStyle/>
-          <a:p>
-            <a:pPr marL="342900" indent="-342900">
-              <a:buFont typeface="Arial"/>
-              <a:buChar char="•"/>
-            </a:pPr>
-            <a:r>
-              <a:rPr lang="en-US" sz="2000" b="1" dirty="0">
-                <a:solidFill>
-                  <a:schemeClr val="accent1"/>
-                </a:solidFill>
-                <a:latin typeface="Cambria" panose="02040503050406030204" pitchFamily="18" charset="0"/>
-              </a:rPr>
-              <a:t>BY INCREASING # OF NODES/NEURON and CONNECTIVITY -&gt; NON-LINEARITY</a:t>
-            </a:r>
-            <a:endParaRPr lang="en-US" sz="2000" dirty="0">
-              <a:solidFill>
-                <a:schemeClr val="accent1"/>
-              </a:solidFill>
-              <a:latin typeface="Cambria" panose="02040503050406030204" pitchFamily="18" charset="0"/>
-            </a:endParaRPr>
-          </a:p>
-        </p:txBody>
-      </p:sp>
-      <p:pic>
-        <p:nvPicPr>
-          <p:cNvPr id="12" name="Picture 11"/>
-          <p:cNvPicPr>
-            <a:picLocks noChangeAspect="1"/>
-          </p:cNvPicPr>
-          <p:nvPr/>
-        </p:nvPicPr>
-        <p:blipFill>
-          <a:blip r:embed="rId4"/>
-          <a:stretch>
-            <a:fillRect/>
-          </a:stretch>
-        </p:blipFill>
-        <p:spPr>
-          <a:xfrm>
-            <a:off x="2168692" y="2791489"/>
-            <a:ext cx="6320245" cy="3015605"/>
-          </a:xfrm>
-          <a:prstGeom prst="rect">
-            <a:avLst/>
-          </a:prstGeom>
-        </p:spPr>
-      </p:pic>
     </p:spTree>
     <p:extLst>
       <p:ext uri="{BB962C8B-B14F-4D97-AF65-F5344CB8AC3E}">
-        <p14:creationId xmlns:p14="http://schemas.microsoft.com/office/powerpoint/2010/main" val="3056338835"/>
+        <p14:creationId xmlns:p14="http://schemas.microsoft.com/office/powerpoint/2010/main" val="2711097523"/>
       </p:ext>
     </p:extLst>
   </p:cSld>
@@ -15328,65 +15465,193 @@
           <a:chExt cx="0" cy="0"/>
         </a:xfrm>
       </p:grpSpPr>
+      <p:sp>
+        <p:nvSpPr>
+          <p:cNvPr id="3" name="TextBox 2"/>
+          <p:cNvSpPr txBox="1"/>
+          <p:nvPr/>
+        </p:nvSpPr>
+        <p:spPr>
+          <a:xfrm>
+            <a:off x="1850613" y="1023606"/>
+            <a:ext cx="9010237" cy="523220"/>
+          </a:xfrm>
+          <a:prstGeom prst="rect">
+            <a:avLst/>
+          </a:prstGeom>
+          <a:noFill/>
+        </p:spPr>
+        <p:txBody>
+          <a:bodyPr wrap="square" rtlCol="0">
+            <a:spAutoFit/>
+          </a:bodyPr>
+          <a:lstStyle/>
+          <a:p>
+            <a:r>
+              <a:rPr lang="en-US" sz="2800" b="1" dirty="0">
+                <a:solidFill>
+                  <a:schemeClr val="accent1"/>
+                </a:solidFill>
+                <a:latin typeface="Cambria" panose="02040503050406030204" pitchFamily="18" charset="0"/>
+              </a:rPr>
+              <a:t>DEEP LEARNING &amp; NEURAL NETWORKS</a:t>
+            </a:r>
+            <a:endParaRPr lang="en-US" sz="2800" b="1" dirty="0">
+              <a:solidFill>
+                <a:schemeClr val="accent1"/>
+              </a:solidFill>
+              <a:latin typeface="Cambria" panose="02040503050406030204" pitchFamily="18" charset="0"/>
+            </a:endParaRPr>
+          </a:p>
+        </p:txBody>
+      </p:sp>
+      <p:sp>
+        <p:nvSpPr>
+          <p:cNvPr id="4" name="TextBox 3"/>
+          <p:cNvSpPr txBox="1"/>
+          <p:nvPr/>
+        </p:nvSpPr>
+        <p:spPr>
+          <a:xfrm>
+            <a:off x="1925597" y="1765544"/>
+            <a:ext cx="9909364" cy="707886"/>
+          </a:xfrm>
+          <a:prstGeom prst="rect">
+            <a:avLst/>
+          </a:prstGeom>
+          <a:noFill/>
+        </p:spPr>
+        <p:txBody>
+          <a:bodyPr wrap="square" rtlCol="0">
+            <a:spAutoFit/>
+          </a:bodyPr>
+          <a:lstStyle/>
+          <a:p>
+            <a:pPr marL="342900" indent="-342900">
+              <a:buFont typeface="Arial"/>
+              <a:buChar char="•"/>
+            </a:pPr>
+            <a:r>
+              <a:rPr lang="en-US" sz="2000" b="1" dirty="0">
+                <a:solidFill>
+                  <a:schemeClr val="accent1"/>
+                </a:solidFill>
+                <a:latin typeface="Cambria" panose="02040503050406030204" pitchFamily="18" charset="0"/>
+              </a:rPr>
+              <a:t>A LOGISTIC REGRESSION IS ALREADY A NEURON (BUT NEED NON-LINEARITY)	</a:t>
+            </a:r>
+            <a:endParaRPr lang="en-US" sz="2000" dirty="0">
+              <a:solidFill>
+                <a:schemeClr val="accent1"/>
+              </a:solidFill>
+              <a:latin typeface="Cambria" panose="02040503050406030204" pitchFamily="18" charset="0"/>
+            </a:endParaRPr>
+          </a:p>
+        </p:txBody>
+      </p:sp>
+      <p:sp>
+        <p:nvSpPr>
+          <p:cNvPr id="5" name="Rectangle 4"/>
+          <p:cNvSpPr/>
+          <p:nvPr/>
+        </p:nvSpPr>
+        <p:spPr>
+          <a:xfrm>
+            <a:off x="2264748" y="6009362"/>
+            <a:ext cx="5492572" cy="369332"/>
+          </a:xfrm>
+          <a:prstGeom prst="rect">
+            <a:avLst/>
+          </a:prstGeom>
+        </p:spPr>
+        <p:txBody>
+          <a:bodyPr wrap="none">
+            <a:spAutoFit/>
+          </a:bodyPr>
+          <a:lstStyle/>
+          <a:p>
+            <a:r>
+              <a:rPr lang="en-US">
+                <a:hlinkClick r:id="rId3"/>
+              </a:rPr>
+              <a:t>http://neuralnetworksanddeeplearning.com/chap6.html</a:t>
+            </a:r>
+            <a:endParaRPr lang="en-US"/>
+          </a:p>
+        </p:txBody>
+      </p:sp>
+      <p:sp>
+        <p:nvSpPr>
+          <p:cNvPr id="10" name="TextBox 9"/>
+          <p:cNvSpPr txBox="1"/>
+          <p:nvPr/>
+        </p:nvSpPr>
+        <p:spPr>
+          <a:xfrm>
+            <a:off x="1932480" y="2328064"/>
+            <a:ext cx="9909364" cy="400110"/>
+          </a:xfrm>
+          <a:prstGeom prst="rect">
+            <a:avLst/>
+          </a:prstGeom>
+          <a:noFill/>
+        </p:spPr>
+        <p:txBody>
+          <a:bodyPr wrap="square" rtlCol="0">
+            <a:spAutoFit/>
+          </a:bodyPr>
+          <a:lstStyle/>
+          <a:p>
+            <a:pPr marL="342900" indent="-342900">
+              <a:buFont typeface="Arial"/>
+              <a:buChar char="•"/>
+            </a:pPr>
+            <a:r>
+              <a:rPr lang="en-US" sz="2000" b="1" dirty="0">
+                <a:solidFill>
+                  <a:schemeClr val="accent1"/>
+                </a:solidFill>
+                <a:latin typeface="Cambria" panose="02040503050406030204" pitchFamily="18" charset="0"/>
+              </a:rPr>
+              <a:t>BY INCREASING # OF NODES/NEURON and CONNECTIVITY -&gt; NON-LINEARITY</a:t>
+            </a:r>
+            <a:endParaRPr lang="en-US" sz="2000" dirty="0">
+              <a:solidFill>
+                <a:schemeClr val="accent1"/>
+              </a:solidFill>
+              <a:latin typeface="Cambria" panose="02040503050406030204" pitchFamily="18" charset="0"/>
+            </a:endParaRPr>
+          </a:p>
+        </p:txBody>
+      </p:sp>
       <p:pic>
         <p:nvPicPr>
-          <p:cNvPr id="2" name="Picture 1"/>
+          <p:cNvPr id="12" name="Picture 11"/>
           <p:cNvPicPr>
             <a:picLocks noChangeAspect="1"/>
           </p:cNvPicPr>
           <p:nvPr/>
         </p:nvPicPr>
         <p:blipFill>
-          <a:blip r:embed="rId3"/>
+          <a:blip r:embed="rId4"/>
           <a:stretch>
             <a:fillRect/>
           </a:stretch>
         </p:blipFill>
         <p:spPr>
           <a:xfrm>
-            <a:off x="1582697" y="648262"/>
-            <a:ext cx="8876775" cy="5093473"/>
+            <a:off x="2168692" y="2791489"/>
+            <a:ext cx="6320245" cy="3015605"/>
           </a:xfrm>
           <a:prstGeom prst="rect">
             <a:avLst/>
           </a:prstGeom>
         </p:spPr>
       </p:pic>
-      <p:sp>
-        <p:nvSpPr>
-          <p:cNvPr id="6" name="Rectangle 5"/>
-          <p:cNvSpPr/>
-          <p:nvPr/>
-        </p:nvSpPr>
-        <p:spPr>
-          <a:xfrm>
-            <a:off x="1586941" y="5850607"/>
-            <a:ext cx="3409106" cy="369332"/>
-          </a:xfrm>
-          <a:prstGeom prst="rect">
-            <a:avLst/>
-          </a:prstGeom>
-        </p:spPr>
-        <p:txBody>
-          <a:bodyPr wrap="none">
-            <a:spAutoFit/>
-          </a:bodyPr>
-          <a:lstStyle/>
-          <a:p>
-            <a:r>
-              <a:rPr lang="en-US">
-                <a:hlinkClick r:id="rId4"/>
-              </a:rPr>
-              <a:t>http://playground.tensorflow.org/</a:t>
-            </a:r>
-            <a:endParaRPr lang="en-US"/>
-          </a:p>
-        </p:txBody>
-      </p:sp>
     </p:spTree>
     <p:extLst>
       <p:ext uri="{BB962C8B-B14F-4D97-AF65-F5344CB8AC3E}">
-        <p14:creationId xmlns:p14="http://schemas.microsoft.com/office/powerpoint/2010/main" val="1653301413"/>
+        <p14:creationId xmlns:p14="http://schemas.microsoft.com/office/powerpoint/2010/main" val="3056338835"/>
       </p:ext>
     </p:extLst>
   </p:cSld>
@@ -15432,129 +15697,24 @@
           <a:chExt cx="0" cy="0"/>
         </a:xfrm>
       </p:grpSpPr>
-      <p:sp>
-        <p:nvSpPr>
-          <p:cNvPr id="3" name="TextBox 2"/>
-          <p:cNvSpPr txBox="1"/>
-          <p:nvPr/>
-        </p:nvSpPr>
-        <p:spPr>
-          <a:xfrm>
-            <a:off x="1850613" y="1023606"/>
-            <a:ext cx="9010237" cy="523220"/>
-          </a:xfrm>
-          <a:prstGeom prst="rect">
-            <a:avLst/>
-          </a:prstGeom>
-          <a:noFill/>
-        </p:spPr>
-        <p:txBody>
-          <a:bodyPr wrap="square" rtlCol="0">
-            <a:spAutoFit/>
-          </a:bodyPr>
-          <a:lstStyle/>
-          <a:p>
-            <a:r>
-              <a:rPr lang="en-US" sz="2800" b="1" dirty="0">
-                <a:solidFill>
-                  <a:schemeClr val="accent1"/>
-                </a:solidFill>
-                <a:latin typeface="Cambria" panose="02040503050406030204" pitchFamily="18" charset="0"/>
-              </a:rPr>
-              <a:t>DEEP LEARNING FOR IMAGE RECOGNITION</a:t>
-            </a:r>
-            <a:endParaRPr lang="en-US" sz="2800" b="1" dirty="0">
-              <a:solidFill>
-                <a:schemeClr val="accent1"/>
-              </a:solidFill>
-              <a:latin typeface="Cambria" panose="02040503050406030204" pitchFamily="18" charset="0"/>
-            </a:endParaRPr>
-          </a:p>
-        </p:txBody>
-      </p:sp>
-      <p:sp>
-        <p:nvSpPr>
-          <p:cNvPr id="8" name="TextBox 7"/>
-          <p:cNvSpPr txBox="1"/>
-          <p:nvPr/>
-        </p:nvSpPr>
-        <p:spPr>
-          <a:xfrm>
-            <a:off x="1863781" y="1539852"/>
-            <a:ext cx="8949543" cy="400110"/>
-          </a:xfrm>
-          <a:prstGeom prst="rect">
-            <a:avLst/>
-          </a:prstGeom>
-          <a:noFill/>
-        </p:spPr>
-        <p:txBody>
-          <a:bodyPr wrap="square" rtlCol="0">
-            <a:spAutoFit/>
-          </a:bodyPr>
-          <a:lstStyle/>
-          <a:p>
-            <a:r>
-              <a:rPr lang="en-US" sz="2000" b="1" dirty="0">
-                <a:solidFill>
-                  <a:schemeClr val="accent1"/>
-                </a:solidFill>
-                <a:latin typeface="Cambria" panose="02040503050406030204" pitchFamily="18" charset="0"/>
-              </a:rPr>
-              <a:t>THE CASE OF “MNIST” HANDWRITTEN DIGIT DATASET RECOGNITION</a:t>
-            </a:r>
-          </a:p>
-        </p:txBody>
-      </p:sp>
-      <p:sp>
-        <p:nvSpPr>
-          <p:cNvPr id="9" name="Rectangle 8"/>
-          <p:cNvSpPr/>
-          <p:nvPr/>
-        </p:nvSpPr>
-        <p:spPr>
-          <a:xfrm>
-            <a:off x="6791093" y="3191415"/>
-            <a:ext cx="3557384" cy="369332"/>
-          </a:xfrm>
-          <a:prstGeom prst="rect">
-            <a:avLst/>
-          </a:prstGeom>
-        </p:spPr>
-        <p:txBody>
-          <a:bodyPr wrap="none">
-            <a:spAutoFit/>
-          </a:bodyPr>
-          <a:lstStyle/>
-          <a:p>
-            <a:r>
-              <a:rPr lang="en-US">
-                <a:hlinkClick r:id="rId3"/>
-              </a:rPr>
-              <a:t>http://yann.lecun.com/exdb/mnist/</a:t>
-            </a:r>
-            <a:endParaRPr lang="en-US"/>
-          </a:p>
-        </p:txBody>
-      </p:sp>
       <p:pic>
         <p:nvPicPr>
-          <p:cNvPr id="10" name="Picture 9"/>
+          <p:cNvPr id="2" name="Picture 1"/>
           <p:cNvPicPr>
             <a:picLocks noChangeAspect="1"/>
           </p:cNvPicPr>
           <p:nvPr/>
         </p:nvPicPr>
         <p:blipFill>
-          <a:blip r:embed="rId4"/>
+          <a:blip r:embed="rId3"/>
           <a:stretch>
             <a:fillRect/>
           </a:stretch>
         </p:blipFill>
         <p:spPr>
           <a:xfrm>
-            <a:off x="1974343" y="2990922"/>
-            <a:ext cx="4099398" cy="2301003"/>
+            <a:off x="1582697" y="648262"/>
+            <a:ext cx="8876775" cy="5093473"/>
           </a:xfrm>
           <a:prstGeom prst="rect">
             <a:avLst/>
@@ -15563,76 +15723,39 @@
       </p:pic>
       <p:sp>
         <p:nvSpPr>
-          <p:cNvPr id="12" name="TextBox 11"/>
-          <p:cNvSpPr txBox="1"/>
-          <p:nvPr/>
-        </p:nvSpPr>
-        <p:spPr>
-          <a:xfrm>
-            <a:off x="1897121" y="1983307"/>
-            <a:ext cx="10643788" cy="338554"/>
-          </a:xfrm>
-          <a:prstGeom prst="rect">
-            <a:avLst/>
-          </a:prstGeom>
-          <a:noFill/>
-        </p:spPr>
-        <p:txBody>
-          <a:bodyPr wrap="square" rtlCol="0">
+          <p:cNvPr id="6" name="Rectangle 5"/>
+          <p:cNvSpPr/>
+          <p:nvPr/>
+        </p:nvSpPr>
+        <p:spPr>
+          <a:xfrm>
+            <a:off x="1586941" y="5850607"/>
+            <a:ext cx="3409106" cy="369332"/>
+          </a:xfrm>
+          <a:prstGeom prst="rect">
+            <a:avLst/>
+          </a:prstGeom>
+        </p:spPr>
+        <p:txBody>
+          <a:bodyPr wrap="none">
             <a:spAutoFit/>
           </a:bodyPr>
           <a:lstStyle/>
           <a:p>
             <a:r>
-              <a:rPr lang="en-US" sz="1600" b="1" dirty="0">
-                <a:solidFill>
-                  <a:schemeClr val="accent1"/>
-                </a:solidFill>
-                <a:latin typeface="Cambria" panose="02040503050406030204" pitchFamily="18" charset="0"/>
-              </a:rPr>
-              <a:t>TRAINING SET OF 60,000 EXAMPLES, TEST SET OF 10,000 EXAMPLES OF 28 x 28 IMAGES</a:t>
-            </a:r>
-          </a:p>
-        </p:txBody>
-      </p:sp>
-      <p:sp>
-        <p:nvSpPr>
-          <p:cNvPr id="11" name="TextBox 10"/>
-          <p:cNvSpPr txBox="1"/>
-          <p:nvPr/>
-        </p:nvSpPr>
-        <p:spPr>
-          <a:xfrm>
-            <a:off x="6752631" y="2883451"/>
-            <a:ext cx="2739307" cy="338554"/>
-          </a:xfrm>
-          <a:prstGeom prst="rect">
-            <a:avLst/>
-          </a:prstGeom>
-          <a:noFill/>
-        </p:spPr>
-        <p:txBody>
-          <a:bodyPr wrap="square" rtlCol="0">
-            <a:spAutoFit/>
-          </a:bodyPr>
-          <a:lstStyle/>
-          <a:p>
-            <a:r>
-              <a:rPr lang="en-US" sz="1600" b="1" dirty="0">
-                <a:solidFill>
-                  <a:schemeClr val="accent1"/>
-                </a:solidFill>
-                <a:latin typeface="Cambria" panose="02040503050406030204" pitchFamily="18" charset="0"/>
-              </a:rPr>
-              <a:t>CLASSIFIERS BENCHMARK:</a:t>
-            </a:r>
+              <a:rPr lang="en-US">
+                <a:hlinkClick r:id="rId4"/>
+              </a:rPr>
+              <a:t>http://playground.tensorflow.org/</a:t>
+            </a:r>
+            <a:endParaRPr lang="en-US"/>
           </a:p>
         </p:txBody>
       </p:sp>
     </p:spTree>
     <p:extLst>
       <p:ext uri="{BB962C8B-B14F-4D97-AF65-F5344CB8AC3E}">
-        <p14:creationId xmlns:p14="http://schemas.microsoft.com/office/powerpoint/2010/main" val="1306709083"/>
+        <p14:creationId xmlns:p14="http://schemas.microsoft.com/office/powerpoint/2010/main" val="1653301413"/>
       </p:ext>
     </p:extLst>
   </p:cSld>
@@ -15747,11 +15870,66 @@
                 </a:solidFill>
                 <a:latin typeface="Cambria" panose="02040503050406030204" pitchFamily="18" charset="0"/>
               </a:rPr>
-              <a:t>CONVOLUTIONAL NETS MOTIVATION(S)</a:t>
-            </a:r>
-          </a:p>
-        </p:txBody>
-      </p:sp>
+              <a:t>THE CASE OF “MNIST” HANDWRITTEN DIGIT DATASET RECOGNITION</a:t>
+            </a:r>
+          </a:p>
+        </p:txBody>
+      </p:sp>
+      <p:sp>
+        <p:nvSpPr>
+          <p:cNvPr id="9" name="Rectangle 8"/>
+          <p:cNvSpPr/>
+          <p:nvPr/>
+        </p:nvSpPr>
+        <p:spPr>
+          <a:xfrm>
+            <a:off x="6791093" y="3191415"/>
+            <a:ext cx="3557384" cy="369332"/>
+          </a:xfrm>
+          <a:prstGeom prst="rect">
+            <a:avLst/>
+          </a:prstGeom>
+        </p:spPr>
+        <p:txBody>
+          <a:bodyPr wrap="none">
+            <a:spAutoFit/>
+          </a:bodyPr>
+          <a:lstStyle/>
+          <a:p>
+            <a:r>
+              <a:rPr lang="en-US">
+                <a:hlinkClick r:id="rId3"/>
+              </a:rPr>
+              <a:t>http://yann.lecun.com/exdb/mnist/</a:t>
+            </a:r>
+            <a:endParaRPr lang="en-US"/>
+          </a:p>
+        </p:txBody>
+      </p:sp>
+      <p:pic>
+        <p:nvPicPr>
+          <p:cNvPr id="10" name="Picture 9"/>
+          <p:cNvPicPr>
+            <a:picLocks noChangeAspect="1"/>
+          </p:cNvPicPr>
+          <p:nvPr/>
+        </p:nvPicPr>
+        <p:blipFill>
+          <a:blip r:embed="rId4"/>
+          <a:stretch>
+            <a:fillRect/>
+          </a:stretch>
+        </p:blipFill>
+        <p:spPr>
+          <a:xfrm>
+            <a:off x="1974343" y="2990922"/>
+            <a:ext cx="4099398" cy="2301003"/>
+          </a:xfrm>
+          <a:prstGeom prst="rect">
+            <a:avLst/>
+          </a:prstGeom>
+        </p:spPr>
+      </p:pic>
       <p:sp>
         <p:nvSpPr>
           <p:cNvPr id="12" name="TextBox 11"/>
@@ -15760,7 +15938,7 @@
         </p:nvSpPr>
         <p:spPr>
           <a:xfrm>
-            <a:off x="1897121" y="2380205"/>
+            <a:off x="1897121" y="1983307"/>
             <a:ext cx="10643788" cy="338554"/>
           </a:xfrm>
           <a:prstGeom prst="rect">
@@ -15774,10 +15952,6 @@
           </a:bodyPr>
           <a:lstStyle/>
           <a:p>
-            <a:pPr marL="285750" indent="-285750">
-              <a:buFont typeface="Arial"/>
-              <a:buChar char="•"/>
-            </a:pPr>
             <a:r>
               <a:rPr lang="en-US" sz="1600" b="1" dirty="0">
                 <a:solidFill>
@@ -15785,21 +15959,21 @@
                 </a:solidFill>
                 <a:latin typeface="Cambria" panose="02040503050406030204" pitchFamily="18" charset="0"/>
               </a:rPr>
-              <a:t>28 x 28 PIXELS IMAGE = 784 FEATURES, 1 BY PIXEL, VALUE FROM 0-255  (LEVEL OF GRAY)</a:t>
-            </a:r>
-          </a:p>
-        </p:txBody>
-      </p:sp>
-      <p:sp>
-        <p:nvSpPr>
-          <p:cNvPr id="13" name="TextBox 12"/>
+              <a:t>TRAINING SET OF 60,000 EXAMPLES, TEST SET OF 10,000 EXAMPLES OF 28 x 28 IMAGES</a:t>
+            </a:r>
+          </a:p>
+        </p:txBody>
+      </p:sp>
+      <p:sp>
+        <p:nvSpPr>
+          <p:cNvPr id="11" name="TextBox 10"/>
           <p:cNvSpPr txBox="1"/>
           <p:nvPr/>
         </p:nvSpPr>
         <p:spPr>
           <a:xfrm>
-            <a:off x="1897121" y="3035337"/>
-            <a:ext cx="10643788" cy="338554"/>
+            <a:off x="6752631" y="2883451"/>
+            <a:ext cx="2739307" cy="338554"/>
           </a:xfrm>
           <a:prstGeom prst="rect">
             <a:avLst/>
@@ -15812,10 +15986,6 @@
           </a:bodyPr>
           <a:lstStyle/>
           <a:p>
-            <a:pPr marL="285750" indent="-285750">
-              <a:buFont typeface="Arial"/>
-              <a:buChar char="•"/>
-            </a:pPr>
             <a:r>
               <a:rPr lang="en-US" sz="1600" b="1" dirty="0">
                 <a:solidFill>
@@ -15823,165 +15993,15 @@
                 </a:solidFill>
                 <a:latin typeface="Cambria" panose="02040503050406030204" pitchFamily="18" charset="0"/>
               </a:rPr>
-              <a:t>WHAT IF 1000 x 1000 x 3 (R,G,B) + 4 HIDDEN LAYERS + … ? </a:t>
-            </a:r>
-          </a:p>
-        </p:txBody>
-      </p:sp>
-      <p:sp>
-        <p:nvSpPr>
-          <p:cNvPr id="14" name="TextBox 13"/>
-          <p:cNvSpPr txBox="1"/>
-          <p:nvPr/>
-        </p:nvSpPr>
-        <p:spPr>
-          <a:xfrm>
-            <a:off x="1897121" y="3690469"/>
-            <a:ext cx="10643788" cy="338554"/>
-          </a:xfrm>
-          <a:prstGeom prst="rect">
-            <a:avLst/>
-          </a:prstGeom>
-          <a:noFill/>
-        </p:spPr>
-        <p:txBody>
-          <a:bodyPr wrap="square" rtlCol="0">
-            <a:spAutoFit/>
-          </a:bodyPr>
-          <a:lstStyle/>
-          <a:p>
-            <a:pPr marL="285750" indent="-285750">
-              <a:buFont typeface="Arial"/>
-              <a:buChar char="•"/>
-            </a:pPr>
-            <a:r>
-              <a:rPr lang="en-US" sz="1600" b="1" dirty="0">
-                <a:solidFill>
-                  <a:schemeClr val="accent1"/>
-                </a:solidFill>
-                <a:latin typeface="Cambria" panose="02040503050406030204" pitchFamily="18" charset="0"/>
-              </a:rPr>
-              <a:t>WHAT IF IMAGE IS TRANSLATED, ROTATED, AT DIFFERENT SCALES ?</a:t>
-            </a:r>
-          </a:p>
-        </p:txBody>
-      </p:sp>
-      <p:sp>
-        <p:nvSpPr>
-          <p:cNvPr id="15" name="TextBox 14"/>
-          <p:cNvSpPr txBox="1"/>
-          <p:nvPr/>
-        </p:nvSpPr>
-        <p:spPr>
-          <a:xfrm>
-            <a:off x="1897121" y="4345601"/>
-            <a:ext cx="10643788" cy="338554"/>
-          </a:xfrm>
-          <a:prstGeom prst="rect">
-            <a:avLst/>
-          </a:prstGeom>
-          <a:noFill/>
-        </p:spPr>
-        <p:txBody>
-          <a:bodyPr wrap="square" rtlCol="0">
-            <a:spAutoFit/>
-          </a:bodyPr>
-          <a:lstStyle/>
-          <a:p>
-            <a:pPr marL="285750" indent="-285750">
-              <a:buFont typeface="Arial"/>
-              <a:buChar char="•"/>
-            </a:pPr>
-            <a:r>
-              <a:rPr lang="en-US" sz="1600" b="1" dirty="0">
-                <a:solidFill>
-                  <a:schemeClr val="accent1"/>
-                </a:solidFill>
-                <a:latin typeface="Cambria" panose="02040503050406030204" pitchFamily="18" charset="0"/>
-              </a:rPr>
-              <a:t>NEED FOR HIGHER ABSTRACTION</a:t>
-            </a:r>
-          </a:p>
-        </p:txBody>
-      </p:sp>
-      <p:sp>
-        <p:nvSpPr>
-          <p:cNvPr id="16" name="TextBox 15"/>
-          <p:cNvSpPr txBox="1"/>
-          <p:nvPr/>
-        </p:nvSpPr>
-        <p:spPr>
-          <a:xfrm>
-            <a:off x="1897121" y="5000734"/>
-            <a:ext cx="10643788" cy="830997"/>
-          </a:xfrm>
-          <a:prstGeom prst="rect">
-            <a:avLst/>
-          </a:prstGeom>
-          <a:noFill/>
-        </p:spPr>
-        <p:txBody>
-          <a:bodyPr wrap="square" rtlCol="0">
-            <a:spAutoFit/>
-          </a:bodyPr>
-          <a:lstStyle/>
-          <a:p>
-            <a:pPr marL="285750" indent="-285750">
-              <a:buFont typeface="Arial"/>
-              <a:buChar char="•"/>
-            </a:pPr>
-            <a:r>
-              <a:rPr lang="en-US" sz="1600" b="1" dirty="0">
-                <a:solidFill>
-                  <a:schemeClr val="accent1"/>
-                </a:solidFill>
-                <a:latin typeface="Cambria" panose="02040503050406030204" pitchFamily="18" charset="0"/>
-              </a:rPr>
-              <a:t>ONE OF THE GREATEST SUCCESS STORY OF BIOLOGICALLY INSPIRED AI</a:t>
-            </a:r>
-            <a:br>
-              <a:rPr lang="en-US" sz="1600" b="1" dirty="0">
-                <a:solidFill>
-                  <a:schemeClr val="accent1"/>
-                </a:solidFill>
-                <a:latin typeface="Cambria" panose="02040503050406030204" pitchFamily="18" charset="0"/>
-              </a:rPr>
-            </a:br>
-            <a:r>
-              <a:rPr lang="en-US" sz="1600" b="1" dirty="0">
-                <a:solidFill>
-                  <a:schemeClr val="accent1"/>
-                </a:solidFill>
-                <a:latin typeface="Cambria" panose="02040503050406030204" pitchFamily="18" charset="0"/>
-                <a:hlinkClick r:id="rId3"/>
-              </a:rPr>
-              <a:t>https://en.wikipedia.org/wiki/David_H._Hubel</a:t>
-            </a:r>
-            <a:endParaRPr lang="en-US" sz="1600" b="1" dirty="0">
-              <a:solidFill>
-                <a:schemeClr val="accent1"/>
-              </a:solidFill>
-              <a:latin typeface="Cambria" panose="02040503050406030204" pitchFamily="18" charset="0"/>
-            </a:endParaRPr>
-          </a:p>
-          <a:p>
-            <a:pPr marL="285750" indent="-285750">
-              <a:buFont typeface="Arial"/>
-              <a:buChar char="•"/>
-            </a:pPr>
-            <a:endParaRPr lang="en-US" sz="1600" b="1" dirty="0">
-              <a:solidFill>
-                <a:schemeClr val="accent1"/>
-              </a:solidFill>
-              <a:latin typeface="Cambria" panose="02040503050406030204" pitchFamily="18" charset="0"/>
-            </a:endParaRPr>
+              <a:t>CLASSIFIERS BENCHMARK:</a:t>
+            </a:r>
           </a:p>
         </p:txBody>
       </p:sp>
     </p:spTree>
     <p:extLst>
       <p:ext uri="{BB962C8B-B14F-4D97-AF65-F5344CB8AC3E}">
-        <p14:creationId xmlns:p14="http://schemas.microsoft.com/office/powerpoint/2010/main" val="565274489"/>
+        <p14:creationId xmlns:p14="http://schemas.microsoft.com/office/powerpoint/2010/main" val="1306709083"/>
       </p:ext>
     </p:extLst>
   </p:cSld>
@@ -16096,70 +16116,241 @@
                 </a:solidFill>
                 <a:latin typeface="Cambria" panose="02040503050406030204" pitchFamily="18" charset="0"/>
               </a:rPr>
-              <a:t>CONVOLUTIONAL NETS EXAMPLE [1]</a:t>
-            </a:r>
-          </a:p>
-        </p:txBody>
-      </p:sp>
-      <p:pic>
-        <p:nvPicPr>
-          <p:cNvPr id="2" name="Picture 1"/>
-          <p:cNvPicPr>
-            <a:picLocks noChangeAspect="1"/>
-          </p:cNvPicPr>
-          <p:nvPr/>
-        </p:nvPicPr>
-        <p:blipFill>
-          <a:blip r:embed="rId3"/>
-          <a:stretch>
-            <a:fillRect/>
-          </a:stretch>
-        </p:blipFill>
-        <p:spPr>
-          <a:xfrm>
-            <a:off x="1957864" y="2253214"/>
-            <a:ext cx="9937788" cy="3053176"/>
-          </a:xfrm>
-          <a:prstGeom prst="rect">
-            <a:avLst/>
-          </a:prstGeom>
-        </p:spPr>
-      </p:pic>
-      <p:sp>
-        <p:nvSpPr>
-          <p:cNvPr id="4" name="Rectangle 3"/>
-          <p:cNvSpPr/>
-          <p:nvPr/>
-        </p:nvSpPr>
-        <p:spPr>
-          <a:xfrm>
-            <a:off x="1786302" y="5341672"/>
-            <a:ext cx="10405698" cy="369332"/>
-          </a:xfrm>
-          <a:prstGeom prst="rect">
-            <a:avLst/>
-          </a:prstGeom>
-        </p:spPr>
-        <p:txBody>
-          <a:bodyPr wrap="square">
+              <a:t>CONVOLUTIONAL NETS MOTIVATION(S)</a:t>
+            </a:r>
+          </a:p>
+        </p:txBody>
+      </p:sp>
+      <p:sp>
+        <p:nvSpPr>
+          <p:cNvPr id="12" name="TextBox 11"/>
+          <p:cNvSpPr txBox="1"/>
+          <p:nvPr/>
+        </p:nvSpPr>
+        <p:spPr>
+          <a:xfrm>
+            <a:off x="1897121" y="2380205"/>
+            <a:ext cx="10643788" cy="338554"/>
+          </a:xfrm>
+          <a:prstGeom prst="rect">
+            <a:avLst/>
+          </a:prstGeom>
+          <a:noFill/>
+        </p:spPr>
+        <p:txBody>
+          <a:bodyPr wrap="square" rtlCol="0">
             <a:spAutoFit/>
           </a:bodyPr>
           <a:lstStyle/>
           <a:p>
-            <a:r>
-              <a:rPr lang="en-US">
-                <a:hlinkClick r:id="rId4"/>
-              </a:rPr>
-              <a:t>https://github.com/Hvass-Labs/TensorFlow-Tutorials/blob/master/02_Convolutional_Neural_Network.ipynb</a:t>
-            </a:r>
-            <a:endParaRPr lang="en-US"/>
+            <a:pPr marL="285750" indent="-285750">
+              <a:buFont typeface="Arial"/>
+              <a:buChar char="•"/>
+            </a:pPr>
+            <a:r>
+              <a:rPr lang="en-US" sz="1600" b="1" dirty="0">
+                <a:solidFill>
+                  <a:schemeClr val="accent1"/>
+                </a:solidFill>
+                <a:latin typeface="Cambria" panose="02040503050406030204" pitchFamily="18" charset="0"/>
+              </a:rPr>
+              <a:t>28 x 28 PIXELS IMAGE = 784 FEATURES, 1 BY PIXEL, VALUE FROM 0-255  (LEVEL OF GRAY)</a:t>
+            </a:r>
+          </a:p>
+        </p:txBody>
+      </p:sp>
+      <p:sp>
+        <p:nvSpPr>
+          <p:cNvPr id="13" name="TextBox 12"/>
+          <p:cNvSpPr txBox="1"/>
+          <p:nvPr/>
+        </p:nvSpPr>
+        <p:spPr>
+          <a:xfrm>
+            <a:off x="1897121" y="3035337"/>
+            <a:ext cx="10643788" cy="338554"/>
+          </a:xfrm>
+          <a:prstGeom prst="rect">
+            <a:avLst/>
+          </a:prstGeom>
+          <a:noFill/>
+        </p:spPr>
+        <p:txBody>
+          <a:bodyPr wrap="square" rtlCol="0">
+            <a:spAutoFit/>
+          </a:bodyPr>
+          <a:lstStyle/>
+          <a:p>
+            <a:pPr marL="285750" indent="-285750">
+              <a:buFont typeface="Arial"/>
+              <a:buChar char="•"/>
+            </a:pPr>
+            <a:r>
+              <a:rPr lang="en-US" sz="1600" b="1" dirty="0">
+                <a:solidFill>
+                  <a:schemeClr val="accent1"/>
+                </a:solidFill>
+                <a:latin typeface="Cambria" panose="02040503050406030204" pitchFamily="18" charset="0"/>
+              </a:rPr>
+              <a:t>WHAT IF 1000 x 1000 x 3 (R,G,B) + 4 HIDDEN LAYERS + … ? </a:t>
+            </a:r>
+          </a:p>
+        </p:txBody>
+      </p:sp>
+      <p:sp>
+        <p:nvSpPr>
+          <p:cNvPr id="14" name="TextBox 13"/>
+          <p:cNvSpPr txBox="1"/>
+          <p:nvPr/>
+        </p:nvSpPr>
+        <p:spPr>
+          <a:xfrm>
+            <a:off x="1897121" y="3690469"/>
+            <a:ext cx="10643788" cy="338554"/>
+          </a:xfrm>
+          <a:prstGeom prst="rect">
+            <a:avLst/>
+          </a:prstGeom>
+          <a:noFill/>
+        </p:spPr>
+        <p:txBody>
+          <a:bodyPr wrap="square" rtlCol="0">
+            <a:spAutoFit/>
+          </a:bodyPr>
+          <a:lstStyle/>
+          <a:p>
+            <a:pPr marL="285750" indent="-285750">
+              <a:buFont typeface="Arial"/>
+              <a:buChar char="•"/>
+            </a:pPr>
+            <a:r>
+              <a:rPr lang="en-US" sz="1600" b="1" dirty="0">
+                <a:solidFill>
+                  <a:schemeClr val="accent1"/>
+                </a:solidFill>
+                <a:latin typeface="Cambria" panose="02040503050406030204" pitchFamily="18" charset="0"/>
+              </a:rPr>
+              <a:t>WHAT IF IMAGE IS TRANSLATED, ROTATED, AT DIFFERENT SCALES ?</a:t>
+            </a:r>
+          </a:p>
+        </p:txBody>
+      </p:sp>
+      <p:sp>
+        <p:nvSpPr>
+          <p:cNvPr id="15" name="TextBox 14"/>
+          <p:cNvSpPr txBox="1"/>
+          <p:nvPr/>
+        </p:nvSpPr>
+        <p:spPr>
+          <a:xfrm>
+            <a:off x="1897121" y="4345601"/>
+            <a:ext cx="10643788" cy="338554"/>
+          </a:xfrm>
+          <a:prstGeom prst="rect">
+            <a:avLst/>
+          </a:prstGeom>
+          <a:noFill/>
+        </p:spPr>
+        <p:txBody>
+          <a:bodyPr wrap="square" rtlCol="0">
+            <a:spAutoFit/>
+          </a:bodyPr>
+          <a:lstStyle/>
+          <a:p>
+            <a:pPr marL="285750" indent="-285750">
+              <a:buFont typeface="Arial"/>
+              <a:buChar char="•"/>
+            </a:pPr>
+            <a:r>
+              <a:rPr lang="en-US" sz="1600" b="1" dirty="0">
+                <a:solidFill>
+                  <a:schemeClr val="accent1"/>
+                </a:solidFill>
+                <a:latin typeface="Cambria" panose="02040503050406030204" pitchFamily="18" charset="0"/>
+              </a:rPr>
+              <a:t>NEED FOR HIGHER ABSTRACTION</a:t>
+            </a:r>
+          </a:p>
+        </p:txBody>
+      </p:sp>
+      <p:sp>
+        <p:nvSpPr>
+          <p:cNvPr id="16" name="TextBox 15"/>
+          <p:cNvSpPr txBox="1"/>
+          <p:nvPr/>
+        </p:nvSpPr>
+        <p:spPr>
+          <a:xfrm>
+            <a:off x="1897121" y="5000734"/>
+            <a:ext cx="10643788" cy="830997"/>
+          </a:xfrm>
+          <a:prstGeom prst="rect">
+            <a:avLst/>
+          </a:prstGeom>
+          <a:noFill/>
+        </p:spPr>
+        <p:txBody>
+          <a:bodyPr wrap="square" rtlCol="0">
+            <a:spAutoFit/>
+          </a:bodyPr>
+          <a:lstStyle/>
+          <a:p>
+            <a:pPr marL="285750" indent="-285750">
+              <a:buFont typeface="Arial"/>
+              <a:buChar char="•"/>
+            </a:pPr>
+            <a:r>
+              <a:rPr lang="en-US" sz="1600" b="1" dirty="0">
+                <a:solidFill>
+                  <a:schemeClr val="accent1"/>
+                </a:solidFill>
+                <a:latin typeface="Cambria" panose="02040503050406030204" pitchFamily="18" charset="0"/>
+              </a:rPr>
+              <a:t>ONE OF THE GREATEST SUCCESS STORY OF BIOLOGICALLY INSPIRED AI</a:t>
+            </a:r>
+            <a:br>
+              <a:rPr lang="en-US" sz="1600" b="1" dirty="0">
+                <a:solidFill>
+                  <a:schemeClr val="accent1"/>
+                </a:solidFill>
+                <a:latin typeface="Cambria" panose="02040503050406030204" pitchFamily="18" charset="0"/>
+              </a:rPr>
+            </a:br>
+            <a:r>
+              <a:rPr lang="en-US" sz="1600" b="1" dirty="0">
+                <a:solidFill>
+                  <a:schemeClr val="accent1"/>
+                </a:solidFill>
+                <a:latin typeface="Cambria" panose="02040503050406030204" pitchFamily="18" charset="0"/>
+                <a:hlinkClick r:id="rId3"/>
+              </a:rPr>
+              <a:t>https://en.wikipedia.org/wiki/David_H._Hubel</a:t>
+            </a:r>
+            <a:endParaRPr lang="en-US" sz="1600" b="1" dirty="0">
+              <a:solidFill>
+                <a:schemeClr val="accent1"/>
+              </a:solidFill>
+              <a:latin typeface="Cambria" panose="02040503050406030204" pitchFamily="18" charset="0"/>
+            </a:endParaRPr>
+          </a:p>
+          <a:p>
+            <a:pPr marL="285750" indent="-285750">
+              <a:buFont typeface="Arial"/>
+              <a:buChar char="•"/>
+            </a:pPr>
+            <a:endParaRPr lang="en-US" sz="1600" b="1" dirty="0">
+              <a:solidFill>
+                <a:schemeClr val="accent1"/>
+              </a:solidFill>
+              <a:latin typeface="Cambria" panose="02040503050406030204" pitchFamily="18" charset="0"/>
+            </a:endParaRPr>
           </a:p>
         </p:txBody>
       </p:sp>
     </p:spTree>
     <p:extLst>
       <p:ext uri="{BB962C8B-B14F-4D97-AF65-F5344CB8AC3E}">
-        <p14:creationId xmlns:p14="http://schemas.microsoft.com/office/powerpoint/2010/main" val="1408419822"/>
+        <p14:creationId xmlns:p14="http://schemas.microsoft.com/office/powerpoint/2010/main" val="565274489"/>
       </p:ext>
     </p:extLst>
   </p:cSld>
@@ -16274,70 +16465,70 @@
                 </a:solidFill>
                 <a:latin typeface="Cambria" panose="02040503050406030204" pitchFamily="18" charset="0"/>
               </a:rPr>
-              <a:t>CONVOLUTIONAL NETS EXAMPLE [2]</a:t>
-            </a:r>
-          </a:p>
-        </p:txBody>
-      </p:sp>
-      <p:sp>
-        <p:nvSpPr>
-          <p:cNvPr id="4" name="Rectangle 3"/>
-          <p:cNvSpPr/>
-          <p:nvPr/>
-        </p:nvSpPr>
-        <p:spPr>
-          <a:xfrm>
-            <a:off x="1786302" y="5341672"/>
-            <a:ext cx="10405698" cy="369332"/>
-          </a:xfrm>
-          <a:prstGeom prst="rect">
-            <a:avLst/>
-          </a:prstGeom>
-        </p:spPr>
-        <p:txBody>
-          <a:bodyPr wrap="square">
-            <a:spAutoFit/>
-          </a:bodyPr>
-          <a:lstStyle/>
-          <a:p>
-            <a:r>
-              <a:rPr lang="en-US">
-                <a:hlinkClick r:id="rId3"/>
-              </a:rPr>
-              <a:t>https://github.com/Hvass-Labs/TensorFlow-Tutorials/blob/master/02_Convolutional_Neural_Network.ipynb</a:t>
-            </a:r>
-            <a:endParaRPr lang="en-US"/>
+              <a:t>CONVOLUTIONAL NETS EXAMPLE [1]</a:t>
+            </a:r>
           </a:p>
         </p:txBody>
       </p:sp>
       <p:pic>
         <p:nvPicPr>
-          <p:cNvPr id="5" name="Picture 4"/>
+          <p:cNvPr id="2" name="Picture 1"/>
           <p:cNvPicPr>
             <a:picLocks noChangeAspect="1"/>
           </p:cNvPicPr>
           <p:nvPr/>
         </p:nvPicPr>
         <p:blipFill>
-          <a:blip r:embed="rId4"/>
+          <a:blip r:embed="rId3"/>
           <a:stretch>
             <a:fillRect/>
           </a:stretch>
         </p:blipFill>
         <p:spPr>
           <a:xfrm>
-            <a:off x="1986982" y="2000334"/>
-            <a:ext cx="5606354" cy="3225750"/>
+            <a:off x="1957864" y="2253214"/>
+            <a:ext cx="9937788" cy="3053176"/>
           </a:xfrm>
           <a:prstGeom prst="rect">
             <a:avLst/>
           </a:prstGeom>
         </p:spPr>
       </p:pic>
+      <p:sp>
+        <p:nvSpPr>
+          <p:cNvPr id="4" name="Rectangle 3"/>
+          <p:cNvSpPr/>
+          <p:nvPr/>
+        </p:nvSpPr>
+        <p:spPr>
+          <a:xfrm>
+            <a:off x="1786302" y="5341672"/>
+            <a:ext cx="10405698" cy="369332"/>
+          </a:xfrm>
+          <a:prstGeom prst="rect">
+            <a:avLst/>
+          </a:prstGeom>
+        </p:spPr>
+        <p:txBody>
+          <a:bodyPr wrap="square">
+            <a:spAutoFit/>
+          </a:bodyPr>
+          <a:lstStyle/>
+          <a:p>
+            <a:r>
+              <a:rPr lang="en-US">
+                <a:hlinkClick r:id="rId4"/>
+              </a:rPr>
+              <a:t>https://github.com/Hvass-Labs/TensorFlow-Tutorials/blob/master/02_Convolutional_Neural_Network.ipynb</a:t>
+            </a:r>
+            <a:endParaRPr lang="en-US"/>
+          </a:p>
+        </p:txBody>
+      </p:sp>
     </p:spTree>
     <p:extLst>
       <p:ext uri="{BB962C8B-B14F-4D97-AF65-F5344CB8AC3E}">
-        <p14:creationId xmlns:p14="http://schemas.microsoft.com/office/powerpoint/2010/main" val="779750318"/>
+        <p14:creationId xmlns:p14="http://schemas.microsoft.com/office/powerpoint/2010/main" val="1408419822"/>
       </p:ext>
     </p:extLst>
   </p:cSld>
@@ -16412,7 +16603,7 @@
                 </a:solidFill>
                 <a:latin typeface="Cambria" panose="02040503050406030204" pitchFamily="18" charset="0"/>
               </a:rPr>
-              <a:t>DEEP LEARNING | TRANSFER LEARNING</a:t>
+              <a:t>DEEP LEARNING FOR IMAGE RECOGNITION</a:t>
             </a:r>
             <a:endParaRPr lang="en-US" sz="2800" b="1" dirty="0">
               <a:solidFill>
@@ -16425,14 +16616,14 @@
       </p:sp>
       <p:sp>
         <p:nvSpPr>
-          <p:cNvPr id="6" name="TextBox 5"/>
+          <p:cNvPr id="8" name="TextBox 7"/>
           <p:cNvSpPr txBox="1"/>
           <p:nvPr/>
         </p:nvSpPr>
         <p:spPr>
           <a:xfrm>
-            <a:off x="1870662" y="1559957"/>
-            <a:ext cx="10643788" cy="400110"/>
+            <a:off x="1863781" y="1539852"/>
+            <a:ext cx="8949543" cy="400110"/>
           </a:xfrm>
           <a:prstGeom prst="rect">
             <a:avLst/>
@@ -16452,167 +16643,70 @@
                 </a:solidFill>
                 <a:latin typeface="Cambria" panose="02040503050406030204" pitchFamily="18" charset="0"/>
               </a:rPr>
-              <a:t>RE-USE (USE WEIGHTS &amp; TOPOLOGY) OF STATE OF THE ART MODELS</a:t>
-            </a:r>
-          </a:p>
-        </p:txBody>
-      </p:sp>
-      <p:sp>
-        <p:nvSpPr>
-          <p:cNvPr id="14" name="TextBox 13"/>
-          <p:cNvSpPr txBox="1"/>
-          <p:nvPr/>
-        </p:nvSpPr>
-        <p:spPr>
-          <a:xfrm>
-            <a:off x="1892162" y="2327286"/>
-            <a:ext cx="4589954" cy="2862322"/>
-          </a:xfrm>
-          <a:prstGeom prst="rect">
-            <a:avLst/>
-          </a:prstGeom>
-          <a:noFill/>
-        </p:spPr>
-        <p:txBody>
-          <a:bodyPr wrap="square" rtlCol="0">
+              <a:t>CONVOLUTIONAL NETS EXAMPLE [2]</a:t>
+            </a:r>
+          </a:p>
+        </p:txBody>
+      </p:sp>
+      <p:sp>
+        <p:nvSpPr>
+          <p:cNvPr id="4" name="Rectangle 3"/>
+          <p:cNvSpPr/>
+          <p:nvPr/>
+        </p:nvSpPr>
+        <p:spPr>
+          <a:xfrm>
+            <a:off x="1786302" y="5341672"/>
+            <a:ext cx="10405698" cy="369332"/>
+          </a:xfrm>
+          <a:prstGeom prst="rect">
+            <a:avLst/>
+          </a:prstGeom>
+        </p:spPr>
+        <p:txBody>
+          <a:bodyPr wrap="square">
             <a:spAutoFit/>
           </a:bodyPr>
           <a:lstStyle/>
           <a:p>
-            <a:pPr marL="285750" indent="-285750">
-              <a:buFont typeface="Arial"/>
-              <a:buChar char="•"/>
-            </a:pPr>
-            <a:r>
-              <a:rPr lang="en-US" sz="2000" b="1" dirty="0">
-                <a:solidFill>
-                  <a:schemeClr val="accent1"/>
-                </a:solidFill>
-                <a:latin typeface="Cambria" panose="02040503050406030204" pitchFamily="18" charset="0"/>
-              </a:rPr>
-              <a:t>LeNet-5</a:t>
-            </a:r>
-            <a:br>
-              <a:rPr lang="en-US" sz="2000" b="1" dirty="0">
-                <a:solidFill>
-                  <a:schemeClr val="accent1"/>
-                </a:solidFill>
-                <a:latin typeface="Cambria" panose="02040503050406030204" pitchFamily="18" charset="0"/>
-              </a:rPr>
-            </a:br>
-            <a:endParaRPr lang="en-US" sz="2000" b="1" dirty="0">
-              <a:solidFill>
-                <a:schemeClr val="accent1"/>
-              </a:solidFill>
-              <a:latin typeface="Cambria" panose="02040503050406030204" pitchFamily="18" charset="0"/>
-            </a:endParaRPr>
-          </a:p>
-          <a:p>
-            <a:pPr marL="285750" indent="-285750">
-              <a:buFont typeface="Arial"/>
-              <a:buChar char="•"/>
-            </a:pPr>
-            <a:r>
-              <a:rPr lang="en-US" sz="2000" b="1" dirty="0">
-                <a:solidFill>
-                  <a:schemeClr val="accent1"/>
-                </a:solidFill>
-                <a:latin typeface="Cambria" panose="02040503050406030204" pitchFamily="18" charset="0"/>
-              </a:rPr>
-              <a:t>AlexNet</a:t>
-            </a:r>
-            <a:br>
-              <a:rPr lang="en-US" sz="2000" b="1" dirty="0">
-                <a:solidFill>
-                  <a:schemeClr val="accent1"/>
-                </a:solidFill>
-                <a:latin typeface="Cambria" panose="02040503050406030204" pitchFamily="18" charset="0"/>
-              </a:rPr>
-            </a:br>
-            <a:endParaRPr lang="en-US" sz="2000" b="1" dirty="0">
-              <a:solidFill>
-                <a:schemeClr val="accent1"/>
-              </a:solidFill>
-              <a:latin typeface="Cambria" panose="02040503050406030204" pitchFamily="18" charset="0"/>
-            </a:endParaRPr>
-          </a:p>
-          <a:p>
-            <a:pPr marL="285750" indent="-285750">
-              <a:buFont typeface="Arial"/>
-              <a:buChar char="•"/>
-            </a:pPr>
-            <a:r>
-              <a:rPr lang="en-US" sz="2000" b="1" dirty="0">
-                <a:solidFill>
-                  <a:schemeClr val="accent1"/>
-                </a:solidFill>
-                <a:latin typeface="Cambria" panose="02040503050406030204" pitchFamily="18" charset="0"/>
-              </a:rPr>
-              <a:t>VGG</a:t>
-            </a:r>
-          </a:p>
-          <a:p>
-            <a:pPr marL="285750" indent="-285750">
-              <a:buFont typeface="Arial"/>
-              <a:buChar char="•"/>
-            </a:pPr>
-            <a:endParaRPr lang="en-US" sz="2000" b="1" dirty="0">
-              <a:solidFill>
-                <a:schemeClr val="accent1"/>
-              </a:solidFill>
-              <a:latin typeface="Cambria" panose="02040503050406030204" pitchFamily="18" charset="0"/>
-            </a:endParaRPr>
-          </a:p>
-          <a:p>
-            <a:pPr marL="285750" indent="-285750">
-              <a:buFont typeface="Arial"/>
-              <a:buChar char="•"/>
-            </a:pPr>
-            <a:r>
-              <a:rPr lang="en-US" sz="2000" b="1" dirty="0">
-                <a:solidFill>
-                  <a:schemeClr val="accent1"/>
-                </a:solidFill>
-                <a:latin typeface="Cambria" panose="02040503050406030204" pitchFamily="18" charset="0"/>
-              </a:rPr>
-              <a:t>ResNet</a:t>
-            </a:r>
-            <a:br>
-              <a:rPr lang="en-US" sz="2000" b="1" dirty="0">
-                <a:solidFill>
-                  <a:schemeClr val="accent1"/>
-                </a:solidFill>
-                <a:latin typeface="Cambria" panose="02040503050406030204" pitchFamily="18" charset="0"/>
-              </a:rPr>
-            </a:br>
-            <a:endParaRPr lang="en-US" sz="2000" b="1" dirty="0">
-              <a:solidFill>
-                <a:schemeClr val="accent1"/>
-              </a:solidFill>
-              <a:latin typeface="Cambria" panose="02040503050406030204" pitchFamily="18" charset="0"/>
-            </a:endParaRPr>
-          </a:p>
-          <a:p>
-            <a:pPr marL="285750" indent="-285750">
-              <a:buFont typeface="Arial"/>
-              <a:buChar char="•"/>
-            </a:pPr>
-            <a:r>
-              <a:rPr lang="en-US" sz="2000" b="1" dirty="0">
-                <a:solidFill>
-                  <a:schemeClr val="accent1"/>
-                </a:solidFill>
-                <a:latin typeface="Cambria" panose="02040503050406030204" pitchFamily="18" charset="0"/>
-              </a:rPr>
-              <a:t>Inception</a:t>
-            </a:r>
-          </a:p>
-        </p:txBody>
-      </p:sp>
+            <a:r>
+              <a:rPr lang="en-US">
+                <a:hlinkClick r:id="rId3"/>
+              </a:rPr>
+              <a:t>https://github.com/Hvass-Labs/TensorFlow-Tutorials/blob/master/02_Convolutional_Neural_Network.ipynb</a:t>
+            </a:r>
+            <a:endParaRPr lang="en-US"/>
+          </a:p>
+        </p:txBody>
+      </p:sp>
+      <p:pic>
+        <p:nvPicPr>
+          <p:cNvPr id="5" name="Picture 4"/>
+          <p:cNvPicPr>
+            <a:picLocks noChangeAspect="1"/>
+          </p:cNvPicPr>
+          <p:nvPr/>
+        </p:nvPicPr>
+        <p:blipFill>
+          <a:blip r:embed="rId4"/>
+          <a:stretch>
+            <a:fillRect/>
+          </a:stretch>
+        </p:blipFill>
+        <p:spPr>
+          <a:xfrm>
+            <a:off x="1986982" y="2000334"/>
+            <a:ext cx="5606354" cy="3225750"/>
+          </a:xfrm>
+          <a:prstGeom prst="rect">
+            <a:avLst/>
+          </a:prstGeom>
+        </p:spPr>
+      </p:pic>
     </p:spTree>
     <p:extLst>
       <p:ext uri="{BB962C8B-B14F-4D97-AF65-F5344CB8AC3E}">
-        <p14:creationId xmlns:p14="http://schemas.microsoft.com/office/powerpoint/2010/main" val="913939383"/>
+        <p14:creationId xmlns:p14="http://schemas.microsoft.com/office/powerpoint/2010/main" val="779750318"/>
       </p:ext>
     </p:extLst>
   </p:cSld>
@@ -16687,7 +16781,7 @@
                 </a:solidFill>
                 <a:latin typeface="Cambria" panose="02040503050406030204" pitchFamily="18" charset="0"/>
               </a:rPr>
-              <a:t>STATE OF THE ART IN OBJECT DETECTION</a:t>
+              <a:t>DEEP LEARNING | TRANSFER LEARNING</a:t>
             </a:r>
             <a:endParaRPr lang="en-US" sz="2800" b="1" dirty="0">
               <a:solidFill>
@@ -16698,65 +16792,196 @@
           </a:p>
         </p:txBody>
       </p:sp>
-      <p:pic>
-        <p:nvPicPr>
-          <p:cNvPr id="2" name="Picture 1"/>
-          <p:cNvPicPr>
-            <a:picLocks noChangeAspect="1"/>
-          </p:cNvPicPr>
-          <p:nvPr/>
-        </p:nvPicPr>
-        <p:blipFill>
-          <a:blip r:embed="rId3"/>
-          <a:stretch>
-            <a:fillRect/>
-          </a:stretch>
-        </p:blipFill>
-        <p:spPr>
-          <a:xfrm>
-            <a:off x="1939918" y="1640495"/>
-            <a:ext cx="5256553" cy="4102173"/>
-          </a:xfrm>
-          <a:prstGeom prst="rect">
-            <a:avLst/>
-          </a:prstGeom>
-        </p:spPr>
-      </p:pic>
-      <p:sp>
-        <p:nvSpPr>
-          <p:cNvPr id="4" name="Rectangle 3"/>
-          <p:cNvSpPr/>
-          <p:nvPr/>
-        </p:nvSpPr>
-        <p:spPr>
-          <a:xfrm>
-            <a:off x="1914710" y="5982903"/>
-            <a:ext cx="3547290" cy="369332"/>
-          </a:xfrm>
-          <a:prstGeom prst="rect">
-            <a:avLst/>
-          </a:prstGeom>
-        </p:spPr>
-        <p:txBody>
-          <a:bodyPr wrap="none">
+      <p:sp>
+        <p:nvSpPr>
+          <p:cNvPr id="6" name="TextBox 5"/>
+          <p:cNvSpPr txBox="1"/>
+          <p:nvPr/>
+        </p:nvSpPr>
+        <p:spPr>
+          <a:xfrm>
+            <a:off x="1870662" y="1559957"/>
+            <a:ext cx="10643788" cy="400110"/>
+          </a:xfrm>
+          <a:prstGeom prst="rect">
+            <a:avLst/>
+          </a:prstGeom>
+          <a:noFill/>
+        </p:spPr>
+        <p:txBody>
+          <a:bodyPr wrap="square" rtlCol="0">
             <a:spAutoFit/>
           </a:bodyPr>
           <a:lstStyle/>
           <a:p>
             <a:r>
-              <a:rPr lang="en-US">
-                <a:hlinkClick r:id="rId4"/>
-              </a:rPr>
-              <a:t>https://pjreddie.com/darknet/yolo/</a:t>
-            </a:r>
-            <a:endParaRPr lang="en-US"/>
+              <a:rPr lang="en-US" sz="2000" b="1" dirty="0">
+                <a:solidFill>
+                  <a:schemeClr val="accent1"/>
+                </a:solidFill>
+                <a:latin typeface="Cambria" panose="02040503050406030204" pitchFamily="18" charset="0"/>
+              </a:rPr>
+              <a:t>RE-USE (USE WEIGHTS &amp; TOPOLOGY) OF STATE OF THE ART MODELS</a:t>
+            </a:r>
+          </a:p>
+        </p:txBody>
+      </p:sp>
+      <p:sp>
+        <p:nvSpPr>
+          <p:cNvPr id="14" name="TextBox 13"/>
+          <p:cNvSpPr txBox="1"/>
+          <p:nvPr/>
+        </p:nvSpPr>
+        <p:spPr>
+          <a:xfrm>
+            <a:off x="1892162" y="2327286"/>
+            <a:ext cx="4589954" cy="2862322"/>
+          </a:xfrm>
+          <a:prstGeom prst="rect">
+            <a:avLst/>
+          </a:prstGeom>
+          <a:noFill/>
+        </p:spPr>
+        <p:txBody>
+          <a:bodyPr wrap="square" rtlCol="0">
+            <a:spAutoFit/>
+          </a:bodyPr>
+          <a:lstStyle/>
+          <a:p>
+            <a:pPr marL="285750" indent="-285750">
+              <a:buFont typeface="Arial"/>
+              <a:buChar char="•"/>
+            </a:pPr>
+            <a:r>
+              <a:rPr lang="en-US" sz="2000" b="1" dirty="0">
+                <a:solidFill>
+                  <a:schemeClr val="accent1"/>
+                </a:solidFill>
+                <a:latin typeface="Cambria" panose="02040503050406030204" pitchFamily="18" charset="0"/>
+              </a:rPr>
+              <a:t>LeNet-5</a:t>
+            </a:r>
+            <a:br>
+              <a:rPr lang="en-US" sz="2000" b="1" dirty="0">
+                <a:solidFill>
+                  <a:schemeClr val="accent1"/>
+                </a:solidFill>
+                <a:latin typeface="Cambria" panose="02040503050406030204" pitchFamily="18" charset="0"/>
+              </a:rPr>
+            </a:br>
+            <a:endParaRPr lang="en-US" sz="2000" b="1" dirty="0">
+              <a:solidFill>
+                <a:schemeClr val="accent1"/>
+              </a:solidFill>
+              <a:latin typeface="Cambria" panose="02040503050406030204" pitchFamily="18" charset="0"/>
+            </a:endParaRPr>
+          </a:p>
+          <a:p>
+            <a:pPr marL="285750" indent="-285750">
+              <a:buFont typeface="Arial"/>
+              <a:buChar char="•"/>
+            </a:pPr>
+            <a:r>
+              <a:rPr lang="en-US" sz="2000" b="1" dirty="0">
+                <a:solidFill>
+                  <a:schemeClr val="accent1"/>
+                </a:solidFill>
+                <a:latin typeface="Cambria" panose="02040503050406030204" pitchFamily="18" charset="0"/>
+              </a:rPr>
+              <a:t>AlexNet</a:t>
+            </a:r>
+            <a:br>
+              <a:rPr lang="en-US" sz="2000" b="1" dirty="0">
+                <a:solidFill>
+                  <a:schemeClr val="accent1"/>
+                </a:solidFill>
+                <a:latin typeface="Cambria" panose="02040503050406030204" pitchFamily="18" charset="0"/>
+              </a:rPr>
+            </a:br>
+            <a:endParaRPr lang="en-US" sz="2000" b="1" dirty="0">
+              <a:solidFill>
+                <a:schemeClr val="accent1"/>
+              </a:solidFill>
+              <a:latin typeface="Cambria" panose="02040503050406030204" pitchFamily="18" charset="0"/>
+            </a:endParaRPr>
+          </a:p>
+          <a:p>
+            <a:pPr marL="285750" indent="-285750">
+              <a:buFont typeface="Arial"/>
+              <a:buChar char="•"/>
+            </a:pPr>
+            <a:r>
+              <a:rPr lang="en-US" sz="2000" b="1" dirty="0">
+                <a:solidFill>
+                  <a:schemeClr val="accent1"/>
+                </a:solidFill>
+                <a:latin typeface="Cambria" panose="02040503050406030204" pitchFamily="18" charset="0"/>
+              </a:rPr>
+              <a:t>VGG</a:t>
+            </a:r>
+          </a:p>
+          <a:p>
+            <a:pPr marL="285750" indent="-285750">
+              <a:buFont typeface="Arial"/>
+              <a:buChar char="•"/>
+            </a:pPr>
+            <a:endParaRPr lang="en-US" sz="2000" b="1" dirty="0">
+              <a:solidFill>
+                <a:schemeClr val="accent1"/>
+              </a:solidFill>
+              <a:latin typeface="Cambria" panose="02040503050406030204" pitchFamily="18" charset="0"/>
+            </a:endParaRPr>
+          </a:p>
+          <a:p>
+            <a:pPr marL="285750" indent="-285750">
+              <a:buFont typeface="Arial"/>
+              <a:buChar char="•"/>
+            </a:pPr>
+            <a:r>
+              <a:rPr lang="en-US" sz="2000" b="1" dirty="0">
+                <a:solidFill>
+                  <a:schemeClr val="accent1"/>
+                </a:solidFill>
+                <a:latin typeface="Cambria" panose="02040503050406030204" pitchFamily="18" charset="0"/>
+              </a:rPr>
+              <a:t>ResNet</a:t>
+            </a:r>
+            <a:br>
+              <a:rPr lang="en-US" sz="2000" b="1" dirty="0">
+                <a:solidFill>
+                  <a:schemeClr val="accent1"/>
+                </a:solidFill>
+                <a:latin typeface="Cambria" panose="02040503050406030204" pitchFamily="18" charset="0"/>
+              </a:rPr>
+            </a:br>
+            <a:endParaRPr lang="en-US" sz="2000" b="1" dirty="0">
+              <a:solidFill>
+                <a:schemeClr val="accent1"/>
+              </a:solidFill>
+              <a:latin typeface="Cambria" panose="02040503050406030204" pitchFamily="18" charset="0"/>
+            </a:endParaRPr>
+          </a:p>
+          <a:p>
+            <a:pPr marL="285750" indent="-285750">
+              <a:buFont typeface="Arial"/>
+              <a:buChar char="•"/>
+            </a:pPr>
+            <a:r>
+              <a:rPr lang="en-US" sz="2000" b="1" dirty="0">
+                <a:solidFill>
+                  <a:schemeClr val="accent1"/>
+                </a:solidFill>
+                <a:latin typeface="Cambria" panose="02040503050406030204" pitchFamily="18" charset="0"/>
+              </a:rPr>
+              <a:t>Inception</a:t>
+            </a:r>
           </a:p>
         </p:txBody>
       </p:sp>
     </p:spTree>
     <p:extLst>
       <p:ext uri="{BB962C8B-B14F-4D97-AF65-F5344CB8AC3E}">
-        <p14:creationId xmlns:p14="http://schemas.microsoft.com/office/powerpoint/2010/main" val="4231295407"/>
+        <p14:creationId xmlns:p14="http://schemas.microsoft.com/office/powerpoint/2010/main" val="913939383"/>
       </p:ext>
     </p:extLst>
   </p:cSld>
@@ -16831,7 +17056,7 @@
                 </a:solidFill>
                 <a:latin typeface="Cambria" panose="02040503050406030204" pitchFamily="18" charset="0"/>
               </a:rPr>
-              <a:t>DEEP LEARNING | TRANSFER LEARNING</a:t>
+              <a:t>STATE OF THE ART IN OBJECT DETECTION</a:t>
             </a:r>
             <a:endParaRPr lang="en-US" sz="2800" b="1" dirty="0">
               <a:solidFill>
@@ -16842,196 +17067,65 @@
           </a:p>
         </p:txBody>
       </p:sp>
-      <p:sp>
-        <p:nvSpPr>
-          <p:cNvPr id="6" name="TextBox 5"/>
-          <p:cNvSpPr txBox="1"/>
-          <p:nvPr/>
-        </p:nvSpPr>
-        <p:spPr>
-          <a:xfrm>
-            <a:off x="1870662" y="1559957"/>
-            <a:ext cx="10643788" cy="400110"/>
-          </a:xfrm>
-          <a:prstGeom prst="rect">
-            <a:avLst/>
-          </a:prstGeom>
-          <a:noFill/>
-        </p:spPr>
-        <p:txBody>
-          <a:bodyPr wrap="square" rtlCol="0">
+      <p:pic>
+        <p:nvPicPr>
+          <p:cNvPr id="2" name="Picture 1"/>
+          <p:cNvPicPr>
+            <a:picLocks noChangeAspect="1"/>
+          </p:cNvPicPr>
+          <p:nvPr/>
+        </p:nvPicPr>
+        <p:blipFill>
+          <a:blip r:embed="rId3"/>
+          <a:stretch>
+            <a:fillRect/>
+          </a:stretch>
+        </p:blipFill>
+        <p:spPr>
+          <a:xfrm>
+            <a:off x="1939918" y="1640495"/>
+            <a:ext cx="5256553" cy="4102173"/>
+          </a:xfrm>
+          <a:prstGeom prst="rect">
+            <a:avLst/>
+          </a:prstGeom>
+        </p:spPr>
+      </p:pic>
+      <p:sp>
+        <p:nvSpPr>
+          <p:cNvPr id="4" name="Rectangle 3"/>
+          <p:cNvSpPr/>
+          <p:nvPr/>
+        </p:nvSpPr>
+        <p:spPr>
+          <a:xfrm>
+            <a:off x="1914710" y="5982903"/>
+            <a:ext cx="3547290" cy="369332"/>
+          </a:xfrm>
+          <a:prstGeom prst="rect">
+            <a:avLst/>
+          </a:prstGeom>
+        </p:spPr>
+        <p:txBody>
+          <a:bodyPr wrap="none">
             <a:spAutoFit/>
           </a:bodyPr>
           <a:lstStyle/>
           <a:p>
             <a:r>
-              <a:rPr lang="en-US" sz="2000" b="1" dirty="0">
-                <a:solidFill>
-                  <a:schemeClr val="accent1"/>
-                </a:solidFill>
-                <a:latin typeface="Cambria" panose="02040503050406030204" pitchFamily="18" charset="0"/>
-              </a:rPr>
-              <a:t>RE-USE (USE WEIGHTS &amp; TOPOLOGY) OF STATE OF THE ART MODELS</a:t>
-            </a:r>
-          </a:p>
-        </p:txBody>
-      </p:sp>
-      <p:sp>
-        <p:nvSpPr>
-          <p:cNvPr id="14" name="TextBox 13"/>
-          <p:cNvSpPr txBox="1"/>
-          <p:nvPr/>
-        </p:nvSpPr>
-        <p:spPr>
-          <a:xfrm>
-            <a:off x="1892162" y="2327286"/>
-            <a:ext cx="4589954" cy="2862322"/>
-          </a:xfrm>
-          <a:prstGeom prst="rect">
-            <a:avLst/>
-          </a:prstGeom>
-          <a:noFill/>
-        </p:spPr>
-        <p:txBody>
-          <a:bodyPr wrap="square" rtlCol="0">
-            <a:spAutoFit/>
-          </a:bodyPr>
-          <a:lstStyle/>
-          <a:p>
-            <a:pPr marL="285750" indent="-285750">
-              <a:buFont typeface="Arial"/>
-              <a:buChar char="•"/>
-            </a:pPr>
-            <a:r>
-              <a:rPr lang="en-US" sz="2000" b="1" dirty="0">
-                <a:solidFill>
-                  <a:schemeClr val="accent1"/>
-                </a:solidFill>
-                <a:latin typeface="Cambria" panose="02040503050406030204" pitchFamily="18" charset="0"/>
-              </a:rPr>
-              <a:t>LeNet-5</a:t>
-            </a:r>
-            <a:br>
-              <a:rPr lang="en-US" sz="2000" b="1" dirty="0">
-                <a:solidFill>
-                  <a:schemeClr val="accent1"/>
-                </a:solidFill>
-                <a:latin typeface="Cambria" panose="02040503050406030204" pitchFamily="18" charset="0"/>
-              </a:rPr>
-            </a:br>
-            <a:endParaRPr lang="en-US" sz="2000" b="1" dirty="0">
-              <a:solidFill>
-                <a:schemeClr val="accent1"/>
-              </a:solidFill>
-              <a:latin typeface="Cambria" panose="02040503050406030204" pitchFamily="18" charset="0"/>
-            </a:endParaRPr>
-          </a:p>
-          <a:p>
-            <a:pPr marL="285750" indent="-285750">
-              <a:buFont typeface="Arial"/>
-              <a:buChar char="•"/>
-            </a:pPr>
-            <a:r>
-              <a:rPr lang="en-US" sz="2000" b="1" dirty="0">
-                <a:solidFill>
-                  <a:schemeClr val="accent1"/>
-                </a:solidFill>
-                <a:latin typeface="Cambria" panose="02040503050406030204" pitchFamily="18" charset="0"/>
-              </a:rPr>
-              <a:t>AlexNet</a:t>
-            </a:r>
-            <a:br>
-              <a:rPr lang="en-US" sz="2000" b="1" dirty="0">
-                <a:solidFill>
-                  <a:schemeClr val="accent1"/>
-                </a:solidFill>
-                <a:latin typeface="Cambria" panose="02040503050406030204" pitchFamily="18" charset="0"/>
-              </a:rPr>
-            </a:br>
-            <a:endParaRPr lang="en-US" sz="2000" b="1" dirty="0">
-              <a:solidFill>
-                <a:schemeClr val="accent1"/>
-              </a:solidFill>
-              <a:latin typeface="Cambria" panose="02040503050406030204" pitchFamily="18" charset="0"/>
-            </a:endParaRPr>
-          </a:p>
-          <a:p>
-            <a:pPr marL="285750" indent="-285750">
-              <a:buFont typeface="Arial"/>
-              <a:buChar char="•"/>
-            </a:pPr>
-            <a:r>
-              <a:rPr lang="en-US" sz="2000" b="1" dirty="0">
-                <a:solidFill>
-                  <a:schemeClr val="accent1"/>
-                </a:solidFill>
-                <a:latin typeface="Cambria" panose="02040503050406030204" pitchFamily="18" charset="0"/>
-              </a:rPr>
-              <a:t>VGG</a:t>
-            </a:r>
-          </a:p>
-          <a:p>
-            <a:pPr marL="285750" indent="-285750">
-              <a:buFont typeface="Arial"/>
-              <a:buChar char="•"/>
-            </a:pPr>
-            <a:endParaRPr lang="en-US" sz="2000" b="1" dirty="0">
-              <a:solidFill>
-                <a:schemeClr val="accent1"/>
-              </a:solidFill>
-              <a:latin typeface="Cambria" panose="02040503050406030204" pitchFamily="18" charset="0"/>
-            </a:endParaRPr>
-          </a:p>
-          <a:p>
-            <a:pPr marL="285750" indent="-285750">
-              <a:buFont typeface="Arial"/>
-              <a:buChar char="•"/>
-            </a:pPr>
-            <a:r>
-              <a:rPr lang="en-US" sz="2000" b="1" dirty="0">
-                <a:solidFill>
-                  <a:schemeClr val="accent1"/>
-                </a:solidFill>
-                <a:latin typeface="Cambria" panose="02040503050406030204" pitchFamily="18" charset="0"/>
-              </a:rPr>
-              <a:t>ResNet</a:t>
-            </a:r>
-            <a:br>
-              <a:rPr lang="en-US" sz="2000" b="1" dirty="0">
-                <a:solidFill>
-                  <a:schemeClr val="accent1"/>
-                </a:solidFill>
-                <a:latin typeface="Cambria" panose="02040503050406030204" pitchFamily="18" charset="0"/>
-              </a:rPr>
-            </a:br>
-            <a:endParaRPr lang="en-US" sz="2000" b="1" dirty="0">
-              <a:solidFill>
-                <a:schemeClr val="accent1"/>
-              </a:solidFill>
-              <a:latin typeface="Cambria" panose="02040503050406030204" pitchFamily="18" charset="0"/>
-            </a:endParaRPr>
-          </a:p>
-          <a:p>
-            <a:pPr marL="285750" indent="-285750">
-              <a:buFont typeface="Arial"/>
-              <a:buChar char="•"/>
-            </a:pPr>
-            <a:r>
-              <a:rPr lang="en-US" sz="2000" b="1" dirty="0">
-                <a:solidFill>
-                  <a:schemeClr val="accent1"/>
-                </a:solidFill>
-                <a:latin typeface="Cambria" panose="02040503050406030204" pitchFamily="18" charset="0"/>
-              </a:rPr>
-              <a:t>Inception</a:t>
-            </a:r>
+              <a:rPr lang="en-US">
+                <a:hlinkClick r:id="rId4"/>
+              </a:rPr>
+              <a:t>https://pjreddie.com/darknet/yolo/</a:t>
+            </a:r>
+            <a:endParaRPr lang="en-US"/>
           </a:p>
         </p:txBody>
       </p:sp>
     </p:spTree>
     <p:extLst>
       <p:ext uri="{BB962C8B-B14F-4D97-AF65-F5344CB8AC3E}">
-        <p14:creationId xmlns:p14="http://schemas.microsoft.com/office/powerpoint/2010/main" val="3217050820"/>
+        <p14:creationId xmlns:p14="http://schemas.microsoft.com/office/powerpoint/2010/main" val="4231295407"/>
       </p:ext>
     </p:extLst>
   </p:cSld>
@@ -17106,7 +17200,7 @@
                 </a:solidFill>
                 <a:latin typeface="Cambria" panose="02040503050406030204" pitchFamily="18" charset="0"/>
               </a:rPr>
-              <a:t>A WORD ON CPU vs GPU</a:t>
+              <a:t>DEEP LEARNING | TRANSFER LEARNING</a:t>
             </a:r>
             <a:endParaRPr lang="en-US" sz="2800" b="1" dirty="0">
               <a:solidFill>
@@ -17119,14 +17213,14 @@
       </p:sp>
       <p:sp>
         <p:nvSpPr>
-          <p:cNvPr id="5" name="TextBox 4"/>
+          <p:cNvPr id="6" name="TextBox 5"/>
           <p:cNvSpPr txBox="1"/>
           <p:nvPr/>
         </p:nvSpPr>
         <p:spPr>
           <a:xfrm>
-            <a:off x="1925597" y="1977224"/>
-            <a:ext cx="9909364" cy="400110"/>
+            <a:off x="1870662" y="1559957"/>
+            <a:ext cx="10643788" cy="400110"/>
           </a:xfrm>
           <a:prstGeom prst="rect">
             <a:avLst/>
@@ -17139,7 +17233,41 @@
           </a:bodyPr>
           <a:lstStyle/>
           <a:p>
-            <a:pPr marL="342900" indent="-342900">
+            <a:r>
+              <a:rPr lang="en-US" sz="2000" b="1" dirty="0">
+                <a:solidFill>
+                  <a:schemeClr val="accent1"/>
+                </a:solidFill>
+                <a:latin typeface="Cambria" panose="02040503050406030204" pitchFamily="18" charset="0"/>
+              </a:rPr>
+              <a:t>RE-USE (USE WEIGHTS &amp; TOPOLOGY) OF STATE OF THE ART MODELS</a:t>
+            </a:r>
+          </a:p>
+        </p:txBody>
+      </p:sp>
+      <p:sp>
+        <p:nvSpPr>
+          <p:cNvPr id="14" name="TextBox 13"/>
+          <p:cNvSpPr txBox="1"/>
+          <p:nvPr/>
+        </p:nvSpPr>
+        <p:spPr>
+          <a:xfrm>
+            <a:off x="1892162" y="2327286"/>
+            <a:ext cx="4589954" cy="2862322"/>
+          </a:xfrm>
+          <a:prstGeom prst="rect">
+            <a:avLst/>
+          </a:prstGeom>
+          <a:noFill/>
+        </p:spPr>
+        <p:txBody>
+          <a:bodyPr wrap="square" rtlCol="0">
+            <a:spAutoFit/>
+          </a:bodyPr>
+          <a:lstStyle/>
+          <a:p>
+            <a:pPr marL="285750" indent="-285750">
               <a:buFont typeface="Arial"/>
               <a:buChar char="•"/>
             </a:pPr>
@@ -17150,40 +17278,25 @@
                 </a:solidFill>
                 <a:latin typeface="Cambria" panose="02040503050406030204" pitchFamily="18" charset="0"/>
               </a:rPr>
-              <a:t>FORWARD/BACKWARD PROPAGATION CAN BE // AND VECTORIZED</a:t>
-            </a:r>
-            <a:endParaRPr lang="en-US" sz="2000" dirty="0">
+              <a:t>LeNet-5</a:t>
+            </a:r>
+            <a:br>
+              <a:rPr lang="en-US" sz="2000" b="1" dirty="0">
+                <a:solidFill>
+                  <a:schemeClr val="accent1"/>
+                </a:solidFill>
+                <a:latin typeface="Cambria" panose="02040503050406030204" pitchFamily="18" charset="0"/>
+              </a:rPr>
+            </a:br>
+            <a:endParaRPr lang="en-US" sz="2000" b="1" dirty="0">
               <a:solidFill>
                 <a:schemeClr val="accent1"/>
               </a:solidFill>
               <a:latin typeface="Cambria" panose="02040503050406030204" pitchFamily="18" charset="0"/>
             </a:endParaRPr>
           </a:p>
-        </p:txBody>
-      </p:sp>
-      <p:sp>
-        <p:nvSpPr>
-          <p:cNvPr id="6" name="TextBox 5"/>
-          <p:cNvSpPr txBox="1"/>
-          <p:nvPr/>
-        </p:nvSpPr>
-        <p:spPr>
-          <a:xfrm>
-            <a:off x="1925597" y="2878149"/>
-            <a:ext cx="9909364" cy="400110"/>
-          </a:xfrm>
-          <a:prstGeom prst="rect">
-            <a:avLst/>
-          </a:prstGeom>
-          <a:noFill/>
-        </p:spPr>
-        <p:txBody>
-          <a:bodyPr wrap="square" rtlCol="0">
-            <a:spAutoFit/>
-          </a:bodyPr>
-          <a:lstStyle/>
-          <a:p>
-            <a:pPr marL="342900" indent="-342900">
+          <a:p>
+            <a:pPr marL="285750" indent="-285750">
               <a:buFont typeface="Arial"/>
               <a:buChar char="•"/>
             </a:pPr>
@@ -17194,40 +17307,25 @@
                 </a:solidFill>
                 <a:latin typeface="Cambria" panose="02040503050406030204" pitchFamily="18" charset="0"/>
               </a:rPr>
-              <a:t>GAMER’S GPUs  CAN BE FULLY HARNESSED</a:t>
-            </a:r>
-            <a:endParaRPr lang="en-US" sz="2000" dirty="0">
+              <a:t>AlexNet</a:t>
+            </a:r>
+            <a:br>
+              <a:rPr lang="en-US" sz="2000" b="1" dirty="0">
+                <a:solidFill>
+                  <a:schemeClr val="accent1"/>
+                </a:solidFill>
+                <a:latin typeface="Cambria" panose="02040503050406030204" pitchFamily="18" charset="0"/>
+              </a:rPr>
+            </a:br>
+            <a:endParaRPr lang="en-US" sz="2000" b="1" dirty="0">
               <a:solidFill>
                 <a:schemeClr val="accent1"/>
               </a:solidFill>
               <a:latin typeface="Cambria" panose="02040503050406030204" pitchFamily="18" charset="0"/>
             </a:endParaRPr>
           </a:p>
-        </p:txBody>
-      </p:sp>
-      <p:sp>
-        <p:nvSpPr>
-          <p:cNvPr id="7" name="TextBox 6"/>
-          <p:cNvSpPr txBox="1"/>
-          <p:nvPr/>
-        </p:nvSpPr>
-        <p:spPr>
-          <a:xfrm>
-            <a:off x="1925597" y="3779074"/>
-            <a:ext cx="9909364" cy="707886"/>
-          </a:xfrm>
-          <a:prstGeom prst="rect">
-            <a:avLst/>
-          </a:prstGeom>
-          <a:noFill/>
-        </p:spPr>
-        <p:txBody>
-          <a:bodyPr wrap="square" rtlCol="0">
-            <a:spAutoFit/>
-          </a:bodyPr>
-          <a:lstStyle/>
-          <a:p>
-            <a:pPr marL="342900" indent="-342900">
+          <a:p>
+            <a:pPr marL="285750" indent="-285750">
               <a:buFont typeface="Arial"/>
               <a:buChar char="•"/>
             </a:pPr>
@@ -17238,40 +17336,23 @@
                 </a:solidFill>
                 <a:latin typeface="Cambria" panose="02040503050406030204" pitchFamily="18" charset="0"/>
               </a:rPr>
-              <a:t>BACKWARD PROPAGATION WITH MILLION OF PARAMETERS REQUIRES CONSIDERABLE RESOURCES </a:t>
-            </a:r>
-            <a:endParaRPr lang="en-US" sz="2000" dirty="0">
+              <a:t>VGG</a:t>
+            </a:r>
+          </a:p>
+          <a:p>
+            <a:pPr marL="285750" indent="-285750">
+              <a:buFont typeface="Arial"/>
+              <a:buChar char="•"/>
+            </a:pPr>
+            <a:endParaRPr lang="en-US" sz="2000" b="1" dirty="0">
               <a:solidFill>
                 <a:schemeClr val="accent1"/>
               </a:solidFill>
               <a:latin typeface="Cambria" panose="02040503050406030204" pitchFamily="18" charset="0"/>
             </a:endParaRPr>
           </a:p>
-        </p:txBody>
-      </p:sp>
-      <p:sp>
-        <p:nvSpPr>
-          <p:cNvPr id="8" name="TextBox 7"/>
-          <p:cNvSpPr txBox="1"/>
-          <p:nvPr/>
-        </p:nvSpPr>
-        <p:spPr>
-          <a:xfrm>
-            <a:off x="1925597" y="4987775"/>
-            <a:ext cx="9909364" cy="400110"/>
-          </a:xfrm>
-          <a:prstGeom prst="rect">
-            <a:avLst/>
-          </a:prstGeom>
-          <a:noFill/>
-        </p:spPr>
-        <p:txBody>
-          <a:bodyPr wrap="square" rtlCol="0">
-            <a:spAutoFit/>
-          </a:bodyPr>
-          <a:lstStyle/>
-          <a:p>
-            <a:pPr marL="342900" indent="-342900">
+          <a:p>
+            <a:pPr marL="285750" indent="-285750">
               <a:buFont typeface="Arial"/>
               <a:buChar char="•"/>
             </a:pPr>
@@ -17282,21 +17363,44 @@
                 </a:solidFill>
                 <a:latin typeface="Cambria" panose="02040503050406030204" pitchFamily="18" charset="0"/>
               </a:rPr>
-              <a:t>FORWARD PROPAGATION IS FAST</a:t>
-            </a:r>
-            <a:endParaRPr lang="en-US" sz="2000" dirty="0">
+              <a:t>ResNet</a:t>
+            </a:r>
+            <a:br>
+              <a:rPr lang="en-US" sz="2000" b="1" dirty="0">
+                <a:solidFill>
+                  <a:schemeClr val="accent1"/>
+                </a:solidFill>
+                <a:latin typeface="Cambria" panose="02040503050406030204" pitchFamily="18" charset="0"/>
+              </a:rPr>
+            </a:br>
+            <a:endParaRPr lang="en-US" sz="2000" b="1" dirty="0">
               <a:solidFill>
                 <a:schemeClr val="accent1"/>
               </a:solidFill>
               <a:latin typeface="Cambria" panose="02040503050406030204" pitchFamily="18" charset="0"/>
             </a:endParaRPr>
           </a:p>
+          <a:p>
+            <a:pPr marL="285750" indent="-285750">
+              <a:buFont typeface="Arial"/>
+              <a:buChar char="•"/>
+            </a:pPr>
+            <a:r>
+              <a:rPr lang="en-US" sz="2000" b="1" dirty="0">
+                <a:solidFill>
+                  <a:schemeClr val="accent1"/>
+                </a:solidFill>
+                <a:latin typeface="Cambria" panose="02040503050406030204" pitchFamily="18" charset="0"/>
+              </a:rPr>
+              <a:t>Inception</a:t>
+            </a:r>
+          </a:p>
         </p:txBody>
       </p:sp>
     </p:spTree>
     <p:extLst>
       <p:ext uri="{BB962C8B-B14F-4D97-AF65-F5344CB8AC3E}">
-        <p14:creationId xmlns:p14="http://schemas.microsoft.com/office/powerpoint/2010/main" val="785483292"/>
+        <p14:creationId xmlns:p14="http://schemas.microsoft.com/office/powerpoint/2010/main" val="3217050820"/>
       </p:ext>
     </p:extLst>
   </p:cSld>
@@ -17510,133 +17614,197 @@
                 </a:solidFill>
                 <a:latin typeface="Cambria" panose="02040503050406030204" pitchFamily="18" charset="0"/>
               </a:rPr>
-              <a:t>BTW, WHAT THE RELATION WITH IOT ? [1]</a:t>
-            </a:r>
-          </a:p>
-        </p:txBody>
-      </p:sp>
-      <p:pic>
-        <p:nvPicPr>
-          <p:cNvPr id="5" name="Picture 4"/>
-          <p:cNvPicPr>
-            <a:picLocks noChangeAspect="1"/>
-          </p:cNvPicPr>
-          <p:nvPr/>
-        </p:nvPicPr>
-        <p:blipFill>
-          <a:blip r:embed="rId3"/>
-          <a:stretch>
-            <a:fillRect/>
-          </a:stretch>
-        </p:blipFill>
-        <p:spPr>
-          <a:xfrm>
-            <a:off x="1785888" y="1813512"/>
-            <a:ext cx="3783440" cy="2940463"/>
-          </a:xfrm>
-          <a:prstGeom prst="rect">
-            <a:avLst/>
-          </a:prstGeom>
-        </p:spPr>
-      </p:pic>
-      <p:sp>
-        <p:nvSpPr>
-          <p:cNvPr id="8" name="Rectangle 7"/>
-          <p:cNvSpPr/>
-          <p:nvPr/>
-        </p:nvSpPr>
-        <p:spPr>
-          <a:xfrm>
-            <a:off x="6143539" y="2907388"/>
-            <a:ext cx="6096000" cy="646331"/>
-          </a:xfrm>
-          <a:prstGeom prst="rect">
-            <a:avLst/>
-          </a:prstGeom>
-        </p:spPr>
-        <p:txBody>
-          <a:bodyPr>
+              <a:t>A WORD ON CPU vs GPU</a:t>
+            </a:r>
+            <a:endParaRPr lang="en-US" sz="2800" b="1" dirty="0">
+              <a:solidFill>
+                <a:schemeClr val="accent1"/>
+              </a:solidFill>
+              <a:latin typeface="Cambria" panose="02040503050406030204" pitchFamily="18" charset="0"/>
+            </a:endParaRPr>
+          </a:p>
+        </p:txBody>
+      </p:sp>
+      <p:sp>
+        <p:nvSpPr>
+          <p:cNvPr id="5" name="TextBox 4"/>
+          <p:cNvSpPr txBox="1"/>
+          <p:nvPr/>
+        </p:nvSpPr>
+        <p:spPr>
+          <a:xfrm>
+            <a:off x="1925597" y="1977224"/>
+            <a:ext cx="9909364" cy="400110"/>
+          </a:xfrm>
+          <a:prstGeom prst="rect">
+            <a:avLst/>
+          </a:prstGeom>
+          <a:noFill/>
+        </p:spPr>
+        <p:txBody>
+          <a:bodyPr wrap="square" rtlCol="0">
             <a:spAutoFit/>
           </a:bodyPr>
           <a:lstStyle/>
           <a:p>
-            <a:r>
-              <a:rPr lang="en-US">
-                <a:hlinkClick r:id="rId4"/>
-              </a:rPr>
-              <a:t>https://www.pyimagesearch.com/2017/10/02/deep-learning-on-the-raspberry-pi-with-opencv/</a:t>
-            </a:r>
-            <a:endParaRPr lang="en-US"/>
-          </a:p>
-        </p:txBody>
-      </p:sp>
-      <p:sp>
-        <p:nvSpPr>
-          <p:cNvPr id="9" name="Rectangle 8"/>
-          <p:cNvSpPr/>
-          <p:nvPr/>
-        </p:nvSpPr>
-        <p:spPr>
-          <a:xfrm>
-            <a:off x="1993612" y="4686383"/>
-            <a:ext cx="3803821" cy="646331"/>
-          </a:xfrm>
-          <a:prstGeom prst="rect">
-            <a:avLst/>
-          </a:prstGeom>
-        </p:spPr>
-        <p:txBody>
-          <a:bodyPr wrap="none">
+            <a:pPr marL="342900" indent="-342900">
+              <a:buFont typeface="Arial"/>
+              <a:buChar char="•"/>
+            </a:pPr>
+            <a:r>
+              <a:rPr lang="en-US" sz="2000" b="1" dirty="0">
+                <a:solidFill>
+                  <a:schemeClr val="accent1"/>
+                </a:solidFill>
+                <a:latin typeface="Cambria" panose="02040503050406030204" pitchFamily="18" charset="0"/>
+              </a:rPr>
+              <a:t>FORWARD/BACKWARD PROPAGATION CAN BE // AND VECTORIZED</a:t>
+            </a:r>
+            <a:endParaRPr lang="en-US" sz="2000" dirty="0">
+              <a:solidFill>
+                <a:schemeClr val="accent1"/>
+              </a:solidFill>
+              <a:latin typeface="Cambria" panose="02040503050406030204" pitchFamily="18" charset="0"/>
+            </a:endParaRPr>
+          </a:p>
+        </p:txBody>
+      </p:sp>
+      <p:sp>
+        <p:nvSpPr>
+          <p:cNvPr id="6" name="TextBox 5"/>
+          <p:cNvSpPr txBox="1"/>
+          <p:nvPr/>
+        </p:nvSpPr>
+        <p:spPr>
+          <a:xfrm>
+            <a:off x="1925597" y="2878149"/>
+            <a:ext cx="9909364" cy="400110"/>
+          </a:xfrm>
+          <a:prstGeom prst="rect">
+            <a:avLst/>
+          </a:prstGeom>
+          <a:noFill/>
+        </p:spPr>
+        <p:txBody>
+          <a:bodyPr wrap="square" rtlCol="0">
             <a:spAutoFit/>
           </a:bodyPr>
           <a:lstStyle/>
           <a:p>
-            <a:r>
-              <a:rPr lang="en-US">
-                <a:hlinkClick r:id="rId5"/>
-              </a:rPr>
-              <a:t>https://github.com/leehaesung/YOLO-</a:t>
-            </a:r>
-          </a:p>
-          <a:p>
-            <a:r>
-              <a:rPr lang="en-US">
-                <a:hlinkClick r:id="rId5"/>
-              </a:rPr>
-              <a:t>Powered_Robot_Vision</a:t>
-            </a:r>
-            <a:endParaRPr lang="en-US"/>
-          </a:p>
-        </p:txBody>
-      </p:sp>
-      <p:pic>
-        <p:nvPicPr>
-          <p:cNvPr id="10" name="Picture 9"/>
-          <p:cNvPicPr>
-            <a:picLocks noChangeAspect="1"/>
-          </p:cNvPicPr>
-          <p:nvPr/>
-        </p:nvPicPr>
-        <p:blipFill>
-          <a:blip r:embed="rId6"/>
-          <a:stretch>
-            <a:fillRect/>
-          </a:stretch>
-        </p:blipFill>
-        <p:spPr>
-          <a:xfrm>
-            <a:off x="6131872" y="1799131"/>
-            <a:ext cx="4755436" cy="1040954"/>
-          </a:xfrm>
-          <a:prstGeom prst="rect">
-            <a:avLst/>
-          </a:prstGeom>
-        </p:spPr>
-      </p:pic>
+            <a:pPr marL="342900" indent="-342900">
+              <a:buFont typeface="Arial"/>
+              <a:buChar char="•"/>
+            </a:pPr>
+            <a:r>
+              <a:rPr lang="en-US" sz="2000" b="1" dirty="0">
+                <a:solidFill>
+                  <a:schemeClr val="accent1"/>
+                </a:solidFill>
+                <a:latin typeface="Cambria" panose="02040503050406030204" pitchFamily="18" charset="0"/>
+              </a:rPr>
+              <a:t>GAMER’S GPUs  CAN BE FULLY HARNESSED</a:t>
+            </a:r>
+            <a:endParaRPr lang="en-US" sz="2000" dirty="0">
+              <a:solidFill>
+                <a:schemeClr val="accent1"/>
+              </a:solidFill>
+              <a:latin typeface="Cambria" panose="02040503050406030204" pitchFamily="18" charset="0"/>
+            </a:endParaRPr>
+          </a:p>
+        </p:txBody>
+      </p:sp>
+      <p:sp>
+        <p:nvSpPr>
+          <p:cNvPr id="7" name="TextBox 6"/>
+          <p:cNvSpPr txBox="1"/>
+          <p:nvPr/>
+        </p:nvSpPr>
+        <p:spPr>
+          <a:xfrm>
+            <a:off x="1925597" y="3779074"/>
+            <a:ext cx="9909364" cy="707886"/>
+          </a:xfrm>
+          <a:prstGeom prst="rect">
+            <a:avLst/>
+          </a:prstGeom>
+          <a:noFill/>
+        </p:spPr>
+        <p:txBody>
+          <a:bodyPr wrap="square" rtlCol="0">
+            <a:spAutoFit/>
+          </a:bodyPr>
+          <a:lstStyle/>
+          <a:p>
+            <a:pPr marL="342900" indent="-342900">
+              <a:buFont typeface="Arial"/>
+              <a:buChar char="•"/>
+            </a:pPr>
+            <a:r>
+              <a:rPr lang="en-US" sz="2000" b="1" dirty="0">
+                <a:solidFill>
+                  <a:schemeClr val="accent1"/>
+                </a:solidFill>
+                <a:latin typeface="Cambria" panose="02040503050406030204" pitchFamily="18" charset="0"/>
+              </a:rPr>
+              <a:t>BACKWARD PROPAGATION WITH MILLION OF PARAMETERS REQUIRES CONSIDERABLE RESOURCES </a:t>
+            </a:r>
+            <a:endParaRPr lang="en-US" sz="2000" dirty="0">
+              <a:solidFill>
+                <a:schemeClr val="accent1"/>
+              </a:solidFill>
+              <a:latin typeface="Cambria" panose="02040503050406030204" pitchFamily="18" charset="0"/>
+            </a:endParaRPr>
+          </a:p>
+        </p:txBody>
+      </p:sp>
+      <p:sp>
+        <p:nvSpPr>
+          <p:cNvPr id="8" name="TextBox 7"/>
+          <p:cNvSpPr txBox="1"/>
+          <p:nvPr/>
+        </p:nvSpPr>
+        <p:spPr>
+          <a:xfrm>
+            <a:off x="1925597" y="4987775"/>
+            <a:ext cx="9909364" cy="400110"/>
+          </a:xfrm>
+          <a:prstGeom prst="rect">
+            <a:avLst/>
+          </a:prstGeom>
+          <a:noFill/>
+        </p:spPr>
+        <p:txBody>
+          <a:bodyPr wrap="square" rtlCol="0">
+            <a:spAutoFit/>
+          </a:bodyPr>
+          <a:lstStyle/>
+          <a:p>
+            <a:pPr marL="342900" indent="-342900">
+              <a:buFont typeface="Arial"/>
+              <a:buChar char="•"/>
+            </a:pPr>
+            <a:r>
+              <a:rPr lang="en-US" sz="2000" b="1" dirty="0">
+                <a:solidFill>
+                  <a:schemeClr val="accent1"/>
+                </a:solidFill>
+                <a:latin typeface="Cambria" panose="02040503050406030204" pitchFamily="18" charset="0"/>
+              </a:rPr>
+              <a:t>FORWARD PROPAGATION IS FAST</a:t>
+            </a:r>
+            <a:endParaRPr lang="en-US" sz="2000" dirty="0">
+              <a:solidFill>
+                <a:schemeClr val="accent1"/>
+              </a:solidFill>
+              <a:latin typeface="Cambria" panose="02040503050406030204" pitchFamily="18" charset="0"/>
+            </a:endParaRPr>
+          </a:p>
+        </p:txBody>
+      </p:sp>
     </p:spTree>
     <p:extLst>
       <p:ext uri="{BB962C8B-B14F-4D97-AF65-F5344CB8AC3E}">
-        <p14:creationId xmlns:p14="http://schemas.microsoft.com/office/powerpoint/2010/main" val="130676760"/>
+        <p14:creationId xmlns:p14="http://schemas.microsoft.com/office/powerpoint/2010/main" val="785483292"/>
       </p:ext>
     </p:extLst>
   </p:cSld>
@@ -17711,193 +17879,133 @@
                 </a:solidFill>
                 <a:latin typeface="Cambria" panose="02040503050406030204" pitchFamily="18" charset="0"/>
               </a:rPr>
-              <a:t>BTW, WHAT THE RELATION WITH IOT ? [2]</a:t>
-            </a:r>
-          </a:p>
-        </p:txBody>
-      </p:sp>
-      <p:sp>
-        <p:nvSpPr>
-          <p:cNvPr id="7" name="TextBox 6"/>
-          <p:cNvSpPr txBox="1"/>
-          <p:nvPr/>
-        </p:nvSpPr>
-        <p:spPr>
-          <a:xfrm>
-            <a:off x="1912368" y="2030144"/>
-            <a:ext cx="9909364" cy="707886"/>
-          </a:xfrm>
-          <a:prstGeom prst="rect">
-            <a:avLst/>
-          </a:prstGeom>
-          <a:noFill/>
-        </p:spPr>
-        <p:txBody>
-          <a:bodyPr wrap="square" rtlCol="0">
+              <a:t>BTW, WHAT THE RELATION WITH IOT ? [1]</a:t>
+            </a:r>
+          </a:p>
+        </p:txBody>
+      </p:sp>
+      <p:pic>
+        <p:nvPicPr>
+          <p:cNvPr id="5" name="Picture 4"/>
+          <p:cNvPicPr>
+            <a:picLocks noChangeAspect="1"/>
+          </p:cNvPicPr>
+          <p:nvPr/>
+        </p:nvPicPr>
+        <p:blipFill>
+          <a:blip r:embed="rId3"/>
+          <a:stretch>
+            <a:fillRect/>
+          </a:stretch>
+        </p:blipFill>
+        <p:spPr>
+          <a:xfrm>
+            <a:off x="1785888" y="1813512"/>
+            <a:ext cx="3783440" cy="2940463"/>
+          </a:xfrm>
+          <a:prstGeom prst="rect">
+            <a:avLst/>
+          </a:prstGeom>
+        </p:spPr>
+      </p:pic>
+      <p:sp>
+        <p:nvSpPr>
+          <p:cNvPr id="8" name="Rectangle 7"/>
+          <p:cNvSpPr/>
+          <p:nvPr/>
+        </p:nvSpPr>
+        <p:spPr>
+          <a:xfrm>
+            <a:off x="6143539" y="2907388"/>
+            <a:ext cx="6096000" cy="646331"/>
+          </a:xfrm>
+          <a:prstGeom prst="rect">
+            <a:avLst/>
+          </a:prstGeom>
+        </p:spPr>
+        <p:txBody>
+          <a:bodyPr>
             <a:spAutoFit/>
           </a:bodyPr>
           <a:lstStyle/>
           <a:p>
-            <a:pPr marL="342900" indent="-342900">
-              <a:buFont typeface="Arial"/>
-              <a:buChar char="•"/>
-            </a:pPr>
-            <a:r>
-              <a:rPr lang="en-US" sz="2000" b="1" dirty="0">
-                <a:solidFill>
-                  <a:schemeClr val="accent1"/>
-                </a:solidFill>
-                <a:latin typeface="Cambria" panose="02040503050406030204" pitchFamily="18" charset="0"/>
-              </a:rPr>
-              <a:t>OTHER DOMAIN SUCH AS SEQUENTIAL MODELS ARE RELEVANT AS WELL (TIME SERIES PREDICTION, …)</a:t>
-            </a:r>
-            <a:endParaRPr lang="en-US" sz="2000" dirty="0">
-              <a:solidFill>
-                <a:schemeClr val="accent1"/>
-              </a:solidFill>
-              <a:latin typeface="Cambria" panose="02040503050406030204" pitchFamily="18" charset="0"/>
-            </a:endParaRPr>
-          </a:p>
-        </p:txBody>
-      </p:sp>
-      <p:sp>
-        <p:nvSpPr>
-          <p:cNvPr id="11" name="TextBox 10"/>
-          <p:cNvSpPr txBox="1"/>
-          <p:nvPr/>
-        </p:nvSpPr>
-        <p:spPr>
-          <a:xfrm>
-            <a:off x="1932479" y="3068946"/>
-            <a:ext cx="9909364" cy="400110"/>
-          </a:xfrm>
-          <a:prstGeom prst="rect">
-            <a:avLst/>
-          </a:prstGeom>
-          <a:noFill/>
-        </p:spPr>
-        <p:txBody>
-          <a:bodyPr wrap="square" rtlCol="0">
+            <a:r>
+              <a:rPr lang="en-US">
+                <a:hlinkClick r:id="rId4"/>
+              </a:rPr>
+              <a:t>https://www.pyimagesearch.com/2017/10/02/deep-learning-on-the-raspberry-pi-with-opencv/</a:t>
+            </a:r>
+            <a:endParaRPr lang="en-US"/>
+          </a:p>
+        </p:txBody>
+      </p:sp>
+      <p:sp>
+        <p:nvSpPr>
+          <p:cNvPr id="9" name="Rectangle 8"/>
+          <p:cNvSpPr/>
+          <p:nvPr/>
+        </p:nvSpPr>
+        <p:spPr>
+          <a:xfrm>
+            <a:off x="1993612" y="4686383"/>
+            <a:ext cx="3803821" cy="646331"/>
+          </a:xfrm>
+          <a:prstGeom prst="rect">
+            <a:avLst/>
+          </a:prstGeom>
+        </p:spPr>
+        <p:txBody>
+          <a:bodyPr wrap="none">
             <a:spAutoFit/>
           </a:bodyPr>
           <a:lstStyle/>
           <a:p>
-            <a:pPr marL="342900" indent="-342900">
-              <a:buFont typeface="Arial"/>
-              <a:buChar char="•"/>
-            </a:pPr>
-            <a:r>
-              <a:rPr lang="en-US" sz="2000" b="1" dirty="0">
-                <a:solidFill>
-                  <a:schemeClr val="accent1"/>
-                </a:solidFill>
-                <a:latin typeface="Cambria" panose="02040503050406030204" pitchFamily="18" charset="0"/>
-              </a:rPr>
-              <a:t>WILL NOT RUN ON A IoT NODE BUT SOMEWHERE IN YOUR TOPOLOGY …</a:t>
-            </a:r>
-            <a:endParaRPr lang="en-US" sz="2000" dirty="0">
-              <a:solidFill>
-                <a:schemeClr val="accent1"/>
-              </a:solidFill>
-              <a:latin typeface="Cambria" panose="02040503050406030204" pitchFamily="18" charset="0"/>
-            </a:endParaRPr>
-          </a:p>
-        </p:txBody>
-      </p:sp>
-      <p:sp>
-        <p:nvSpPr>
-          <p:cNvPr id="12" name="TextBox 11"/>
-          <p:cNvSpPr txBox="1"/>
-          <p:nvPr/>
-        </p:nvSpPr>
-        <p:spPr>
-          <a:xfrm>
-            <a:off x="1912904" y="3816686"/>
-            <a:ext cx="9909364" cy="1323439"/>
-          </a:xfrm>
-          <a:prstGeom prst="rect">
-            <a:avLst/>
-          </a:prstGeom>
-          <a:noFill/>
-        </p:spPr>
-        <p:txBody>
-          <a:bodyPr wrap="square" rtlCol="0">
-            <a:spAutoFit/>
-          </a:bodyPr>
-          <a:lstStyle/>
-          <a:p>
-            <a:pPr marL="342900" indent="-342900">
-              <a:buFont typeface="Arial"/>
-              <a:buChar char="•"/>
-            </a:pPr>
-            <a:r>
-              <a:rPr lang="en-US" sz="2000" b="1" dirty="0">
-                <a:solidFill>
-                  <a:schemeClr val="accent1"/>
-                </a:solidFill>
-                <a:latin typeface="Cambria" panose="02040503050406030204" pitchFamily="18" charset="0"/>
-              </a:rPr>
-              <a:t>THOUGH SIMPLER MODEL SUCH AS LOGISTIC REG., DECISION TREE, … MIGHT</a:t>
-            </a:r>
-            <a:br>
-              <a:rPr lang="en-US" sz="2000" b="1" dirty="0">
-                <a:solidFill>
-                  <a:schemeClr val="accent1"/>
-                </a:solidFill>
-                <a:latin typeface="Cambria" panose="02040503050406030204" pitchFamily="18" charset="0"/>
-              </a:rPr>
-            </a:br>
-            <a:r>
-              <a:rPr lang="en-US" sz="2000" b="1" dirty="0">
-                <a:solidFill>
-                  <a:schemeClr val="accent1"/>
-                </a:solidFill>
-                <a:latin typeface="Cambria" panose="02040503050406030204" pitchFamily="18" charset="0"/>
-              </a:rPr>
-              <a:t>BE EMBEDDED IN IoT DEVICES ?</a:t>
-            </a:r>
-            <a:br>
-              <a:rPr lang="en-US" sz="2000" b="1" dirty="0">
-                <a:solidFill>
-                  <a:schemeClr val="accent1"/>
-                </a:solidFill>
-                <a:latin typeface="Cambria" panose="02040503050406030204" pitchFamily="18" charset="0"/>
-              </a:rPr>
-            </a:br>
-            <a:endParaRPr lang="en-US" sz="2000" b="1" dirty="0">
-              <a:solidFill>
-                <a:schemeClr val="accent1"/>
-              </a:solidFill>
-              <a:latin typeface="Cambria" panose="02040503050406030204" pitchFamily="18" charset="0"/>
-            </a:endParaRPr>
-          </a:p>
-          <a:p>
-            <a:pPr marL="342900" indent="-342900">
-              <a:buFont typeface="Arial"/>
-              <a:buChar char="•"/>
-            </a:pPr>
-            <a:r>
-              <a:rPr lang="en-US" sz="2000" b="1" dirty="0">
-                <a:solidFill>
-                  <a:schemeClr val="accent1"/>
-                </a:solidFill>
-                <a:latin typeface="Cambria" panose="02040503050406030204" pitchFamily="18" charset="0"/>
-              </a:rPr>
-              <a:t>USE CASES ?</a:t>
-            </a:r>
-            <a:endParaRPr lang="en-US" sz="2000" dirty="0">
-              <a:solidFill>
-                <a:schemeClr val="accent1"/>
-              </a:solidFill>
-              <a:latin typeface="Cambria" panose="02040503050406030204" pitchFamily="18" charset="0"/>
-            </a:endParaRPr>
-          </a:p>
-        </p:txBody>
-      </p:sp>
+            <a:r>
+              <a:rPr lang="en-US">
+                <a:hlinkClick r:id="rId5"/>
+              </a:rPr>
+              <a:t>https://github.com/leehaesung/YOLO-</a:t>
+            </a:r>
+          </a:p>
+          <a:p>
+            <a:r>
+              <a:rPr lang="en-US">
+                <a:hlinkClick r:id="rId5"/>
+              </a:rPr>
+              <a:t>Powered_Robot_Vision</a:t>
+            </a:r>
+            <a:endParaRPr lang="en-US"/>
+          </a:p>
+        </p:txBody>
+      </p:sp>
+      <p:pic>
+        <p:nvPicPr>
+          <p:cNvPr id="10" name="Picture 9"/>
+          <p:cNvPicPr>
+            <a:picLocks noChangeAspect="1"/>
+          </p:cNvPicPr>
+          <p:nvPr/>
+        </p:nvPicPr>
+        <p:blipFill>
+          <a:blip r:embed="rId6"/>
+          <a:stretch>
+            <a:fillRect/>
+          </a:stretch>
+        </p:blipFill>
+        <p:spPr>
+          <a:xfrm>
+            <a:off x="6131872" y="1799131"/>
+            <a:ext cx="4755436" cy="1040954"/>
+          </a:xfrm>
+          <a:prstGeom prst="rect">
+            <a:avLst/>
+          </a:prstGeom>
+        </p:spPr>
+      </p:pic>
     </p:spTree>
     <p:extLst>
       <p:ext uri="{BB962C8B-B14F-4D97-AF65-F5344CB8AC3E}">
-        <p14:creationId xmlns:p14="http://schemas.microsoft.com/office/powerpoint/2010/main" val="1033905101"/>
+        <p14:creationId xmlns:p14="http://schemas.microsoft.com/office/powerpoint/2010/main" val="130676760"/>
       </p:ext>
     </p:extLst>
   </p:cSld>
@@ -17951,8 +18059,8 @@
         </p:nvSpPr>
         <p:spPr>
           <a:xfrm>
-            <a:off x="1271768" y="1512719"/>
-            <a:ext cx="7644448" cy="523220"/>
+            <a:off x="1850613" y="1023606"/>
+            <a:ext cx="9010237" cy="523220"/>
           </a:xfrm>
           <a:prstGeom prst="rect">
             <a:avLst/>
@@ -17972,21 +18080,21 @@
                 </a:solidFill>
                 <a:latin typeface="Cambria" panose="02040503050406030204" pitchFamily="18" charset="0"/>
               </a:rPr>
-              <a:t>PYTHON LIBRARIES FOR ML &amp; DL</a:t>
-            </a:r>
-          </a:p>
-        </p:txBody>
-      </p:sp>
-      <p:sp>
-        <p:nvSpPr>
-          <p:cNvPr id="4" name="TextBox 3"/>
+              <a:t>BTW, WHAT THE RELATION WITH IOT ? [2]</a:t>
+            </a:r>
+          </a:p>
+        </p:txBody>
+      </p:sp>
+      <p:sp>
+        <p:nvSpPr>
+          <p:cNvPr id="7" name="TextBox 6"/>
           <p:cNvSpPr txBox="1"/>
           <p:nvPr/>
         </p:nvSpPr>
         <p:spPr>
           <a:xfrm>
-            <a:off x="1300084" y="2890202"/>
-            <a:ext cx="9909364" cy="400110"/>
+            <a:off x="1912368" y="2030144"/>
+            <a:ext cx="9909364" cy="707886"/>
           </a:xfrm>
           <a:prstGeom prst="rect">
             <a:avLst/>
@@ -18010,18 +18118,121 @@
                 </a:solidFill>
                 <a:latin typeface="Cambria" panose="02040503050406030204" pitchFamily="18" charset="0"/>
               </a:rPr>
-              <a:t>TensorFlow: </a:t>
-            </a:r>
+              <a:t>OTHER DOMAIN SUCH AS SEQUENTIAL MODELS ARE RELEVANT AS WELL (TIME SERIES PREDICTION, …)</a:t>
+            </a:r>
+            <a:endParaRPr lang="en-US" sz="2000" dirty="0">
+              <a:solidFill>
+                <a:schemeClr val="accent1"/>
+              </a:solidFill>
+              <a:latin typeface="Cambria" panose="02040503050406030204" pitchFamily="18" charset="0"/>
+            </a:endParaRPr>
+          </a:p>
+        </p:txBody>
+      </p:sp>
+      <p:sp>
+        <p:nvSpPr>
+          <p:cNvPr id="11" name="TextBox 10"/>
+          <p:cNvSpPr txBox="1"/>
+          <p:nvPr/>
+        </p:nvSpPr>
+        <p:spPr>
+          <a:xfrm>
+            <a:off x="1932479" y="3068946"/>
+            <a:ext cx="9909364" cy="400110"/>
+          </a:xfrm>
+          <a:prstGeom prst="rect">
+            <a:avLst/>
+          </a:prstGeom>
+          <a:noFill/>
+        </p:spPr>
+        <p:txBody>
+          <a:bodyPr wrap="square" rtlCol="0">
+            <a:spAutoFit/>
+          </a:bodyPr>
+          <a:lstStyle/>
+          <a:p>
+            <a:pPr marL="342900" indent="-342900">
+              <a:buFont typeface="Arial"/>
+              <a:buChar char="•"/>
+            </a:pPr>
             <a:r>
               <a:rPr lang="en-US" sz="2000" b="1" dirty="0">
                 <a:solidFill>
                   <a:schemeClr val="accent1"/>
                 </a:solidFill>
                 <a:latin typeface="Cambria" panose="02040503050406030204" pitchFamily="18" charset="0"/>
-                <a:hlinkClick r:id="rId3"/>
-              </a:rPr>
-              <a:t>https://www.tensorflow.org/</a:t>
-            </a:r>
+              </a:rPr>
+              <a:t>WILL NOT RUN ON A IoT NODE BUT SOMEWHERE IN YOUR TOPOLOGY …</a:t>
+            </a:r>
+            <a:endParaRPr lang="en-US" sz="2000" dirty="0">
+              <a:solidFill>
+                <a:schemeClr val="accent1"/>
+              </a:solidFill>
+              <a:latin typeface="Cambria" panose="02040503050406030204" pitchFamily="18" charset="0"/>
+            </a:endParaRPr>
+          </a:p>
+        </p:txBody>
+      </p:sp>
+      <p:sp>
+        <p:nvSpPr>
+          <p:cNvPr id="12" name="TextBox 11"/>
+          <p:cNvSpPr txBox="1"/>
+          <p:nvPr/>
+        </p:nvSpPr>
+        <p:spPr>
+          <a:xfrm>
+            <a:off x="1912904" y="3816686"/>
+            <a:ext cx="9909364" cy="1323439"/>
+          </a:xfrm>
+          <a:prstGeom prst="rect">
+            <a:avLst/>
+          </a:prstGeom>
+          <a:noFill/>
+        </p:spPr>
+        <p:txBody>
+          <a:bodyPr wrap="square" rtlCol="0">
+            <a:spAutoFit/>
+          </a:bodyPr>
+          <a:lstStyle/>
+          <a:p>
+            <a:pPr marL="342900" indent="-342900">
+              <a:buFont typeface="Arial"/>
+              <a:buChar char="•"/>
+            </a:pPr>
+            <a:r>
+              <a:rPr lang="en-US" sz="2000" b="1" dirty="0">
+                <a:solidFill>
+                  <a:schemeClr val="accent1"/>
+                </a:solidFill>
+                <a:latin typeface="Cambria" panose="02040503050406030204" pitchFamily="18" charset="0"/>
+              </a:rPr>
+              <a:t>THOUGH SIMPLER MODEL SUCH AS LOGISTIC REG., DECISION TREE, … MIGHT</a:t>
+            </a:r>
+            <a:br>
+              <a:rPr lang="en-US" sz="2000" b="1" dirty="0">
+                <a:solidFill>
+                  <a:schemeClr val="accent1"/>
+                </a:solidFill>
+                <a:latin typeface="Cambria" panose="02040503050406030204" pitchFamily="18" charset="0"/>
+              </a:rPr>
+            </a:br>
+            <a:r>
+              <a:rPr lang="en-US" sz="2000" b="1" dirty="0">
+                <a:solidFill>
+                  <a:schemeClr val="accent1"/>
+                </a:solidFill>
+                <a:latin typeface="Cambria" panose="02040503050406030204" pitchFamily="18" charset="0"/>
+              </a:rPr>
+              <a:t>BE EMBEDDED IN IoT DEVICES ?</a:t>
+            </a:r>
+            <a:br>
+              <a:rPr lang="en-US" sz="2000" b="1" dirty="0">
+                <a:solidFill>
+                  <a:schemeClr val="accent1"/>
+                </a:solidFill>
+                <a:latin typeface="Cambria" panose="02040503050406030204" pitchFamily="18" charset="0"/>
+              </a:rPr>
+            </a:br>
             <a:endParaRPr lang="en-US" sz="2000" b="1" dirty="0">
               <a:solidFill>
                 <a:schemeClr val="accent1"/>
@@ -18029,29 +18240,6 @@
               <a:latin typeface="Cambria" panose="02040503050406030204" pitchFamily="18" charset="0"/>
             </a:endParaRPr>
           </a:p>
-        </p:txBody>
-      </p:sp>
-      <p:sp>
-        <p:nvSpPr>
-          <p:cNvPr id="5" name="TextBox 4"/>
-          <p:cNvSpPr txBox="1"/>
-          <p:nvPr/>
-        </p:nvSpPr>
-        <p:spPr>
-          <a:xfrm>
-            <a:off x="1300084" y="4141844"/>
-            <a:ext cx="9909364" cy="400110"/>
-          </a:xfrm>
-          <a:prstGeom prst="rect">
-            <a:avLst/>
-          </a:prstGeom>
-          <a:noFill/>
-        </p:spPr>
-        <p:txBody>
-          <a:bodyPr wrap="square" rtlCol="0">
-            <a:spAutoFit/>
-          </a:bodyPr>
-          <a:lstStyle/>
           <a:p>
             <a:pPr marL="342900" indent="-342900">
               <a:buFont typeface="Arial"/>
@@ -18064,19 +18252,9 @@
                 </a:solidFill>
                 <a:latin typeface="Cambria" panose="02040503050406030204" pitchFamily="18" charset="0"/>
               </a:rPr>
-              <a:t>Keras [wrapper]: </a:t>
-            </a:r>
-            <a:r>
-              <a:rPr lang="en-US" sz="2000" b="1" dirty="0">
-                <a:solidFill>
-                  <a:schemeClr val="accent1"/>
-                </a:solidFill>
-                <a:latin typeface="Cambria" panose="02040503050406030204" pitchFamily="18" charset="0"/>
-                <a:hlinkClick r:id="rId4"/>
-              </a:rPr>
-              <a:t>https://keras.io/</a:t>
-            </a:r>
-            <a:endParaRPr lang="en-US" sz="2000" b="1" dirty="0">
+              <a:t>USE CASES ?</a:t>
+            </a:r>
+            <a:endParaRPr lang="en-US" sz="2000" dirty="0">
               <a:solidFill>
                 <a:schemeClr val="accent1"/>
               </a:solidFill>
@@ -18085,210 +18263,10 @@
           </a:p>
         </p:txBody>
       </p:sp>
-      <p:sp>
-        <p:nvSpPr>
-          <p:cNvPr id="6" name="TextBox 5"/>
-          <p:cNvSpPr txBox="1"/>
-          <p:nvPr/>
-        </p:nvSpPr>
-        <p:spPr>
-          <a:xfrm>
-            <a:off x="1300084" y="3516023"/>
-            <a:ext cx="9909364" cy="400110"/>
-          </a:xfrm>
-          <a:prstGeom prst="rect">
-            <a:avLst/>
-          </a:prstGeom>
-          <a:noFill/>
-        </p:spPr>
-        <p:txBody>
-          <a:bodyPr wrap="square" rtlCol="0">
-            <a:spAutoFit/>
-          </a:bodyPr>
-          <a:lstStyle/>
-          <a:p>
-            <a:pPr marL="342900" indent="-342900">
-              <a:buFont typeface="Arial"/>
-              <a:buChar char="•"/>
-            </a:pPr>
-            <a:r>
-              <a:rPr lang="en-US" sz="2000" b="1" dirty="0">
-                <a:solidFill>
-                  <a:schemeClr val="accent1"/>
-                </a:solidFill>
-                <a:latin typeface="Cambria" panose="02040503050406030204" pitchFamily="18" charset="0"/>
-              </a:rPr>
-              <a:t>Theano: </a:t>
-            </a:r>
-            <a:r>
-              <a:rPr lang="en-US" sz="2000" b="1" dirty="0">
-                <a:solidFill>
-                  <a:schemeClr val="accent1"/>
-                </a:solidFill>
-                <a:latin typeface="Cambria" panose="02040503050406030204" pitchFamily="18" charset="0"/>
-                <a:hlinkClick r:id="rId5"/>
-              </a:rPr>
-              <a:t>http://deeplearning.net/software/theano/</a:t>
-            </a:r>
-            <a:endParaRPr lang="en-US" sz="2000" b="1" dirty="0">
-              <a:solidFill>
-                <a:schemeClr val="accent1"/>
-              </a:solidFill>
-              <a:latin typeface="Cambria" panose="02040503050406030204" pitchFamily="18" charset="0"/>
-            </a:endParaRPr>
-          </a:p>
-        </p:txBody>
-      </p:sp>
-      <p:sp>
-        <p:nvSpPr>
-          <p:cNvPr id="7" name="TextBox 6"/>
-          <p:cNvSpPr txBox="1"/>
-          <p:nvPr/>
-        </p:nvSpPr>
-        <p:spPr>
-          <a:xfrm>
-            <a:off x="1300084" y="4767665"/>
-            <a:ext cx="9909364" cy="400110"/>
-          </a:xfrm>
-          <a:prstGeom prst="rect">
-            <a:avLst/>
-          </a:prstGeom>
-          <a:noFill/>
-        </p:spPr>
-        <p:txBody>
-          <a:bodyPr wrap="square" rtlCol="0">
-            <a:spAutoFit/>
-          </a:bodyPr>
-          <a:lstStyle/>
-          <a:p>
-            <a:pPr marL="342900" indent="-342900">
-              <a:buFont typeface="Arial"/>
-              <a:buChar char="•"/>
-            </a:pPr>
-            <a:r>
-              <a:rPr lang="en-US" sz="2000" b="1" dirty="0">
-                <a:solidFill>
-                  <a:schemeClr val="accent1"/>
-                </a:solidFill>
-                <a:latin typeface="Cambria" panose="02040503050406030204" pitchFamily="18" charset="0"/>
-              </a:rPr>
-              <a:t>PyTorch: </a:t>
-            </a:r>
-            <a:r>
-              <a:rPr lang="en-US" sz="2000" b="1" dirty="0">
-                <a:solidFill>
-                  <a:schemeClr val="accent1"/>
-                </a:solidFill>
-                <a:latin typeface="Cambria" panose="02040503050406030204" pitchFamily="18" charset="0"/>
-                <a:hlinkClick r:id="rId6"/>
-              </a:rPr>
-              <a:t>http://pytorch.org/ </a:t>
-            </a:r>
-            <a:endParaRPr lang="en-US" sz="2000" b="1" dirty="0">
-              <a:solidFill>
-                <a:schemeClr val="accent1"/>
-              </a:solidFill>
-              <a:latin typeface="Cambria" panose="02040503050406030204" pitchFamily="18" charset="0"/>
-            </a:endParaRPr>
-          </a:p>
-        </p:txBody>
-      </p:sp>
-      <p:sp>
-        <p:nvSpPr>
-          <p:cNvPr id="8" name="TextBox 7"/>
-          <p:cNvSpPr txBox="1"/>
-          <p:nvPr/>
-        </p:nvSpPr>
-        <p:spPr>
-          <a:xfrm>
-            <a:off x="1300084" y="2264381"/>
-            <a:ext cx="9909364" cy="400110"/>
-          </a:xfrm>
-          <a:prstGeom prst="rect">
-            <a:avLst/>
-          </a:prstGeom>
-          <a:noFill/>
-        </p:spPr>
-        <p:txBody>
-          <a:bodyPr wrap="square" rtlCol="0">
-            <a:spAutoFit/>
-          </a:bodyPr>
-          <a:lstStyle/>
-          <a:p>
-            <a:pPr marL="342900" indent="-342900">
-              <a:buFont typeface="Arial"/>
-              <a:buChar char="•"/>
-            </a:pPr>
-            <a:r>
-              <a:rPr lang="en-US" sz="2000" b="1" dirty="0">
-                <a:solidFill>
-                  <a:schemeClr val="accent1"/>
-                </a:solidFill>
-                <a:latin typeface="Cambria" panose="02040503050406030204" pitchFamily="18" charset="0"/>
-              </a:rPr>
-              <a:t>Scikit-learn: </a:t>
-            </a:r>
-            <a:r>
-              <a:rPr lang="en-US" sz="2000" b="1" dirty="0">
-                <a:solidFill>
-                  <a:schemeClr val="accent1"/>
-                </a:solidFill>
-                <a:latin typeface="Cambria" panose="02040503050406030204" pitchFamily="18" charset="0"/>
-                <a:hlinkClick r:id="rId7"/>
-              </a:rPr>
-              <a:t>http://scikit-learn.org/</a:t>
-            </a:r>
-            <a:endParaRPr lang="en-US" sz="2000" b="1" dirty="0">
-              <a:solidFill>
-                <a:schemeClr val="accent1"/>
-              </a:solidFill>
-              <a:latin typeface="Cambria" panose="02040503050406030204" pitchFamily="18" charset="0"/>
-            </a:endParaRPr>
-          </a:p>
-        </p:txBody>
-      </p:sp>
-      <p:sp>
-        <p:nvSpPr>
-          <p:cNvPr id="9" name="TextBox 8"/>
-          <p:cNvSpPr txBox="1"/>
-          <p:nvPr/>
-        </p:nvSpPr>
-        <p:spPr>
-          <a:xfrm>
-            <a:off x="1300084" y="5393488"/>
-            <a:ext cx="9909364" cy="400110"/>
-          </a:xfrm>
-          <a:prstGeom prst="rect">
-            <a:avLst/>
-          </a:prstGeom>
-          <a:noFill/>
-        </p:spPr>
-        <p:txBody>
-          <a:bodyPr wrap="square" rtlCol="0">
-            <a:spAutoFit/>
-          </a:bodyPr>
-          <a:lstStyle/>
-          <a:p>
-            <a:pPr marL="342900" indent="-342900">
-              <a:buFont typeface="Arial"/>
-              <a:buChar char="•"/>
-            </a:pPr>
-            <a:r>
-              <a:rPr lang="en-US" sz="2000" b="1" dirty="0">
-                <a:solidFill>
-                  <a:schemeClr val="accent1"/>
-                </a:solidFill>
-                <a:latin typeface="Cambria" panose="02040503050406030204" pitchFamily="18" charset="0"/>
-              </a:rPr>
-              <a:t>…</a:t>
-            </a:r>
-          </a:p>
-        </p:txBody>
-      </p:sp>
     </p:spTree>
     <p:extLst>
       <p:ext uri="{BB962C8B-B14F-4D97-AF65-F5344CB8AC3E}">
-        <p14:creationId xmlns:p14="http://schemas.microsoft.com/office/powerpoint/2010/main" val="2656265643"/>
+        <p14:creationId xmlns:p14="http://schemas.microsoft.com/office/powerpoint/2010/main" val="1033905101"/>
       </p:ext>
     </p:extLst>
   </p:cSld>
@@ -18363,6 +18341,397 @@
                 </a:solidFill>
                 <a:latin typeface="Cambria" panose="02040503050406030204" pitchFamily="18" charset="0"/>
               </a:rPr>
+              <a:t>PYTHON LIBRARIES FOR ML &amp; DL</a:t>
+            </a:r>
+          </a:p>
+        </p:txBody>
+      </p:sp>
+      <p:sp>
+        <p:nvSpPr>
+          <p:cNvPr id="4" name="TextBox 3"/>
+          <p:cNvSpPr txBox="1"/>
+          <p:nvPr/>
+        </p:nvSpPr>
+        <p:spPr>
+          <a:xfrm>
+            <a:off x="1300084" y="2890202"/>
+            <a:ext cx="9909364" cy="400110"/>
+          </a:xfrm>
+          <a:prstGeom prst="rect">
+            <a:avLst/>
+          </a:prstGeom>
+          <a:noFill/>
+        </p:spPr>
+        <p:txBody>
+          <a:bodyPr wrap="square" rtlCol="0">
+            <a:spAutoFit/>
+          </a:bodyPr>
+          <a:lstStyle/>
+          <a:p>
+            <a:pPr marL="342900" indent="-342900">
+              <a:buFont typeface="Arial"/>
+              <a:buChar char="•"/>
+            </a:pPr>
+            <a:r>
+              <a:rPr lang="en-US" sz="2000" b="1" dirty="0">
+                <a:solidFill>
+                  <a:schemeClr val="accent1"/>
+                </a:solidFill>
+                <a:latin typeface="Cambria" panose="02040503050406030204" pitchFamily="18" charset="0"/>
+              </a:rPr>
+              <a:t>TensorFlow: </a:t>
+            </a:r>
+            <a:r>
+              <a:rPr lang="en-US" sz="2000" b="1" dirty="0">
+                <a:solidFill>
+                  <a:schemeClr val="accent1"/>
+                </a:solidFill>
+                <a:latin typeface="Cambria" panose="02040503050406030204" pitchFamily="18" charset="0"/>
+                <a:hlinkClick r:id="rId3"/>
+              </a:rPr>
+              <a:t>https://www.tensorflow.org/</a:t>
+            </a:r>
+            <a:endParaRPr lang="en-US" sz="2000" b="1" dirty="0">
+              <a:solidFill>
+                <a:schemeClr val="accent1"/>
+              </a:solidFill>
+              <a:latin typeface="Cambria" panose="02040503050406030204" pitchFamily="18" charset="0"/>
+            </a:endParaRPr>
+          </a:p>
+        </p:txBody>
+      </p:sp>
+      <p:sp>
+        <p:nvSpPr>
+          <p:cNvPr id="5" name="TextBox 4"/>
+          <p:cNvSpPr txBox="1"/>
+          <p:nvPr/>
+        </p:nvSpPr>
+        <p:spPr>
+          <a:xfrm>
+            <a:off x="1300084" y="4141844"/>
+            <a:ext cx="9909364" cy="400110"/>
+          </a:xfrm>
+          <a:prstGeom prst="rect">
+            <a:avLst/>
+          </a:prstGeom>
+          <a:noFill/>
+        </p:spPr>
+        <p:txBody>
+          <a:bodyPr wrap="square" rtlCol="0">
+            <a:spAutoFit/>
+          </a:bodyPr>
+          <a:lstStyle/>
+          <a:p>
+            <a:pPr marL="342900" indent="-342900">
+              <a:buFont typeface="Arial"/>
+              <a:buChar char="•"/>
+            </a:pPr>
+            <a:r>
+              <a:rPr lang="en-US" sz="2000" b="1" dirty="0">
+                <a:solidFill>
+                  <a:schemeClr val="accent1"/>
+                </a:solidFill>
+                <a:latin typeface="Cambria" panose="02040503050406030204" pitchFamily="18" charset="0"/>
+              </a:rPr>
+              <a:t>Keras [wrapper]: </a:t>
+            </a:r>
+            <a:r>
+              <a:rPr lang="en-US" sz="2000" b="1" dirty="0">
+                <a:solidFill>
+                  <a:schemeClr val="accent1"/>
+                </a:solidFill>
+                <a:latin typeface="Cambria" panose="02040503050406030204" pitchFamily="18" charset="0"/>
+                <a:hlinkClick r:id="rId4"/>
+              </a:rPr>
+              <a:t>https://keras.io/</a:t>
+            </a:r>
+            <a:endParaRPr lang="en-US" sz="2000" b="1" dirty="0">
+              <a:solidFill>
+                <a:schemeClr val="accent1"/>
+              </a:solidFill>
+              <a:latin typeface="Cambria" panose="02040503050406030204" pitchFamily="18" charset="0"/>
+            </a:endParaRPr>
+          </a:p>
+        </p:txBody>
+      </p:sp>
+      <p:sp>
+        <p:nvSpPr>
+          <p:cNvPr id="6" name="TextBox 5"/>
+          <p:cNvSpPr txBox="1"/>
+          <p:nvPr/>
+        </p:nvSpPr>
+        <p:spPr>
+          <a:xfrm>
+            <a:off x="1300084" y="3516023"/>
+            <a:ext cx="9909364" cy="400110"/>
+          </a:xfrm>
+          <a:prstGeom prst="rect">
+            <a:avLst/>
+          </a:prstGeom>
+          <a:noFill/>
+        </p:spPr>
+        <p:txBody>
+          <a:bodyPr wrap="square" rtlCol="0">
+            <a:spAutoFit/>
+          </a:bodyPr>
+          <a:lstStyle/>
+          <a:p>
+            <a:pPr marL="342900" indent="-342900">
+              <a:buFont typeface="Arial"/>
+              <a:buChar char="•"/>
+            </a:pPr>
+            <a:r>
+              <a:rPr lang="en-US" sz="2000" b="1" dirty="0">
+                <a:solidFill>
+                  <a:schemeClr val="accent1"/>
+                </a:solidFill>
+                <a:latin typeface="Cambria" panose="02040503050406030204" pitchFamily="18" charset="0"/>
+              </a:rPr>
+              <a:t>Theano: </a:t>
+            </a:r>
+            <a:r>
+              <a:rPr lang="en-US" sz="2000" b="1" dirty="0">
+                <a:solidFill>
+                  <a:schemeClr val="accent1"/>
+                </a:solidFill>
+                <a:latin typeface="Cambria" panose="02040503050406030204" pitchFamily="18" charset="0"/>
+                <a:hlinkClick r:id="rId5"/>
+              </a:rPr>
+              <a:t>http://deeplearning.net/software/theano/</a:t>
+            </a:r>
+            <a:endParaRPr lang="en-US" sz="2000" b="1" dirty="0">
+              <a:solidFill>
+                <a:schemeClr val="accent1"/>
+              </a:solidFill>
+              <a:latin typeface="Cambria" panose="02040503050406030204" pitchFamily="18" charset="0"/>
+            </a:endParaRPr>
+          </a:p>
+        </p:txBody>
+      </p:sp>
+      <p:sp>
+        <p:nvSpPr>
+          <p:cNvPr id="7" name="TextBox 6"/>
+          <p:cNvSpPr txBox="1"/>
+          <p:nvPr/>
+        </p:nvSpPr>
+        <p:spPr>
+          <a:xfrm>
+            <a:off x="1300084" y="4767665"/>
+            <a:ext cx="9909364" cy="400110"/>
+          </a:xfrm>
+          <a:prstGeom prst="rect">
+            <a:avLst/>
+          </a:prstGeom>
+          <a:noFill/>
+        </p:spPr>
+        <p:txBody>
+          <a:bodyPr wrap="square" rtlCol="0">
+            <a:spAutoFit/>
+          </a:bodyPr>
+          <a:lstStyle/>
+          <a:p>
+            <a:pPr marL="342900" indent="-342900">
+              <a:buFont typeface="Arial"/>
+              <a:buChar char="•"/>
+            </a:pPr>
+            <a:r>
+              <a:rPr lang="en-US" sz="2000" b="1" dirty="0">
+                <a:solidFill>
+                  <a:schemeClr val="accent1"/>
+                </a:solidFill>
+                <a:latin typeface="Cambria" panose="02040503050406030204" pitchFamily="18" charset="0"/>
+              </a:rPr>
+              <a:t>PyTorch: </a:t>
+            </a:r>
+            <a:r>
+              <a:rPr lang="en-US" sz="2000" b="1" dirty="0">
+                <a:solidFill>
+                  <a:schemeClr val="accent1"/>
+                </a:solidFill>
+                <a:latin typeface="Cambria" panose="02040503050406030204" pitchFamily="18" charset="0"/>
+                <a:hlinkClick r:id="rId6"/>
+              </a:rPr>
+              <a:t>http://pytorch.org/ </a:t>
+            </a:r>
+            <a:endParaRPr lang="en-US" sz="2000" b="1" dirty="0">
+              <a:solidFill>
+                <a:schemeClr val="accent1"/>
+              </a:solidFill>
+              <a:latin typeface="Cambria" panose="02040503050406030204" pitchFamily="18" charset="0"/>
+            </a:endParaRPr>
+          </a:p>
+        </p:txBody>
+      </p:sp>
+      <p:sp>
+        <p:nvSpPr>
+          <p:cNvPr id="8" name="TextBox 7"/>
+          <p:cNvSpPr txBox="1"/>
+          <p:nvPr/>
+        </p:nvSpPr>
+        <p:spPr>
+          <a:xfrm>
+            <a:off x="1300084" y="2264381"/>
+            <a:ext cx="9909364" cy="400110"/>
+          </a:xfrm>
+          <a:prstGeom prst="rect">
+            <a:avLst/>
+          </a:prstGeom>
+          <a:noFill/>
+        </p:spPr>
+        <p:txBody>
+          <a:bodyPr wrap="square" rtlCol="0">
+            <a:spAutoFit/>
+          </a:bodyPr>
+          <a:lstStyle/>
+          <a:p>
+            <a:pPr marL="342900" indent="-342900">
+              <a:buFont typeface="Arial"/>
+              <a:buChar char="•"/>
+            </a:pPr>
+            <a:r>
+              <a:rPr lang="en-US" sz="2000" b="1" dirty="0">
+                <a:solidFill>
+                  <a:schemeClr val="accent1"/>
+                </a:solidFill>
+                <a:latin typeface="Cambria" panose="02040503050406030204" pitchFamily="18" charset="0"/>
+              </a:rPr>
+              <a:t>Scikit-learn: </a:t>
+            </a:r>
+            <a:r>
+              <a:rPr lang="en-US" sz="2000" b="1" dirty="0">
+                <a:solidFill>
+                  <a:schemeClr val="accent1"/>
+                </a:solidFill>
+                <a:latin typeface="Cambria" panose="02040503050406030204" pitchFamily="18" charset="0"/>
+                <a:hlinkClick r:id="rId7"/>
+              </a:rPr>
+              <a:t>http://scikit-learn.org/</a:t>
+            </a:r>
+            <a:endParaRPr lang="en-US" sz="2000" b="1" dirty="0">
+              <a:solidFill>
+                <a:schemeClr val="accent1"/>
+              </a:solidFill>
+              <a:latin typeface="Cambria" panose="02040503050406030204" pitchFamily="18" charset="0"/>
+            </a:endParaRPr>
+          </a:p>
+        </p:txBody>
+      </p:sp>
+      <p:sp>
+        <p:nvSpPr>
+          <p:cNvPr id="9" name="TextBox 8"/>
+          <p:cNvSpPr txBox="1"/>
+          <p:nvPr/>
+        </p:nvSpPr>
+        <p:spPr>
+          <a:xfrm>
+            <a:off x="1300084" y="5393488"/>
+            <a:ext cx="9909364" cy="400110"/>
+          </a:xfrm>
+          <a:prstGeom prst="rect">
+            <a:avLst/>
+          </a:prstGeom>
+          <a:noFill/>
+        </p:spPr>
+        <p:txBody>
+          <a:bodyPr wrap="square" rtlCol="0">
+            <a:spAutoFit/>
+          </a:bodyPr>
+          <a:lstStyle/>
+          <a:p>
+            <a:pPr marL="342900" indent="-342900">
+              <a:buFont typeface="Arial"/>
+              <a:buChar char="•"/>
+            </a:pPr>
+            <a:r>
+              <a:rPr lang="en-US" sz="2000" b="1" dirty="0">
+                <a:solidFill>
+                  <a:schemeClr val="accent1"/>
+                </a:solidFill>
+                <a:latin typeface="Cambria" panose="02040503050406030204" pitchFamily="18" charset="0"/>
+              </a:rPr>
+              <a:t>…</a:t>
+            </a:r>
+          </a:p>
+        </p:txBody>
+      </p:sp>
+    </p:spTree>
+    <p:extLst>
+      <p:ext uri="{BB962C8B-B14F-4D97-AF65-F5344CB8AC3E}">
+        <p14:creationId xmlns:p14="http://schemas.microsoft.com/office/powerpoint/2010/main" val="2656265643"/>
+      </p:ext>
+    </p:extLst>
+  </p:cSld>
+  <p:clrMapOvr>
+    <a:masterClrMapping/>
+  </p:clrMapOvr>
+  <mc:AlternateContent xmlns:mc="http://schemas.openxmlformats.org/markup-compatibility/2006" xmlns:p14="http://schemas.microsoft.com/office/powerpoint/2010/main">
+    <mc:Choice Requires="p14">
+      <p:transition spd="med" p14:dur="700">
+        <p:fade/>
+      </p:transition>
+    </mc:Choice>
+    <mc:Fallback xmlns="">
+      <p:transition spd="med">
+        <p:fade/>
+      </p:transition>
+    </mc:Fallback>
+  </mc:AlternateContent>
+  <p:timing>
+    <p:tnLst>
+      <p:par>
+        <p:cTn xmlns:p14="http://schemas.microsoft.com/office/powerpoint/2010/main" id="1" dur="indefinite" restart="never" nodeType="tmRoot"/>
+      </p:par>
+    </p:tnLst>
+  </p:timing>
+</p:sld>
+</file>
+
+<file path=ppt/slides/slide44.xml><?xml version="1.0" encoding="utf-8"?>
+<p:sld xmlns:a="http://schemas.openxmlformats.org/drawingml/2006/main" xmlns:r="http://schemas.openxmlformats.org/officeDocument/2006/relationships" xmlns:p="http://schemas.openxmlformats.org/presentationml/2006/main">
+  <p:cSld>
+    <p:spTree>
+      <p:nvGrpSpPr>
+        <p:cNvPr id="1" name=""/>
+        <p:cNvGrpSpPr/>
+        <p:nvPr/>
+      </p:nvGrpSpPr>
+      <p:grpSpPr>
+        <a:xfrm>
+          <a:off x="0" y="0"/>
+          <a:ext cx="0" cy="0"/>
+          <a:chOff x="0" y="0"/>
+          <a:chExt cx="0" cy="0"/>
+        </a:xfrm>
+      </p:grpSpPr>
+      <p:sp>
+        <p:nvSpPr>
+          <p:cNvPr id="3" name="TextBox 2"/>
+          <p:cNvSpPr txBox="1"/>
+          <p:nvPr/>
+        </p:nvSpPr>
+        <p:spPr>
+          <a:xfrm>
+            <a:off x="1271768" y="1512719"/>
+            <a:ext cx="7644448" cy="523220"/>
+          </a:xfrm>
+          <a:prstGeom prst="rect">
+            <a:avLst/>
+          </a:prstGeom>
+          <a:noFill/>
+        </p:spPr>
+        <p:txBody>
+          <a:bodyPr wrap="square" rtlCol="0">
+            <a:spAutoFit/>
+          </a:bodyPr>
+          <a:lstStyle/>
+          <a:p>
+            <a:r>
+              <a:rPr lang="en-US" sz="2800" b="1" dirty="0">
+                <a:solidFill>
+                  <a:schemeClr val="accent1"/>
+                </a:solidFill>
+                <a:latin typeface="Cambria" panose="02040503050406030204" pitchFamily="18" charset="0"/>
+              </a:rPr>
               <a:t>LEARNING RESOURCES</a:t>
             </a:r>
           </a:p>
@@ -18645,7 +19014,7 @@
 </p:sld>
 </file>
 
-<file path=ppt/slides/slide44.xml><?xml version="1.0" encoding="utf-8"?>
+<file path=ppt/slides/slide45.xml><?xml version="1.0" encoding="utf-8"?>
 <p:sld xmlns:a="http://schemas.openxmlformats.org/drawingml/2006/main" xmlns:r="http://schemas.openxmlformats.org/officeDocument/2006/relationships" xmlns:p="http://schemas.openxmlformats.org/presentationml/2006/main">
   <p:cSld>
     <p:spTree>
